--- a/Modules/PDP week 1.pptx
+++ b/Modules/PDP week 1.pptx
@@ -5,10 +5,10 @@
     <p:sldMasterId id="2147483661" r:id="rId1"/>
   </p:sldMasterIdLst>
   <p:notesMasterIdLst>
-    <p:notesMasterId r:id="rId56"/>
+    <p:notesMasterId r:id="rId57"/>
   </p:notesMasterIdLst>
   <p:handoutMasterIdLst>
-    <p:handoutMasterId r:id="rId57"/>
+    <p:handoutMasterId r:id="rId58"/>
   </p:handoutMasterIdLst>
   <p:sldIdLst>
     <p:sldId id="372" r:id="rId2"/>
@@ -18,53 +18,54 @@
     <p:sldId id="557" r:id="rId6"/>
     <p:sldId id="558" r:id="rId7"/>
     <p:sldId id="559" r:id="rId8"/>
-    <p:sldId id="560" r:id="rId9"/>
-    <p:sldId id="561" r:id="rId10"/>
-    <p:sldId id="563" r:id="rId11"/>
-    <p:sldId id="564" r:id="rId12"/>
-    <p:sldId id="565" r:id="rId13"/>
-    <p:sldId id="566" r:id="rId14"/>
-    <p:sldId id="573" r:id="rId15"/>
-    <p:sldId id="602" r:id="rId16"/>
-    <p:sldId id="571" r:id="rId17"/>
-    <p:sldId id="572" r:id="rId18"/>
-    <p:sldId id="599" r:id="rId19"/>
-    <p:sldId id="601" r:id="rId20"/>
-    <p:sldId id="600" r:id="rId21"/>
-    <p:sldId id="562" r:id="rId22"/>
-    <p:sldId id="568" r:id="rId23"/>
-    <p:sldId id="569" r:id="rId24"/>
-    <p:sldId id="570" r:id="rId25"/>
-    <p:sldId id="574" r:id="rId26"/>
-    <p:sldId id="575" r:id="rId27"/>
-    <p:sldId id="576" r:id="rId28"/>
-    <p:sldId id="577" r:id="rId29"/>
-    <p:sldId id="578" r:id="rId30"/>
-    <p:sldId id="580" r:id="rId31"/>
-    <p:sldId id="582" r:id="rId32"/>
-    <p:sldId id="579" r:id="rId33"/>
-    <p:sldId id="584" r:id="rId34"/>
-    <p:sldId id="585" r:id="rId35"/>
-    <p:sldId id="583" r:id="rId36"/>
-    <p:sldId id="586" r:id="rId37"/>
-    <p:sldId id="587" r:id="rId38"/>
-    <p:sldId id="588" r:id="rId39"/>
-    <p:sldId id="590" r:id="rId40"/>
-    <p:sldId id="589" r:id="rId41"/>
-    <p:sldId id="591" r:id="rId42"/>
-    <p:sldId id="594" r:id="rId43"/>
-    <p:sldId id="592" r:id="rId44"/>
-    <p:sldId id="593" r:id="rId45"/>
-    <p:sldId id="595" r:id="rId46"/>
-    <p:sldId id="596" r:id="rId47"/>
-    <p:sldId id="603" r:id="rId48"/>
-    <p:sldId id="604" r:id="rId49"/>
-    <p:sldId id="605" r:id="rId50"/>
-    <p:sldId id="606" r:id="rId51"/>
-    <p:sldId id="607" r:id="rId52"/>
-    <p:sldId id="608" r:id="rId53"/>
-    <p:sldId id="609" r:id="rId54"/>
-    <p:sldId id="598" r:id="rId55"/>
+    <p:sldId id="563" r:id="rId9"/>
+    <p:sldId id="560" r:id="rId10"/>
+    <p:sldId id="610" r:id="rId11"/>
+    <p:sldId id="611" r:id="rId12"/>
+    <p:sldId id="564" r:id="rId13"/>
+    <p:sldId id="565" r:id="rId14"/>
+    <p:sldId id="561" r:id="rId15"/>
+    <p:sldId id="566" r:id="rId16"/>
+    <p:sldId id="573" r:id="rId17"/>
+    <p:sldId id="602" r:id="rId18"/>
+    <p:sldId id="571" r:id="rId19"/>
+    <p:sldId id="572" r:id="rId20"/>
+    <p:sldId id="599" r:id="rId21"/>
+    <p:sldId id="601" r:id="rId22"/>
+    <p:sldId id="600" r:id="rId23"/>
+    <p:sldId id="562" r:id="rId24"/>
+    <p:sldId id="568" r:id="rId25"/>
+    <p:sldId id="569" r:id="rId26"/>
+    <p:sldId id="570" r:id="rId27"/>
+    <p:sldId id="574" r:id="rId28"/>
+    <p:sldId id="575" r:id="rId29"/>
+    <p:sldId id="576" r:id="rId30"/>
+    <p:sldId id="577" r:id="rId31"/>
+    <p:sldId id="578" r:id="rId32"/>
+    <p:sldId id="580" r:id="rId33"/>
+    <p:sldId id="579" r:id="rId34"/>
+    <p:sldId id="584" r:id="rId35"/>
+    <p:sldId id="585" r:id="rId36"/>
+    <p:sldId id="583" r:id="rId37"/>
+    <p:sldId id="586" r:id="rId38"/>
+    <p:sldId id="587" r:id="rId39"/>
+    <p:sldId id="588" r:id="rId40"/>
+    <p:sldId id="590" r:id="rId41"/>
+    <p:sldId id="589" r:id="rId42"/>
+    <p:sldId id="591" r:id="rId43"/>
+    <p:sldId id="594" r:id="rId44"/>
+    <p:sldId id="592" r:id="rId45"/>
+    <p:sldId id="593" r:id="rId46"/>
+    <p:sldId id="595" r:id="rId47"/>
+    <p:sldId id="596" r:id="rId48"/>
+    <p:sldId id="603" r:id="rId49"/>
+    <p:sldId id="604" r:id="rId50"/>
+    <p:sldId id="605" r:id="rId51"/>
+    <p:sldId id="606" r:id="rId52"/>
+    <p:sldId id="607" r:id="rId53"/>
+    <p:sldId id="608" r:id="rId54"/>
+    <p:sldId id="609" r:id="rId55"/>
+    <p:sldId id="598" r:id="rId56"/>
   </p:sldIdLst>
   <p:sldSz cx="9144000" cy="6858000" type="screen4x3"/>
   <p:notesSz cx="6858000" cy="9144000"/>
@@ -328,7 +329,7 @@
             <a:fld id="{8D2FDAF1-F4C4-FF43-BCCB-A55293E3BA2B}" type="datetimeFigureOut">
               <a:rPr lang="en-US"/>
               <a:pPr/>
-              <a:t>9/1/2017</a:t>
+              <a:t>9/6/2017</a:t>
             </a:fld>
             <a:endParaRPr lang="en-US"/>
           </a:p>
@@ -534,7 +535,7 @@
             <a:fld id="{28A21877-0AFE-7945-BE43-56C4D3957A68}" type="datetimeFigureOut">
               <a:rPr lang="en-US"/>
               <a:pPr/>
-              <a:t>9/1/2017</a:t>
+              <a:t>9/6/2017</a:t>
             </a:fld>
             <a:endParaRPr lang="en-US"/>
           </a:p>
@@ -1160,7 +1161,7 @@
             <a:fld id="{51CB7D3E-D7FB-4F05-ACC6-7CD828A6E84B}" type="slidenum">
               <a:rPr lang="en-US" altLang="en-US"/>
               <a:pPr/>
-              <a:t>15</a:t>
+              <a:t>17</a:t>
             </a:fld>
             <a:endParaRPr lang="en-US" altLang="en-US"/>
           </a:p>
@@ -1428,7 +1429,7 @@
             <a:fld id="{4E4FFEC9-DCE7-40F8-9D8E-BC2AEDA61768}" type="slidenum">
               <a:rPr lang="en-US" altLang="en-US" smtClean="0"/>
               <a:pPr/>
-              <a:t>18</a:t>
+              <a:t>20</a:t>
             </a:fld>
             <a:endParaRPr lang="en-US" altLang="en-US"/>
           </a:p>
@@ -1484,7 +1485,7 @@
             <a:fld id="{6E0F6605-945F-40EA-94B3-811573610AC9}" type="slidenum">
               <a:rPr lang="en-US" altLang="en-US"/>
               <a:pPr/>
-              <a:t>20</a:t>
+              <a:t>22</a:t>
             </a:fld>
             <a:endParaRPr lang="en-US" altLang="en-US"/>
           </a:p>
@@ -2044,7 +2045,7 @@
             <a:fld id="{FD14D299-D224-DE43-ACF0-507BD2DB484A}" type="datetime1">
               <a:rPr lang="en-US"/>
               <a:pPr/>
-              <a:t>9/1/2017</a:t>
+              <a:t>9/6/2017</a:t>
             </a:fld>
             <a:endParaRPr lang="en-US"/>
           </a:p>
@@ -2489,7 +2490,7 @@
             <a:fld id="{FD14D299-D224-DE43-ACF0-507BD2DB484A}" type="datetime1">
               <a:rPr lang="en-US"/>
               <a:pPr/>
-              <a:t>9/1/2017</a:t>
+              <a:t>9/6/2017</a:t>
             </a:fld>
             <a:endParaRPr lang="en-US"/>
           </a:p>
@@ -2725,7 +2726,7 @@
             <a:fld id="{E0F677F9-DFF3-994C-BE54-A2C07F960626}" type="datetime1">
               <a:rPr lang="en-US"/>
               <a:pPr/>
-              <a:t>9/1/2017</a:t>
+              <a:t>9/6/2017</a:t>
             </a:fld>
             <a:endParaRPr lang="en-US"/>
           </a:p>
@@ -3074,7 +3075,7 @@
             <a:fld id="{30E739B9-011B-B24C-9CEE-EF5163CAE1A8}" type="datetime1">
               <a:rPr lang="en-US"/>
               <a:pPr/>
-              <a:t>9/1/2017</a:t>
+              <a:t>9/6/2017</a:t>
             </a:fld>
             <a:endParaRPr lang="en-US"/>
           </a:p>
@@ -3355,7 +3356,7 @@
                 </a:spcAft>
                 <a:defRPr/>
               </a:pPr>
-              <a:t>9/1/2017</a:t>
+              <a:t>9/6/2017</a:t>
             </a:fld>
             <a:endParaRPr lang="en-US">
               <a:ea typeface="ＭＳ Ｐゴシック" charset="0"/>
@@ -3625,7 +3626,7 @@
                 </a:spcAft>
                 <a:defRPr/>
               </a:pPr>
-              <a:t>9/1/2017</a:t>
+              <a:t>9/6/2017</a:t>
             </a:fld>
             <a:endParaRPr lang="en-US">
               <a:ea typeface="ＭＳ Ｐゴシック" charset="0"/>
@@ -4008,7 +4009,7 @@
                 </a:spcAft>
                 <a:defRPr/>
               </a:pPr>
-              <a:t>9/1/2017</a:t>
+              <a:t>9/6/2017</a:t>
             </a:fld>
             <a:endParaRPr lang="en-US">
               <a:ea typeface="ＭＳ Ｐゴシック" charset="0"/>
@@ -4311,7 +4312,7 @@
                 </a:spcAft>
                 <a:defRPr/>
               </a:pPr>
-              <a:t>9/1/2017</a:t>
+              <a:t>9/6/2017</a:t>
             </a:fld>
             <a:endParaRPr lang="en-US">
               <a:ea typeface="ＭＳ Ｐゴシック" charset="0"/>
@@ -4581,7 +4582,7 @@
                 </a:spcAft>
                 <a:defRPr/>
               </a:pPr>
-              <a:t>9/1/2017</a:t>
+              <a:t>9/6/2017</a:t>
             </a:fld>
             <a:endParaRPr lang="en-US">
               <a:ea typeface="ＭＳ Ｐゴシック" charset="0"/>
@@ -4964,7 +4965,7 @@
                 </a:spcAft>
                 <a:defRPr/>
               </a:pPr>
-              <a:t>9/1/2017</a:t>
+              <a:t>9/6/2017</a:t>
             </a:fld>
             <a:endParaRPr lang="en-US">
               <a:ea typeface="ＭＳ Ｐゴシック" charset="0"/>
@@ -5214,7 +5215,7 @@
             <a:fld id="{E0F677F9-DFF3-994C-BE54-A2C07F960626}" type="datetime1">
               <a:rPr lang="en-US"/>
               <a:pPr/>
-              <a:t>9/1/2017</a:t>
+              <a:t>9/6/2017</a:t>
             </a:fld>
             <a:endParaRPr lang="en-US"/>
           </a:p>
@@ -5586,7 +5587,7 @@
                 <a:tabLst/>
                 <a:defRPr/>
               </a:pPr>
-              <a:t>9/1/2017</a:t>
+              <a:t>9/6/2017</a:t>
             </a:fld>
             <a:endParaRPr kumimoji="0" lang="en-US" sz="1200" b="0" i="0" u="none" strike="noStrike" kern="1200" cap="none" spc="0" normalizeH="0" baseline="0" noProof="0">
               <a:ln>
@@ -5951,7 +5952,7 @@
                 <a:tabLst/>
                 <a:defRPr/>
               </a:pPr>
-              <a:t>9/1/2017</a:t>
+              <a:t>9/6/2017</a:t>
             </a:fld>
             <a:endParaRPr kumimoji="0" lang="en-US" sz="1200" b="0" i="0" u="none" strike="noStrike" kern="1200" cap="none" spc="0" normalizeH="0" baseline="0" noProof="0">
               <a:ln>
@@ -6429,7 +6430,7 @@
                 <a:tabLst/>
                 <a:defRPr/>
               </a:pPr>
-              <a:t>9/1/2017</a:t>
+              <a:t>9/6/2017</a:t>
             </a:fld>
             <a:endParaRPr kumimoji="0" lang="en-US" sz="1200" b="0" i="0" u="none" strike="noStrike" kern="1200" cap="none" spc="0" normalizeH="0" baseline="0" noProof="0">
               <a:ln>
@@ -6712,7 +6713,7 @@
           <a:p>
             <a:fld id="{340563E2-95D5-4743-B361-E20450F97EE3}" type="datetimeFigureOut">
               <a:rPr lang="en-US" smtClean="0"/>
-              <a:t>9/1/2017</a:t>
+              <a:t>9/6/2017</a:t>
             </a:fld>
             <a:endParaRPr lang="en-US"/>
           </a:p>
@@ -6965,7 +6966,7 @@
             <a:fld id="{200D0C78-20BB-D54B-8314-0DB69530C007}" type="datetime1">
               <a:rPr lang="en-US"/>
               <a:pPr/>
-              <a:t>9/1/2017</a:t>
+              <a:t>9/6/2017</a:t>
             </a:fld>
             <a:endParaRPr lang="en-US"/>
           </a:p>
@@ -7296,7 +7297,7 @@
             <a:fld id="{30E739B9-011B-B24C-9CEE-EF5163CAE1A8}" type="datetime1">
               <a:rPr lang="en-US"/>
               <a:pPr/>
-              <a:t>9/1/2017</a:t>
+              <a:t>9/6/2017</a:t>
             </a:fld>
             <a:endParaRPr lang="en-US"/>
           </a:p>
@@ -7740,7 +7741,7 @@
             <a:fld id="{893E2AED-E6F5-B040-8530-D37A5207EBFF}" type="datetime1">
               <a:rPr lang="en-US"/>
               <a:pPr/>
-              <a:t>9/1/2017</a:t>
+              <a:t>9/6/2017</a:t>
             </a:fld>
             <a:endParaRPr lang="en-US"/>
           </a:p>
@@ -7888,7 +7889,7 @@
             <a:fld id="{2FD0A798-B20F-8F40-A7FE-FF343D9A2D8B}" type="datetime1">
               <a:rPr lang="en-US"/>
               <a:pPr/>
-              <a:t>9/1/2017</a:t>
+              <a:t>9/6/2017</a:t>
             </a:fld>
             <a:endParaRPr lang="en-US"/>
           </a:p>
@@ -8000,7 +8001,7 @@
             <a:fld id="{F13D938D-8950-C047-948F-106340589404}" type="datetime1">
               <a:rPr lang="en-US"/>
               <a:pPr/>
-              <a:t>9/1/2017</a:t>
+              <a:t>9/6/2017</a:t>
             </a:fld>
             <a:endParaRPr lang="en-US"/>
           </a:p>
@@ -8295,7 +8296,7 @@
             <a:fld id="{87A08F08-9473-C544-9822-05C2AD014517}" type="datetime1">
               <a:rPr lang="en-US"/>
               <a:pPr/>
-              <a:t>9/1/2017</a:t>
+              <a:t>9/6/2017</a:t>
             </a:fld>
             <a:endParaRPr lang="en-US"/>
           </a:p>
@@ -8574,7 +8575,7 @@
             <a:fld id="{D4C711D7-F4D6-1D40-9837-130CCB41BA6F}" type="datetime1">
               <a:rPr lang="en-US"/>
               <a:pPr/>
-              <a:t>9/1/2017</a:t>
+              <a:t>9/6/2017</a:t>
             </a:fld>
             <a:endParaRPr lang="en-US"/>
           </a:p>
@@ -8804,7 +8805,7 @@
             <a:fld id="{55826312-4609-354F-939F-3C677DD0A8BE}" type="datetime1">
               <a:rPr lang="en-US"/>
               <a:pPr/>
-              <a:t>9/1/2017</a:t>
+              <a:t>9/6/2017</a:t>
             </a:fld>
             <a:endParaRPr lang="en-US"/>
           </a:p>
@@ -9673,8 +9674,32 @@
         </p:blipFill>
         <p:spPr>
           <a:xfrm>
-            <a:off x="1371600" y="1143000"/>
-            <a:ext cx="6248400" cy="4686300"/>
+            <a:off x="914400" y="914400"/>
+            <a:ext cx="3014662" cy="2807647"/>
+          </a:xfrm>
+          <a:prstGeom prst="rect">
+            <a:avLst/>
+          </a:prstGeom>
+        </p:spPr>
+      </p:pic>
+      <p:pic>
+        <p:nvPicPr>
+          <p:cNvPr id="7" name="Picture 6"/>
+          <p:cNvPicPr>
+            <a:picLocks noChangeAspect="1"/>
+          </p:cNvPicPr>
+          <p:nvPr/>
+        </p:nvPicPr>
+        <p:blipFill>
+          <a:blip r:embed="rId3"/>
+          <a:stretch>
+            <a:fillRect/>
+          </a:stretch>
+        </p:blipFill>
+        <p:spPr>
+          <a:xfrm>
+            <a:off x="5486400" y="3200400"/>
+            <a:ext cx="2857500" cy="2886075"/>
           </a:xfrm>
           <a:prstGeom prst="rect">
             <a:avLst/>
@@ -9684,7 +9709,7 @@
     </p:spTree>
     <p:extLst>
       <p:ext uri="{BB962C8B-B14F-4D97-AF65-F5344CB8AC3E}">
-        <p14:creationId xmlns:p14="http://schemas.microsoft.com/office/powerpoint/2010/main" val="3406972563"/>
+        <p14:creationId xmlns:p14="http://schemas.microsoft.com/office/powerpoint/2010/main" val="1986718563"/>
       </p:ext>
     </p:extLst>
   </p:cSld>
@@ -9730,6 +9755,252 @@
               <a:rPr lang="en-US" smtClean="0"/>
               <a:pPr/>
               <a:t>11</a:t>
+            </a:fld>
+            <a:endParaRPr lang="en-US"/>
+          </a:p>
+        </p:txBody>
+      </p:sp>
+      <p:pic>
+        <p:nvPicPr>
+          <p:cNvPr id="3" name="Picture 2"/>
+          <p:cNvPicPr>
+            <a:picLocks noChangeAspect="1"/>
+          </p:cNvPicPr>
+          <p:nvPr/>
+        </p:nvPicPr>
+        <p:blipFill>
+          <a:blip r:embed="rId2"/>
+          <a:stretch>
+            <a:fillRect/>
+          </a:stretch>
+        </p:blipFill>
+        <p:spPr>
+          <a:xfrm>
+            <a:off x="838200" y="1219200"/>
+            <a:ext cx="3265714" cy="1828800"/>
+          </a:xfrm>
+          <a:prstGeom prst="rect">
+            <a:avLst/>
+          </a:prstGeom>
+        </p:spPr>
+      </p:pic>
+      <p:pic>
+        <p:nvPicPr>
+          <p:cNvPr id="4" name="Picture 3"/>
+          <p:cNvPicPr>
+            <a:picLocks noChangeAspect="1"/>
+          </p:cNvPicPr>
+          <p:nvPr/>
+        </p:nvPicPr>
+        <p:blipFill>
+          <a:blip r:embed="rId3"/>
+          <a:stretch>
+            <a:fillRect/>
+          </a:stretch>
+        </p:blipFill>
+        <p:spPr>
+          <a:xfrm>
+            <a:off x="3171825" y="2477165"/>
+            <a:ext cx="2457450" cy="1866900"/>
+          </a:xfrm>
+          <a:prstGeom prst="rect">
+            <a:avLst/>
+          </a:prstGeom>
+        </p:spPr>
+      </p:pic>
+      <p:pic>
+        <p:nvPicPr>
+          <p:cNvPr id="5" name="Picture 4"/>
+          <p:cNvPicPr>
+            <a:picLocks noChangeAspect="1"/>
+          </p:cNvPicPr>
+          <p:nvPr/>
+        </p:nvPicPr>
+        <p:blipFill>
+          <a:blip r:embed="rId4"/>
+          <a:stretch>
+            <a:fillRect/>
+          </a:stretch>
+        </p:blipFill>
+        <p:spPr>
+          <a:xfrm>
+            <a:off x="4648200" y="3657600"/>
+            <a:ext cx="2466975" cy="1847850"/>
+          </a:xfrm>
+          <a:prstGeom prst="rect">
+            <a:avLst/>
+          </a:prstGeom>
+        </p:spPr>
+      </p:pic>
+    </p:spTree>
+    <p:extLst>
+      <p:ext uri="{BB962C8B-B14F-4D97-AF65-F5344CB8AC3E}">
+        <p14:creationId xmlns:p14="http://schemas.microsoft.com/office/powerpoint/2010/main" val="3141326832"/>
+      </p:ext>
+    </p:extLst>
+  </p:cSld>
+  <p:clrMapOvr>
+    <a:masterClrMapping/>
+  </p:clrMapOvr>
+  <p:timing>
+    <p:tnLst>
+      <p:par>
+        <p:cTn id="1" dur="indefinite" restart="never" nodeType="tmRoot">
+          <p:childTnLst>
+            <p:seq concurrent="1" nextAc="seek">
+              <p:cTn id="2" dur="indefinite" nodeType="mainSeq">
+                <p:childTnLst>
+                  <p:par>
+                    <p:cTn id="3" fill="hold">
+                      <p:stCondLst>
+                        <p:cond delay="indefinite"/>
+                      </p:stCondLst>
+                      <p:childTnLst>
+                        <p:par>
+                          <p:cTn id="4" fill="hold">
+                            <p:stCondLst>
+                              <p:cond delay="0"/>
+                            </p:stCondLst>
+                            <p:childTnLst>
+                              <p:par>
+                                <p:cTn id="5" presetID="1" presetClass="entr" presetSubtype="0" fill="hold" nodeType="clickEffect">
+                                  <p:stCondLst>
+                                    <p:cond delay="0"/>
+                                  </p:stCondLst>
+                                  <p:childTnLst>
+                                    <p:set>
+                                      <p:cBhvr>
+                                        <p:cTn id="6" dur="1" fill="hold">
+                                          <p:stCondLst>
+                                            <p:cond delay="0"/>
+                                          </p:stCondLst>
+                                        </p:cTn>
+                                        <p:tgtEl>
+                                          <p:spTgt spid="4"/>
+                                        </p:tgtEl>
+                                        <p:attrNameLst>
+                                          <p:attrName>style.visibility</p:attrName>
+                                        </p:attrNameLst>
+                                      </p:cBhvr>
+                                      <p:to>
+                                        <p:strVal val="visible"/>
+                                      </p:to>
+                                    </p:set>
+                                  </p:childTnLst>
+                                </p:cTn>
+                              </p:par>
+                            </p:childTnLst>
+                          </p:cTn>
+                        </p:par>
+                      </p:childTnLst>
+                    </p:cTn>
+                  </p:par>
+                  <p:par>
+                    <p:cTn id="7" fill="hold">
+                      <p:stCondLst>
+                        <p:cond delay="indefinite"/>
+                      </p:stCondLst>
+                      <p:childTnLst>
+                        <p:par>
+                          <p:cTn id="8" fill="hold">
+                            <p:stCondLst>
+                              <p:cond delay="0"/>
+                            </p:stCondLst>
+                            <p:childTnLst>
+                              <p:par>
+                                <p:cTn id="9" presetID="1" presetClass="entr" presetSubtype="0" fill="hold" nodeType="clickEffect">
+                                  <p:stCondLst>
+                                    <p:cond delay="0"/>
+                                  </p:stCondLst>
+                                  <p:childTnLst>
+                                    <p:set>
+                                      <p:cBhvr>
+                                        <p:cTn id="10" dur="1" fill="hold">
+                                          <p:stCondLst>
+                                            <p:cond delay="0"/>
+                                          </p:stCondLst>
+                                        </p:cTn>
+                                        <p:tgtEl>
+                                          <p:spTgt spid="5"/>
+                                        </p:tgtEl>
+                                        <p:attrNameLst>
+                                          <p:attrName>style.visibility</p:attrName>
+                                        </p:attrNameLst>
+                                      </p:cBhvr>
+                                      <p:to>
+                                        <p:strVal val="visible"/>
+                                      </p:to>
+                                    </p:set>
+                                  </p:childTnLst>
+                                </p:cTn>
+                              </p:par>
+                            </p:childTnLst>
+                          </p:cTn>
+                        </p:par>
+                      </p:childTnLst>
+                    </p:cTn>
+                  </p:par>
+                </p:childTnLst>
+              </p:cTn>
+              <p:prevCondLst>
+                <p:cond evt="onPrev" delay="0">
+                  <p:tgtEl>
+                    <p:sldTgt/>
+                  </p:tgtEl>
+                </p:cond>
+              </p:prevCondLst>
+              <p:nextCondLst>
+                <p:cond evt="onNext" delay="0">
+                  <p:tgtEl>
+                    <p:sldTgt/>
+                  </p:tgtEl>
+                </p:cond>
+              </p:nextCondLst>
+            </p:seq>
+          </p:childTnLst>
+        </p:cTn>
+      </p:par>
+    </p:tnLst>
+  </p:timing>
+</p:sld>
+</file>
+
+<file path=ppt/slides/slide12.xml><?xml version="1.0" encoding="utf-8"?>
+<p:sld xmlns:a="http://schemas.openxmlformats.org/drawingml/2006/main" xmlns:r="http://schemas.openxmlformats.org/officeDocument/2006/relationships" xmlns:p="http://schemas.openxmlformats.org/presentationml/2006/main">
+  <p:cSld>
+    <p:spTree>
+      <p:nvGrpSpPr>
+        <p:cNvPr id="1" name=""/>
+        <p:cNvGrpSpPr/>
+        <p:nvPr/>
+      </p:nvGrpSpPr>
+      <p:grpSpPr>
+        <a:xfrm>
+          <a:off x="0" y="0"/>
+          <a:ext cx="0" cy="0"/>
+          <a:chOff x="0" y="0"/>
+          <a:chExt cx="0" cy="0"/>
+        </a:xfrm>
+      </p:grpSpPr>
+      <p:sp>
+        <p:nvSpPr>
+          <p:cNvPr id="2" name="Slide Number Placeholder 1"/>
+          <p:cNvSpPr>
+            <a:spLocks noGrp="1"/>
+          </p:cNvSpPr>
+          <p:nvPr>
+            <p:ph type="sldNum" sz="quarter" idx="12"/>
+          </p:nvPr>
+        </p:nvSpPr>
+        <p:spPr/>
+        <p:txBody>
+          <a:bodyPr/>
+          <a:lstStyle/>
+          <a:p>
+            <a:fld id="{4CD7D367-BCA1-DA48-B9FE-F826A2524F95}" type="slidenum">
+              <a:rPr lang="en-US" smtClean="0"/>
+              <a:pPr/>
+              <a:t>12</a:t>
             </a:fld>
             <a:endParaRPr lang="en-US"/>
           </a:p>
@@ -9772,7 +10043,7 @@
 </p:sld>
 </file>
 
-<file path=ppt/slides/slide12.xml><?xml version="1.0" encoding="utf-8"?>
+<file path=ppt/slides/slide13.xml><?xml version="1.0" encoding="utf-8"?>
 <p:sld xmlns:a="http://schemas.openxmlformats.org/drawingml/2006/main" xmlns:r="http://schemas.openxmlformats.org/officeDocument/2006/relationships" xmlns:p="http://schemas.openxmlformats.org/presentationml/2006/main">
   <p:cSld>
     <p:spTree>
@@ -9807,7 +10078,7 @@
             <a:fld id="{4CD7D367-BCA1-DA48-B9FE-F826A2524F95}" type="slidenum">
               <a:rPr lang="en-US" smtClean="0"/>
               <a:pPr/>
-              <a:t>12</a:t>
+              <a:t>13</a:t>
             </a:fld>
             <a:endParaRPr lang="en-US"/>
           </a:p>
@@ -9850,7 +10121,7 @@
 </p:sld>
 </file>
 
-<file path=ppt/slides/slide13.xml><?xml version="1.0" encoding="utf-8"?>
+<file path=ppt/slides/slide14.xml><?xml version="1.0" encoding="utf-8"?>
 <p:sld xmlns:a="http://schemas.openxmlformats.org/drawingml/2006/main" xmlns:r="http://schemas.openxmlformats.org/officeDocument/2006/relationships" xmlns:p="http://schemas.openxmlformats.org/presentationml/2006/main">
   <p:cSld>
     <p:spTree>
@@ -9869,6 +10140,173 @@
       </p:grpSpPr>
       <p:sp>
         <p:nvSpPr>
+          <p:cNvPr id="2" name="Content Placeholder 1"/>
+          <p:cNvSpPr>
+            <a:spLocks noGrp="1"/>
+          </p:cNvSpPr>
+          <p:nvPr>
+            <p:ph sz="half" idx="1"/>
+          </p:nvPr>
+        </p:nvSpPr>
+        <p:spPr>
+          <a:xfrm>
+            <a:off x="457200" y="1600201"/>
+            <a:ext cx="8077200" cy="4525963"/>
+          </a:xfrm>
+        </p:spPr>
+        <p:txBody>
+          <a:bodyPr/>
+          <a:lstStyle/>
+          <a:p>
+            <a:r>
+              <a:rPr lang="en-US" dirty="0"/>
+              <a:t>Software systems always change and evolve</a:t>
+            </a:r>
+          </a:p>
+          <a:p>
+            <a:pPr lvl="1"/>
+            <a:r>
+              <a:rPr lang="en-US" dirty="0"/>
+              <a:t>Your code should be comprehensible so other engineers can use and modify it</a:t>
+            </a:r>
+          </a:p>
+          <a:p>
+            <a:r>
+              <a:rPr lang="en-US" dirty="0"/>
+              <a:t>Design principles make it possible to build modifiable software</a:t>
+            </a:r>
+          </a:p>
+          <a:p>
+            <a:pPr lvl="1"/>
+            <a:r>
+              <a:rPr lang="en-US" dirty="0"/>
+              <a:t>But there are always trade-offs</a:t>
+            </a:r>
+          </a:p>
+          <a:p>
+            <a:pPr lvl="1"/>
+            <a:r>
+              <a:rPr lang="en-US" dirty="0"/>
+              <a:t>Some changes are easier to make than others</a:t>
+            </a:r>
+          </a:p>
+          <a:p>
+            <a:pPr lvl="2"/>
+            <a:r>
+              <a:rPr lang="en-US" dirty="0"/>
+              <a:t>And some will be hard/impossible</a:t>
+            </a:r>
+          </a:p>
+          <a:p>
+            <a:pPr lvl="1"/>
+            <a:r>
+              <a:rPr lang="en-US" dirty="0"/>
+              <a:t>The art of design is to anticipate likely/most common changes and accommodate those</a:t>
+            </a:r>
+          </a:p>
+        </p:txBody>
+      </p:sp>
+      <p:sp>
+        <p:nvSpPr>
+          <p:cNvPr id="4" name="Title 3"/>
+          <p:cNvSpPr>
+            <a:spLocks noGrp="1"/>
+          </p:cNvSpPr>
+          <p:nvPr>
+            <p:ph type="ctrTitle"/>
+          </p:nvPr>
+        </p:nvSpPr>
+        <p:spPr/>
+        <p:txBody>
+          <a:bodyPr/>
+          <a:lstStyle/>
+          <a:p>
+            <a:r>
+              <a:rPr lang="en-US" dirty="0"/>
+              <a:t>Modifiable</a:t>
+            </a:r>
+          </a:p>
+        </p:txBody>
+      </p:sp>
+      <p:sp>
+        <p:nvSpPr>
+          <p:cNvPr id="5" name="Slide Number Placeholder 4"/>
+          <p:cNvSpPr>
+            <a:spLocks noGrp="1"/>
+          </p:cNvSpPr>
+          <p:nvPr>
+            <p:ph type="sldNum" sz="quarter" idx="12"/>
+          </p:nvPr>
+        </p:nvSpPr>
+        <p:spPr/>
+        <p:txBody>
+          <a:bodyPr/>
+          <a:lstStyle/>
+          <a:p>
+            <a:pPr defTabSz="457200" fontAlgn="base">
+              <a:spcBef>
+                <a:spcPct val="0"/>
+              </a:spcBef>
+              <a:spcAft>
+                <a:spcPct val="0"/>
+              </a:spcAft>
+              <a:defRPr/>
+            </a:pPr>
+            <a:fld id="{7D5A3BC4-B19D-A441-9E0C-B5423139123D}" type="slidenum">
+              <a:rPr lang="en-US" smtClean="0">
+                <a:ea typeface="ＭＳ Ｐゴシック" charset="0"/>
+                <a:cs typeface="Arial" charset="0"/>
+              </a:rPr>
+              <a:pPr defTabSz="457200" fontAlgn="base">
+                <a:spcBef>
+                  <a:spcPct val="0"/>
+                </a:spcBef>
+                <a:spcAft>
+                  <a:spcPct val="0"/>
+                </a:spcAft>
+                <a:defRPr/>
+              </a:pPr>
+              <a:t>14</a:t>
+            </a:fld>
+            <a:endParaRPr lang="en-US">
+              <a:ea typeface="ＭＳ Ｐゴシック" charset="0"/>
+              <a:cs typeface="Arial" charset="0"/>
+            </a:endParaRPr>
+          </a:p>
+        </p:txBody>
+      </p:sp>
+    </p:spTree>
+    <p:extLst>
+      <p:ext uri="{BB962C8B-B14F-4D97-AF65-F5344CB8AC3E}">
+        <p14:creationId xmlns:p14="http://schemas.microsoft.com/office/powerpoint/2010/main" val="790983248"/>
+      </p:ext>
+    </p:extLst>
+  </p:cSld>
+  <p:clrMapOvr>
+    <a:masterClrMapping/>
+  </p:clrMapOvr>
+</p:sld>
+</file>
+
+<file path=ppt/slides/slide15.xml><?xml version="1.0" encoding="utf-8"?>
+<p:sld xmlns:a="http://schemas.openxmlformats.org/drawingml/2006/main" xmlns:r="http://schemas.openxmlformats.org/officeDocument/2006/relationships" xmlns:p="http://schemas.openxmlformats.org/presentationml/2006/main">
+  <p:cSld>
+    <p:spTree>
+      <p:nvGrpSpPr>
+        <p:cNvPr id="1" name=""/>
+        <p:cNvGrpSpPr/>
+        <p:nvPr/>
+      </p:nvGrpSpPr>
+      <p:grpSpPr>
+        <a:xfrm>
+          <a:off x="0" y="0"/>
+          <a:ext cx="0" cy="0"/>
+          <a:chOff x="0" y="0"/>
+          <a:chExt cx="0" cy="0"/>
+        </a:xfrm>
+      </p:grpSpPr>
+      <p:sp>
+        <p:nvSpPr>
           <p:cNvPr id="2" name="Slide Number Placeholder 1"/>
           <p:cNvSpPr>
             <a:spLocks noGrp="1"/>
@@ -9885,7 +10323,7 @@
             <a:fld id="{4CD7D367-BCA1-DA48-B9FE-F826A2524F95}" type="slidenum">
               <a:rPr lang="en-US" smtClean="0"/>
               <a:pPr/>
-              <a:t>13</a:t>
+              <a:t>15</a:t>
             </a:fld>
             <a:endParaRPr lang="en-US"/>
           </a:p>
@@ -9928,7 +10366,7 @@
 </p:sld>
 </file>
 
-<file path=ppt/slides/slide14.xml><?xml version="1.0" encoding="utf-8"?>
+<file path=ppt/slides/slide16.xml><?xml version="1.0" encoding="utf-8"?>
 <p:sld xmlns:a="http://schemas.openxmlformats.org/drawingml/2006/main" xmlns:r="http://schemas.openxmlformats.org/officeDocument/2006/relationships" xmlns:p="http://schemas.openxmlformats.org/presentationml/2006/main">
   <p:cSld>
     <p:spTree>
@@ -9963,7 +10401,7 @@
             <a:fld id="{4CD7D367-BCA1-DA48-B9FE-F826A2524F95}" type="slidenum">
               <a:rPr lang="en-US" smtClean="0"/>
               <a:pPr/>
-              <a:t>14</a:t>
+              <a:t>16</a:t>
             </a:fld>
             <a:endParaRPr lang="en-US"/>
           </a:p>
@@ -10035,7 +10473,7 @@
 </p:sld>
 </file>
 
-<file path=ppt/slides/slide15.xml><?xml version="1.0" encoding="utf-8"?>
+<file path=ppt/slides/slide17.xml><?xml version="1.0" encoding="utf-8"?>
 <p:sld xmlns:a="http://schemas.openxmlformats.org/drawingml/2006/main" xmlns:r="http://schemas.openxmlformats.org/officeDocument/2006/relationships" xmlns:p="http://schemas.openxmlformats.org/presentationml/2006/main">
   <p:cSld>
     <p:spTree>
@@ -10070,7 +10508,7 @@
             <a:fld id="{D567C0F0-BC3E-4CB0-AE35-C073545D5F53}" type="datetime1">
               <a:rPr lang="en-US" altLang="en-US"/>
               <a:pPr/>
-              <a:t>9/1/2017</a:t>
+              <a:t>9/6/2017</a:t>
             </a:fld>
             <a:endParaRPr lang="en-US" altLang="en-US"/>
           </a:p>
@@ -10098,7 +10536,7 @@
             <a:fld id="{78549E25-66B6-444C-BD60-A5EC5329A824}" type="slidenum">
               <a:rPr lang="en-US" altLang="en-US"/>
               <a:pPr/>
-              <a:t>15</a:t>
+              <a:t>17</a:t>
             </a:fld>
             <a:endParaRPr lang="en-US" altLang="en-US"/>
           </a:p>
@@ -10655,7 +11093,7 @@
 </p:sld>
 </file>
 
-<file path=ppt/slides/slide16.xml><?xml version="1.0" encoding="utf-8"?>
+<file path=ppt/slides/slide18.xml><?xml version="1.0" encoding="utf-8"?>
 <p:sld xmlns:a="http://schemas.openxmlformats.org/drawingml/2006/main" xmlns:r="http://schemas.openxmlformats.org/officeDocument/2006/relationships" xmlns:p="http://schemas.openxmlformats.org/presentationml/2006/main">
   <p:cSld>
     <p:spTree>
@@ -10690,7 +11128,7 @@
             <a:fld id="{4CD7D367-BCA1-DA48-B9FE-F826A2524F95}" type="slidenum">
               <a:rPr lang="en-US" smtClean="0"/>
               <a:pPr/>
-              <a:t>16</a:t>
+              <a:t>18</a:t>
             </a:fld>
             <a:endParaRPr lang="en-US"/>
           </a:p>
@@ -10733,7 +11171,7 @@
 </p:sld>
 </file>
 
-<file path=ppt/slides/slide17.xml><?xml version="1.0" encoding="utf-8"?>
+<file path=ppt/slides/slide19.xml><?xml version="1.0" encoding="utf-8"?>
 <p:sld xmlns:a="http://schemas.openxmlformats.org/drawingml/2006/main" xmlns:r="http://schemas.openxmlformats.org/officeDocument/2006/relationships" xmlns:p="http://schemas.openxmlformats.org/presentationml/2006/main">
   <p:cSld>
     <p:spTree>
@@ -10768,7 +11206,7 @@
             <a:fld id="{4CD7D367-BCA1-DA48-B9FE-F826A2524F95}" type="slidenum">
               <a:rPr lang="en-US" smtClean="0"/>
               <a:pPr/>
-              <a:t>17</a:t>
+              <a:t>19</a:t>
             </a:fld>
             <a:endParaRPr lang="en-US"/>
           </a:p>
@@ -10811,7 +11249,91 @@
 </p:sld>
 </file>
 
-<file path=ppt/slides/slide18.xml><?xml version="1.0" encoding="utf-8"?>
+<file path=ppt/slides/slide2.xml><?xml version="1.0" encoding="utf-8"?>
+<p:sld xmlns:a="http://schemas.openxmlformats.org/drawingml/2006/main" xmlns:r="http://schemas.openxmlformats.org/officeDocument/2006/relationships" xmlns:p="http://schemas.openxmlformats.org/presentationml/2006/main">
+  <p:cSld>
+    <p:spTree>
+      <p:nvGrpSpPr>
+        <p:cNvPr id="1" name=""/>
+        <p:cNvGrpSpPr/>
+        <p:nvPr/>
+      </p:nvGrpSpPr>
+      <p:grpSpPr>
+        <a:xfrm>
+          <a:off x="0" y="0"/>
+          <a:ext cx="0" cy="0"/>
+          <a:chOff x="0" y="0"/>
+          <a:chExt cx="0" cy="0"/>
+        </a:xfrm>
+      </p:grpSpPr>
+      <p:sp>
+        <p:nvSpPr>
+          <p:cNvPr id="2" name="Title 1"/>
+          <p:cNvSpPr>
+            <a:spLocks noGrp="1"/>
+          </p:cNvSpPr>
+          <p:nvPr>
+            <p:ph type="ctrTitle"/>
+          </p:nvPr>
+        </p:nvSpPr>
+        <p:spPr>
+          <a:xfrm>
+            <a:off x="762000" y="2057400"/>
+            <a:ext cx="8382000" cy="838200"/>
+          </a:xfrm>
+        </p:spPr>
+        <p:txBody>
+          <a:bodyPr/>
+          <a:lstStyle/>
+          <a:p>
+            <a:r>
+              <a:rPr lang="en-US" dirty="0"/>
+              <a:t>Program Design Principles – PDP CS5010</a:t>
+            </a:r>
+          </a:p>
+        </p:txBody>
+      </p:sp>
+      <p:sp>
+        <p:nvSpPr>
+          <p:cNvPr id="3" name="Subtitle 2"/>
+          <p:cNvSpPr>
+            <a:spLocks noGrp="1"/>
+          </p:cNvSpPr>
+          <p:nvPr>
+            <p:ph type="subTitle" idx="1"/>
+          </p:nvPr>
+        </p:nvSpPr>
+        <p:spPr>
+          <a:xfrm>
+            <a:off x="1295400" y="3581400"/>
+            <a:ext cx="6400800" cy="400050"/>
+          </a:xfrm>
+        </p:spPr>
+        <p:txBody>
+          <a:bodyPr/>
+          <a:lstStyle/>
+          <a:p>
+            <a:r>
+              <a:rPr lang="en-US" sz="2400" dirty="0"/>
+              <a:t>Week 1 – Introduction to PDP</a:t>
+            </a:r>
+          </a:p>
+        </p:txBody>
+      </p:sp>
+    </p:spTree>
+    <p:extLst>
+      <p:ext uri="{BB962C8B-B14F-4D97-AF65-F5344CB8AC3E}">
+        <p14:creationId xmlns:p14="http://schemas.microsoft.com/office/powerpoint/2010/main" val="3229488619"/>
+      </p:ext>
+    </p:extLst>
+  </p:cSld>
+  <p:clrMapOvr>
+    <a:masterClrMapping/>
+  </p:clrMapOvr>
+</p:sld>
+</file>
+
+<file path=ppt/slides/slide20.xml><?xml version="1.0" encoding="utf-8"?>
 <p:sld xmlns:a="http://schemas.openxmlformats.org/drawingml/2006/main" xmlns:r="http://schemas.openxmlformats.org/officeDocument/2006/relationships" xmlns:p="http://schemas.openxmlformats.org/presentationml/2006/main">
   <p:cSld>
     <p:spTree>
@@ -11112,7 +11634,7 @@
               <a:rPr lang="en-US" sz="2400" dirty="0">
                 <a:latin typeface="Calibri" panose="020F0502020204030204" pitchFamily="34" charset="0"/>
               </a:rPr>
-              <a:t>programs are a series of command</a:t>
+              <a:t>programs are a series of commands</a:t>
             </a:r>
           </a:p>
           <a:p>
@@ -11314,8 +11836,8 @@
         </p:blipFill>
         <p:spPr>
           <a:xfrm>
-            <a:off x="7427843" y="1645061"/>
-            <a:ext cx="1716157" cy="2145197"/>
+            <a:off x="7696200" y="1645061"/>
+            <a:ext cx="1447800" cy="2145197"/>
           </a:xfrm>
           <a:prstGeom prst="rect">
             <a:avLst/>
@@ -12153,7 +12675,7 @@
 </p:sld>
 </file>
 
-<file path=ppt/slides/slide19.xml><?xml version="1.0" encoding="utf-8"?>
+<file path=ppt/slides/slide21.xml><?xml version="1.0" encoding="utf-8"?>
 <p:sld xmlns:a="http://schemas.openxmlformats.org/drawingml/2006/main" xmlns:r="http://schemas.openxmlformats.org/officeDocument/2006/relationships" xmlns:p="http://schemas.openxmlformats.org/presentationml/2006/main">
   <p:cSld>
     <p:spTree>
@@ -12187,7 +12709,7 @@
           <a:p>
             <a:fld id="{8AF38DD2-8BE2-4C6E-9D98-ABF1B54FEE4A}" type="slidenum">
               <a:rPr lang="en-US" smtClean="0"/>
-              <a:t>19</a:t>
+              <a:t>21</a:t>
             </a:fld>
             <a:endParaRPr lang="en-US"/>
           </a:p>
@@ -12261,7 +12783,7 @@
 </p:sld>
 </file>
 
-<file path=ppt/slides/slide2.xml><?xml version="1.0" encoding="utf-8"?>
+<file path=ppt/slides/slide22.xml><?xml version="1.0" encoding="utf-8"?>
 <p:sld xmlns:a="http://schemas.openxmlformats.org/drawingml/2006/main" xmlns:r="http://schemas.openxmlformats.org/officeDocument/2006/relationships" xmlns:p="http://schemas.openxmlformats.org/presentationml/2006/main">
   <p:cSld>
     <p:spTree>
@@ -12280,90 +12802,6 @@
       </p:grpSpPr>
       <p:sp>
         <p:nvSpPr>
-          <p:cNvPr id="2" name="Title 1"/>
-          <p:cNvSpPr>
-            <a:spLocks noGrp="1"/>
-          </p:cNvSpPr>
-          <p:nvPr>
-            <p:ph type="ctrTitle"/>
-          </p:nvPr>
-        </p:nvSpPr>
-        <p:spPr>
-          <a:xfrm>
-            <a:off x="762000" y="2057400"/>
-            <a:ext cx="8382000" cy="838200"/>
-          </a:xfrm>
-        </p:spPr>
-        <p:txBody>
-          <a:bodyPr/>
-          <a:lstStyle/>
-          <a:p>
-            <a:r>
-              <a:rPr lang="en-US" dirty="0"/>
-              <a:t>Program Design Principles – PDP CS5010</a:t>
-            </a:r>
-          </a:p>
-        </p:txBody>
-      </p:sp>
-      <p:sp>
-        <p:nvSpPr>
-          <p:cNvPr id="3" name="Subtitle 2"/>
-          <p:cNvSpPr>
-            <a:spLocks noGrp="1"/>
-          </p:cNvSpPr>
-          <p:nvPr>
-            <p:ph type="subTitle" idx="1"/>
-          </p:nvPr>
-        </p:nvSpPr>
-        <p:spPr>
-          <a:xfrm>
-            <a:off x="1295400" y="3581400"/>
-            <a:ext cx="6400800" cy="400050"/>
-          </a:xfrm>
-        </p:spPr>
-        <p:txBody>
-          <a:bodyPr/>
-          <a:lstStyle/>
-          <a:p>
-            <a:r>
-              <a:rPr lang="en-US" sz="2400" dirty="0"/>
-              <a:t>Week 1 – Introduction PDP</a:t>
-            </a:r>
-          </a:p>
-        </p:txBody>
-      </p:sp>
-    </p:spTree>
-    <p:extLst>
-      <p:ext uri="{BB962C8B-B14F-4D97-AF65-F5344CB8AC3E}">
-        <p14:creationId xmlns:p14="http://schemas.microsoft.com/office/powerpoint/2010/main" val="3229488619"/>
-      </p:ext>
-    </p:extLst>
-  </p:cSld>
-  <p:clrMapOvr>
-    <a:masterClrMapping/>
-  </p:clrMapOvr>
-</p:sld>
-</file>
-
-<file path=ppt/slides/slide20.xml><?xml version="1.0" encoding="utf-8"?>
-<p:sld xmlns:a="http://schemas.openxmlformats.org/drawingml/2006/main" xmlns:r="http://schemas.openxmlformats.org/officeDocument/2006/relationships" xmlns:p="http://schemas.openxmlformats.org/presentationml/2006/main">
-  <p:cSld>
-    <p:spTree>
-      <p:nvGrpSpPr>
-        <p:cNvPr id="1" name=""/>
-        <p:cNvGrpSpPr/>
-        <p:nvPr/>
-      </p:nvGrpSpPr>
-      <p:grpSpPr>
-        <a:xfrm>
-          <a:off x="0" y="0"/>
-          <a:ext cx="0" cy="0"/>
-          <a:chOff x="0" y="0"/>
-          <a:chExt cx="0" cy="0"/>
-        </a:xfrm>
-      </p:grpSpPr>
-      <p:sp>
-        <p:nvSpPr>
           <p:cNvPr id="4" name="Date Placeholder 3"/>
           <p:cNvSpPr>
             <a:spLocks noGrp="1"/>
@@ -12380,7 +12818,7 @@
             <a:fld id="{D9A531B6-F045-4631-91CC-9C56FC7B4273}" type="datetime1">
               <a:rPr lang="en-US" altLang="en-US"/>
               <a:pPr/>
-              <a:t>9/1/2017</a:t>
+              <a:t>9/6/2017</a:t>
             </a:fld>
             <a:endParaRPr lang="en-US" altLang="en-US"/>
           </a:p>
@@ -12408,7 +12846,7 @@
             <a:fld id="{515035AC-B81B-4860-B669-DA2AF857C52E}" type="slidenum">
               <a:rPr lang="en-US" altLang="en-US"/>
               <a:pPr/>
-              <a:t>20</a:t>
+              <a:t>22</a:t>
             </a:fld>
             <a:endParaRPr lang="en-US" altLang="en-US"/>
           </a:p>
@@ -13286,279 +13724,6 @@
 </p:sld>
 </file>
 
-<file path=ppt/slides/slide21.xml><?xml version="1.0" encoding="utf-8"?>
-<p:sld xmlns:a="http://schemas.openxmlformats.org/drawingml/2006/main" xmlns:r="http://schemas.openxmlformats.org/officeDocument/2006/relationships" xmlns:p="http://schemas.openxmlformats.org/presentationml/2006/main">
-  <p:cSld>
-    <p:spTree>
-      <p:nvGrpSpPr>
-        <p:cNvPr id="1" name=""/>
-        <p:cNvGrpSpPr/>
-        <p:nvPr/>
-      </p:nvGrpSpPr>
-      <p:grpSpPr>
-        <a:xfrm>
-          <a:off x="0" y="0"/>
-          <a:ext cx="0" cy="0"/>
-          <a:chOff x="0" y="0"/>
-          <a:chExt cx="0" cy="0"/>
-        </a:xfrm>
-      </p:grpSpPr>
-      <p:sp>
-        <p:nvSpPr>
-          <p:cNvPr id="6" name="Title 5"/>
-          <p:cNvSpPr>
-            <a:spLocks noGrp="1"/>
-          </p:cNvSpPr>
-          <p:nvPr>
-            <p:ph type="title"/>
-          </p:nvPr>
-        </p:nvSpPr>
-        <p:spPr>
-          <a:xfrm>
-            <a:off x="722313" y="2743200"/>
-            <a:ext cx="7772400" cy="1362075"/>
-          </a:xfrm>
-        </p:spPr>
-        <p:txBody>
-          <a:bodyPr/>
-          <a:lstStyle/>
-          <a:p>
-            <a:r>
-              <a:rPr lang="en-US" dirty="0"/>
-              <a:t>PDP Logistics</a:t>
-            </a:r>
-          </a:p>
-        </p:txBody>
-      </p:sp>
-      <p:sp>
-        <p:nvSpPr>
-          <p:cNvPr id="5" name="Slide Number Placeholder 4"/>
-          <p:cNvSpPr>
-            <a:spLocks noGrp="1"/>
-          </p:cNvSpPr>
-          <p:nvPr>
-            <p:ph type="sldNum" sz="quarter" idx="12"/>
-          </p:nvPr>
-        </p:nvSpPr>
-        <p:spPr/>
-        <p:txBody>
-          <a:bodyPr/>
-          <a:lstStyle/>
-          <a:p>
-            <a:pPr defTabSz="457200" fontAlgn="base">
-              <a:spcBef>
-                <a:spcPct val="0"/>
-              </a:spcBef>
-              <a:spcAft>
-                <a:spcPct val="0"/>
-              </a:spcAft>
-              <a:defRPr/>
-            </a:pPr>
-            <a:fld id="{7D5A3BC4-B19D-A441-9E0C-B5423139123D}" type="slidenum">
-              <a:rPr lang="en-US" smtClean="0">
-                <a:ea typeface="ＭＳ Ｐゴシック" charset="0"/>
-                <a:cs typeface="Arial" charset="0"/>
-              </a:rPr>
-              <a:pPr defTabSz="457200" fontAlgn="base">
-                <a:spcBef>
-                  <a:spcPct val="0"/>
-                </a:spcBef>
-                <a:spcAft>
-                  <a:spcPct val="0"/>
-                </a:spcAft>
-                <a:defRPr/>
-              </a:pPr>
-              <a:t>21</a:t>
-            </a:fld>
-            <a:endParaRPr lang="en-US">
-              <a:ea typeface="ＭＳ Ｐゴシック" charset="0"/>
-              <a:cs typeface="Arial" charset="0"/>
-            </a:endParaRPr>
-          </a:p>
-        </p:txBody>
-      </p:sp>
-    </p:spTree>
-    <p:extLst>
-      <p:ext uri="{BB962C8B-B14F-4D97-AF65-F5344CB8AC3E}">
-        <p14:creationId xmlns:p14="http://schemas.microsoft.com/office/powerpoint/2010/main" val="1515921834"/>
-      </p:ext>
-    </p:extLst>
-  </p:cSld>
-  <p:clrMapOvr>
-    <a:masterClrMapping/>
-  </p:clrMapOvr>
-</p:sld>
-</file>
-
-<file path=ppt/slides/slide22.xml><?xml version="1.0" encoding="utf-8"?>
-<p:sld xmlns:a="http://schemas.openxmlformats.org/drawingml/2006/main" xmlns:r="http://schemas.openxmlformats.org/officeDocument/2006/relationships" xmlns:p="http://schemas.openxmlformats.org/presentationml/2006/main">
-  <p:cSld>
-    <p:spTree>
-      <p:nvGrpSpPr>
-        <p:cNvPr id="1" name=""/>
-        <p:cNvGrpSpPr/>
-        <p:nvPr/>
-      </p:nvGrpSpPr>
-      <p:grpSpPr>
-        <a:xfrm>
-          <a:off x="0" y="0"/>
-          <a:ext cx="0" cy="0"/>
-          <a:chOff x="0" y="0"/>
-          <a:chExt cx="0" cy="0"/>
-        </a:xfrm>
-      </p:grpSpPr>
-      <p:sp>
-        <p:nvSpPr>
-          <p:cNvPr id="2" name="Content Placeholder 1"/>
-          <p:cNvSpPr>
-            <a:spLocks noGrp="1"/>
-          </p:cNvSpPr>
-          <p:nvPr>
-            <p:ph sz="half" idx="1"/>
-          </p:nvPr>
-        </p:nvSpPr>
-        <p:spPr>
-          <a:xfrm>
-            <a:off x="457200" y="1600201"/>
-            <a:ext cx="7924800" cy="4525963"/>
-          </a:xfrm>
-        </p:spPr>
-        <p:txBody>
-          <a:bodyPr/>
-          <a:lstStyle/>
-          <a:p>
-            <a:r>
-              <a:rPr lang="en-US" dirty="0"/>
-              <a:t>We will be using Java </a:t>
-            </a:r>
-          </a:p>
-          <a:p>
-            <a:r>
-              <a:rPr lang="en-US" dirty="0"/>
-              <a:t>Next week – Whirlwind Tour of Java</a:t>
-            </a:r>
-          </a:p>
-          <a:p>
-            <a:pPr lvl="1"/>
-            <a:r>
-              <a:rPr lang="en-US" dirty="0"/>
-              <a:t>After that we assume Java competence</a:t>
-            </a:r>
-          </a:p>
-          <a:p>
-            <a:r>
-              <a:rPr lang="en-US" dirty="0"/>
-              <a:t>Advanced OO Design Principles and Patterns</a:t>
-            </a:r>
-          </a:p>
-          <a:p>
-            <a:r>
-              <a:rPr lang="en-US" dirty="0"/>
-              <a:t>Data Structures and Algorithms</a:t>
-            </a:r>
-          </a:p>
-          <a:p>
-            <a:r>
-              <a:rPr lang="en-US" dirty="0"/>
-              <a:t>Concurrency</a:t>
-            </a:r>
-          </a:p>
-          <a:p>
-            <a:r>
-              <a:rPr lang="en-US" dirty="0"/>
-              <a:t>Functional programming</a:t>
-            </a:r>
-          </a:p>
-          <a:p>
-            <a:r>
-              <a:rPr lang="en-US" dirty="0"/>
-              <a:t>Networking and distribution</a:t>
-            </a:r>
-          </a:p>
-        </p:txBody>
-      </p:sp>
-      <p:sp>
-        <p:nvSpPr>
-          <p:cNvPr id="4" name="Title 3"/>
-          <p:cNvSpPr>
-            <a:spLocks noGrp="1"/>
-          </p:cNvSpPr>
-          <p:nvPr>
-            <p:ph type="ctrTitle"/>
-          </p:nvPr>
-        </p:nvSpPr>
-        <p:spPr/>
-        <p:txBody>
-          <a:bodyPr/>
-          <a:lstStyle/>
-          <a:p>
-            <a:r>
-              <a:rPr lang="en-US" dirty="0"/>
-              <a:t>Content Overview</a:t>
-            </a:r>
-          </a:p>
-        </p:txBody>
-      </p:sp>
-      <p:sp>
-        <p:nvSpPr>
-          <p:cNvPr id="5" name="Slide Number Placeholder 4"/>
-          <p:cNvSpPr>
-            <a:spLocks noGrp="1"/>
-          </p:cNvSpPr>
-          <p:nvPr>
-            <p:ph type="sldNum" sz="quarter" idx="12"/>
-          </p:nvPr>
-        </p:nvSpPr>
-        <p:spPr/>
-        <p:txBody>
-          <a:bodyPr/>
-          <a:lstStyle/>
-          <a:p>
-            <a:pPr defTabSz="457200" fontAlgn="base">
-              <a:spcBef>
-                <a:spcPct val="0"/>
-              </a:spcBef>
-              <a:spcAft>
-                <a:spcPct val="0"/>
-              </a:spcAft>
-              <a:defRPr/>
-            </a:pPr>
-            <a:fld id="{7D5A3BC4-B19D-A441-9E0C-B5423139123D}" type="slidenum">
-              <a:rPr lang="en-US" smtClean="0">
-                <a:ea typeface="ＭＳ Ｐゴシック" charset="0"/>
-                <a:cs typeface="Arial" charset="0"/>
-              </a:rPr>
-              <a:pPr defTabSz="457200" fontAlgn="base">
-                <a:spcBef>
-                  <a:spcPct val="0"/>
-                </a:spcBef>
-                <a:spcAft>
-                  <a:spcPct val="0"/>
-                </a:spcAft>
-                <a:defRPr/>
-              </a:pPr>
-              <a:t>22</a:t>
-            </a:fld>
-            <a:endParaRPr lang="en-US">
-              <a:ea typeface="ＭＳ Ｐゴシック" charset="0"/>
-              <a:cs typeface="Arial" charset="0"/>
-            </a:endParaRPr>
-          </a:p>
-        </p:txBody>
-      </p:sp>
-    </p:spTree>
-    <p:extLst>
-      <p:ext uri="{BB962C8B-B14F-4D97-AF65-F5344CB8AC3E}">
-        <p14:creationId xmlns:p14="http://schemas.microsoft.com/office/powerpoint/2010/main" val="3666511791"/>
-      </p:ext>
-    </p:extLst>
-  </p:cSld>
-  <p:clrMapOvr>
-    <a:masterClrMapping/>
-  </p:clrMapOvr>
-</p:sld>
-</file>
-
 <file path=ppt/slides/slide23.xml><?xml version="1.0" encoding="utf-8"?>
 <p:sld xmlns:a="http://schemas.openxmlformats.org/drawingml/2006/main" xmlns:r="http://schemas.openxmlformats.org/officeDocument/2006/relationships" xmlns:p="http://schemas.openxmlformats.org/presentationml/2006/main">
   <p:cSld>
@@ -13578,52 +13743,27 @@
       </p:grpSpPr>
       <p:sp>
         <p:nvSpPr>
-          <p:cNvPr id="2" name="Content Placeholder 1"/>
-          <p:cNvSpPr>
-            <a:spLocks noGrp="1"/>
-          </p:cNvSpPr>
-          <p:nvPr>
-            <p:ph sz="half" idx="1"/>
+          <p:cNvPr id="6" name="Title 5"/>
+          <p:cNvSpPr>
+            <a:spLocks noGrp="1"/>
+          </p:cNvSpPr>
+          <p:nvPr>
+            <p:ph type="title"/>
           </p:nvPr>
         </p:nvSpPr>
         <p:spPr>
           <a:xfrm>
-            <a:off x="457200" y="2819400"/>
-            <a:ext cx="8534400" cy="914399"/>
+            <a:off x="722313" y="2743200"/>
+            <a:ext cx="7772400" cy="1362075"/>
           </a:xfrm>
         </p:spPr>
         <p:txBody>
           <a:bodyPr/>
           <a:lstStyle/>
           <a:p>
-            <a:pPr marL="0" indent="0">
-              <a:buNone/>
-            </a:pPr>
-            <a:r>
-              <a:rPr lang="en-US" dirty="0"/>
-              <a:t>https://cs5010pdp2017fall.github.io/</a:t>
-            </a:r>
-          </a:p>
-        </p:txBody>
-      </p:sp>
-      <p:sp>
-        <p:nvSpPr>
-          <p:cNvPr id="4" name="Title 3"/>
-          <p:cNvSpPr>
-            <a:spLocks noGrp="1"/>
-          </p:cNvSpPr>
-          <p:nvPr>
-            <p:ph type="ctrTitle"/>
-          </p:nvPr>
-        </p:nvSpPr>
-        <p:spPr/>
-        <p:txBody>
-          <a:bodyPr/>
-          <a:lstStyle/>
-          <a:p>
-            <a:r>
-              <a:rPr lang="en-US" dirty="0"/>
-              <a:t>Web Site</a:t>
+            <a:r>
+              <a:rPr lang="en-US" dirty="0"/>
+              <a:t>PDP Logistics</a:t>
             </a:r>
           </a:p>
         </p:txBody>
@@ -13678,7 +13818,7 @@
     </p:spTree>
     <p:extLst>
       <p:ext uri="{BB962C8B-B14F-4D97-AF65-F5344CB8AC3E}">
-        <p14:creationId xmlns:p14="http://schemas.microsoft.com/office/powerpoint/2010/main" val="2058291802"/>
+        <p14:creationId xmlns:p14="http://schemas.microsoft.com/office/powerpoint/2010/main" val="1515921834"/>
       </p:ext>
     </p:extLst>
   </p:cSld>
@@ -13718,7 +13858,7 @@
         <p:spPr>
           <a:xfrm>
             <a:off x="457200" y="1600201"/>
-            <a:ext cx="8229600" cy="4525963"/>
+            <a:ext cx="7924800" cy="4525963"/>
           </a:xfrm>
         </p:spPr>
         <p:txBody>
@@ -13727,13 +13867,50 @@
           <a:p>
             <a:r>
               <a:rPr lang="en-US" dirty="0"/>
-              <a:t>Each lecture will be a mix or presentation and class exercises</a:t>
-            </a:r>
-          </a:p>
-          <a:p>
-            <a:r>
-              <a:rPr lang="en-US" dirty="0"/>
-              <a:t>We’ll expect you to have done the recommended reading associated with each week</a:t>
+              <a:t>We will be using Java </a:t>
+            </a:r>
+          </a:p>
+          <a:p>
+            <a:r>
+              <a:rPr lang="en-US" dirty="0"/>
+              <a:t>Next week – Whirlwind Tour of Java</a:t>
+            </a:r>
+          </a:p>
+          <a:p>
+            <a:pPr lvl="1"/>
+            <a:r>
+              <a:rPr lang="en-US" dirty="0"/>
+              <a:t>After that we assume Java competence</a:t>
+            </a:r>
+          </a:p>
+          <a:p>
+            <a:r>
+              <a:rPr lang="en-US" dirty="0"/>
+              <a:t>Advanced OO Design Principles and Patterns</a:t>
+            </a:r>
+          </a:p>
+          <a:p>
+            <a:r>
+              <a:rPr lang="en-US" dirty="0"/>
+              <a:t>Data Structures and Algorithms</a:t>
+            </a:r>
+          </a:p>
+          <a:p>
+            <a:r>
+              <a:rPr lang="en-US" dirty="0"/>
+              <a:t>Concurrency</a:t>
+            </a:r>
+          </a:p>
+          <a:p>
+            <a:r>
+              <a:rPr lang="en-US" dirty="0"/>
+              <a:t>Functional programming</a:t>
+            </a:r>
+          </a:p>
+          <a:p>
+            <a:r>
+              <a:rPr lang="en-US" dirty="0"/>
+              <a:t>Networking and distribution</a:t>
             </a:r>
           </a:p>
         </p:txBody>
@@ -13755,7 +13932,7 @@
           <a:p>
             <a:r>
               <a:rPr lang="en-US" dirty="0"/>
-              <a:t>Lectures</a:t>
+              <a:t>Content Overview</a:t>
             </a:r>
           </a:p>
         </p:txBody>
@@ -13810,7 +13987,7 @@
     </p:spTree>
     <p:extLst>
       <p:ext uri="{BB962C8B-B14F-4D97-AF65-F5344CB8AC3E}">
-        <p14:creationId xmlns:p14="http://schemas.microsoft.com/office/powerpoint/2010/main" val="146634045"/>
+        <p14:creationId xmlns:p14="http://schemas.microsoft.com/office/powerpoint/2010/main" val="3666511791"/>
       </p:ext>
     </p:extLst>
   </p:cSld>
@@ -13849,58 +14026,21 @@
         </p:nvSpPr>
         <p:spPr>
           <a:xfrm>
-            <a:off x="457200" y="1600201"/>
-            <a:ext cx="8153400" cy="4525963"/>
+            <a:off x="457200" y="2819400"/>
+            <a:ext cx="8534400" cy="914399"/>
           </a:xfrm>
         </p:spPr>
         <p:txBody>
           <a:bodyPr/>
           <a:lstStyle/>
           <a:p>
-            <a:r>
-              <a:rPr lang="en-US" dirty="0"/>
-              <a:t>9 programming assignments</a:t>
-            </a:r>
-          </a:p>
-          <a:p>
-            <a:pPr lvl="1"/>
-            <a:r>
-              <a:rPr lang="en-US" dirty="0"/>
-              <a:t>6x1 week</a:t>
-            </a:r>
-          </a:p>
-          <a:p>
-            <a:pPr lvl="1"/>
-            <a:r>
-              <a:rPr lang="en-US" dirty="0"/>
-              <a:t>3x2 weeks (these are obviously harder!)</a:t>
-            </a:r>
-          </a:p>
-          <a:p>
-            <a:r>
-              <a:rPr lang="en-US" dirty="0"/>
-              <a:t>First 4 assignments are solo</a:t>
-            </a:r>
-          </a:p>
-          <a:p>
-            <a:r>
-              <a:rPr lang="en-US" dirty="0"/>
-              <a:t>Last 5 are in pairs</a:t>
-            </a:r>
-          </a:p>
-          <a:p>
-            <a:pPr lvl="1"/>
-            <a:r>
-              <a:rPr lang="en-US" dirty="0"/>
-              <a:t>We choose the partners </a:t>
-            </a:r>
-            <a:r>
-              <a:rPr lang="en-US" dirty="0">
-                <a:sym typeface="Wingdings" panose="05000000000000000000" pitchFamily="2" charset="2"/>
-              </a:rPr>
-              <a:t></a:t>
-            </a:r>
-            <a:endParaRPr lang="en-US" dirty="0"/>
+            <a:pPr marL="0" indent="0">
+              <a:buNone/>
+            </a:pPr>
+            <a:r>
+              <a:rPr lang="en-US" dirty="0"/>
+              <a:t>https://cs5010pdp2017fall.github.io/</a:t>
+            </a:r>
           </a:p>
         </p:txBody>
       </p:sp>
@@ -13921,7 +14061,7 @@
           <a:p>
             <a:r>
               <a:rPr lang="en-US" dirty="0"/>
-              <a:t>Assignments</a:t>
+              <a:t>Web Site</a:t>
             </a:r>
           </a:p>
         </p:txBody>
@@ -13976,7 +14116,7 @@
     </p:spTree>
     <p:extLst>
       <p:ext uri="{BB962C8B-B14F-4D97-AF65-F5344CB8AC3E}">
-        <p14:creationId xmlns:p14="http://schemas.microsoft.com/office/powerpoint/2010/main" val="664415708"/>
+        <p14:creationId xmlns:p14="http://schemas.microsoft.com/office/powerpoint/2010/main" val="2058291802"/>
       </p:ext>
     </p:extLst>
   </p:cSld>
@@ -14016,7 +14156,7 @@
         <p:spPr>
           <a:xfrm>
             <a:off x="457200" y="1600201"/>
-            <a:ext cx="8305800" cy="4525963"/>
+            <a:ext cx="8229600" cy="4525963"/>
           </a:xfrm>
         </p:spPr>
         <p:txBody>
@@ -14025,13 +14165,13 @@
           <a:p>
             <a:r>
               <a:rPr lang="en-US" dirty="0"/>
-              <a:t>Code submission due Mondays at 6pm on weeks of deadlines</a:t>
-            </a:r>
-          </a:p>
-          <a:p>
-            <a:r>
-              <a:rPr lang="en-US" dirty="0"/>
-              <a:t>Tuesday – walkthroughs held where you explain your code to TAs/Professors</a:t>
+              <a:t>Each lecture will be a mix of presentation and class exercises</a:t>
+            </a:r>
+          </a:p>
+          <a:p>
+            <a:r>
+              <a:rPr lang="en-US" dirty="0"/>
+              <a:t>We’ll expect you to have done the recommended reading associated with each week</a:t>
             </a:r>
           </a:p>
         </p:txBody>
@@ -14053,7 +14193,7 @@
           <a:p>
             <a:r>
               <a:rPr lang="en-US" dirty="0"/>
-              <a:t>Assessment</a:t>
+              <a:t>Lectures</a:t>
             </a:r>
           </a:p>
         </p:txBody>
@@ -14108,7 +14248,7 @@
     </p:spTree>
     <p:extLst>
       <p:ext uri="{BB962C8B-B14F-4D97-AF65-F5344CB8AC3E}">
-        <p14:creationId xmlns:p14="http://schemas.microsoft.com/office/powerpoint/2010/main" val="1950684979"/>
+        <p14:creationId xmlns:p14="http://schemas.microsoft.com/office/powerpoint/2010/main" val="146634045"/>
       </p:ext>
     </p:extLst>
   </p:cSld>
@@ -14148,7 +14288,7 @@
         <p:spPr>
           <a:xfrm>
             <a:off x="457200" y="1600201"/>
-            <a:ext cx="7772400" cy="4525963"/>
+            <a:ext cx="8153400" cy="4525963"/>
           </a:xfrm>
         </p:spPr>
         <p:txBody>
@@ -14157,40 +14297,50 @@
           <a:p>
             <a:r>
               <a:rPr lang="en-US" dirty="0"/>
-              <a:t>30% - correctness</a:t>
+              <a:t>9 programming assignments</a:t>
             </a:r>
           </a:p>
           <a:p>
             <a:pPr lvl="1"/>
             <a:r>
               <a:rPr lang="en-US" dirty="0"/>
-              <a:t>Pass tests</a:t>
+              <a:t>6x1 week</a:t>
             </a:r>
           </a:p>
           <a:p>
             <a:pPr lvl="1"/>
             <a:r>
               <a:rPr lang="en-US" dirty="0"/>
-              <a:t>Produce correct output</a:t>
-            </a:r>
-          </a:p>
-          <a:p>
-            <a:r>
-              <a:rPr lang="en-US" dirty="0"/>
-              <a:t>20% - presentation of solution</a:t>
-            </a:r>
-          </a:p>
-          <a:p>
-            <a:r>
-              <a:rPr lang="en-US" dirty="0"/>
-              <a:t>50% - design</a:t>
-            </a:r>
-          </a:p>
-          <a:p>
-            <a:r>
-              <a:rPr lang="en-US" dirty="0"/>
-              <a:t>See web site for specifics.</a:t>
-            </a:r>
+              <a:t>3x2 weeks (these are obviously harder!)</a:t>
+            </a:r>
+          </a:p>
+          <a:p>
+            <a:r>
+              <a:rPr lang="en-US" dirty="0"/>
+              <a:t>First 4 assignments are solo</a:t>
+            </a:r>
+          </a:p>
+          <a:p>
+            <a:r>
+              <a:rPr lang="en-US" dirty="0"/>
+              <a:t>Last 5 are in pairs</a:t>
+            </a:r>
+          </a:p>
+          <a:p>
+            <a:pPr lvl="1"/>
+            <a:r>
+              <a:rPr lang="en-US" dirty="0"/>
+              <a:t>We choose the partners </a:t>
+            </a:r>
+            <a:r>
+              <a:rPr lang="en-US" dirty="0">
+                <a:sym typeface="Wingdings" panose="05000000000000000000" pitchFamily="2" charset="2"/>
+              </a:rPr>
+              <a:t></a:t>
+            </a:r>
+          </a:p>
+          <a:p>
+            <a:endParaRPr lang="en-US" dirty="0"/>
           </a:p>
         </p:txBody>
       </p:sp>
@@ -14211,7 +14361,7 @@
           <a:p>
             <a:r>
               <a:rPr lang="en-US" dirty="0"/>
-              <a:t>Assessment Grade</a:t>
+              <a:t>Assignments</a:t>
             </a:r>
           </a:p>
         </p:txBody>
@@ -14266,7 +14416,7 @@
     </p:spTree>
     <p:extLst>
       <p:ext uri="{BB962C8B-B14F-4D97-AF65-F5344CB8AC3E}">
-        <p14:creationId xmlns:p14="http://schemas.microsoft.com/office/powerpoint/2010/main" val="437388924"/>
+        <p14:creationId xmlns:p14="http://schemas.microsoft.com/office/powerpoint/2010/main" val="664415708"/>
       </p:ext>
     </p:extLst>
   </p:cSld>
@@ -14295,6 +14445,45 @@
       </p:grpSpPr>
       <p:sp>
         <p:nvSpPr>
+          <p:cNvPr id="2" name="Content Placeholder 1"/>
+          <p:cNvSpPr>
+            <a:spLocks noGrp="1"/>
+          </p:cNvSpPr>
+          <p:nvPr>
+            <p:ph sz="half" idx="1"/>
+          </p:nvPr>
+        </p:nvSpPr>
+        <p:spPr>
+          <a:xfrm>
+            <a:off x="457200" y="1600201"/>
+            <a:ext cx="8305800" cy="4525963"/>
+          </a:xfrm>
+        </p:spPr>
+        <p:txBody>
+          <a:bodyPr/>
+          <a:lstStyle/>
+          <a:p>
+            <a:r>
+              <a:rPr lang="en-US" dirty="0"/>
+              <a:t>Code submission due Mondays at 6pm on weeks of deadlines</a:t>
+            </a:r>
+          </a:p>
+          <a:p>
+            <a:r>
+              <a:rPr lang="en-US" dirty="0"/>
+              <a:t>Tuesday – walkthroughs held where you explain your code to TAs/Professors</a:t>
+            </a:r>
+          </a:p>
+          <a:p>
+            <a:r>
+              <a:rPr lang="en-US" dirty="0"/>
+              <a:t>Logistics for walkthroughs coming soon</a:t>
+            </a:r>
+          </a:p>
+        </p:txBody>
+      </p:sp>
+      <p:sp>
+        <p:nvSpPr>
           <p:cNvPr id="4" name="Title 3"/>
           <p:cNvSpPr>
             <a:spLocks noGrp="1"/>
@@ -14310,15 +14499,8 @@
           <a:p>
             <a:r>
               <a:rPr lang="en-US" dirty="0"/>
-              <a:t>Professors – You have 4 </a:t>
-            </a:r>
-            <a:r>
-              <a:rPr lang="en-US" dirty="0">
-                <a:sym typeface="Wingdings" panose="05000000000000000000" pitchFamily="2" charset="2"/>
-              </a:rPr>
-              <a:t></a:t>
-            </a:r>
-            <a:endParaRPr lang="en-US" dirty="0"/>
+              <a:t>Assessment</a:t>
+            </a:r>
           </a:p>
         </p:txBody>
       </p:sp>
@@ -14361,6 +14543,367 @@
                 <a:defRPr/>
               </a:pPr>
               <a:t>28</a:t>
+            </a:fld>
+            <a:endParaRPr lang="en-US">
+              <a:ea typeface="ＭＳ Ｐゴシック" charset="0"/>
+              <a:cs typeface="Arial" charset="0"/>
+            </a:endParaRPr>
+          </a:p>
+        </p:txBody>
+      </p:sp>
+    </p:spTree>
+    <p:extLst>
+      <p:ext uri="{BB962C8B-B14F-4D97-AF65-F5344CB8AC3E}">
+        <p14:creationId xmlns:p14="http://schemas.microsoft.com/office/powerpoint/2010/main" val="1950684979"/>
+      </p:ext>
+    </p:extLst>
+  </p:cSld>
+  <p:clrMapOvr>
+    <a:masterClrMapping/>
+  </p:clrMapOvr>
+</p:sld>
+</file>
+
+<file path=ppt/slides/slide29.xml><?xml version="1.0" encoding="utf-8"?>
+<p:sld xmlns:a="http://schemas.openxmlformats.org/drawingml/2006/main" xmlns:r="http://schemas.openxmlformats.org/officeDocument/2006/relationships" xmlns:p="http://schemas.openxmlformats.org/presentationml/2006/main">
+  <p:cSld>
+    <p:spTree>
+      <p:nvGrpSpPr>
+        <p:cNvPr id="1" name=""/>
+        <p:cNvGrpSpPr/>
+        <p:nvPr/>
+      </p:nvGrpSpPr>
+      <p:grpSpPr>
+        <a:xfrm>
+          <a:off x="0" y="0"/>
+          <a:ext cx="0" cy="0"/>
+          <a:chOff x="0" y="0"/>
+          <a:chExt cx="0" cy="0"/>
+        </a:xfrm>
+      </p:grpSpPr>
+      <p:sp>
+        <p:nvSpPr>
+          <p:cNvPr id="2" name="Content Placeholder 1"/>
+          <p:cNvSpPr>
+            <a:spLocks noGrp="1"/>
+          </p:cNvSpPr>
+          <p:nvPr>
+            <p:ph sz="half" idx="1"/>
+          </p:nvPr>
+        </p:nvSpPr>
+        <p:spPr>
+          <a:xfrm>
+            <a:off x="457200" y="1600201"/>
+            <a:ext cx="7772400" cy="4525963"/>
+          </a:xfrm>
+        </p:spPr>
+        <p:txBody>
+          <a:bodyPr/>
+          <a:lstStyle/>
+          <a:p>
+            <a:r>
+              <a:rPr lang="en-US" dirty="0"/>
+              <a:t>30% - correctness</a:t>
+            </a:r>
+          </a:p>
+          <a:p>
+            <a:pPr lvl="1"/>
+            <a:r>
+              <a:rPr lang="en-US" dirty="0"/>
+              <a:t>Pass tests</a:t>
+            </a:r>
+          </a:p>
+          <a:p>
+            <a:pPr lvl="1"/>
+            <a:r>
+              <a:rPr lang="en-US" dirty="0"/>
+              <a:t>Produce correct output</a:t>
+            </a:r>
+          </a:p>
+          <a:p>
+            <a:r>
+              <a:rPr lang="en-US" dirty="0"/>
+              <a:t>20% - presentation of solution</a:t>
+            </a:r>
+          </a:p>
+          <a:p>
+            <a:r>
+              <a:rPr lang="en-US" dirty="0"/>
+              <a:t>50% - design</a:t>
+            </a:r>
+          </a:p>
+          <a:p>
+            <a:r>
+              <a:rPr lang="en-US" dirty="0"/>
+              <a:t>See web site for specifics.</a:t>
+            </a:r>
+          </a:p>
+        </p:txBody>
+      </p:sp>
+      <p:sp>
+        <p:nvSpPr>
+          <p:cNvPr id="4" name="Title 3"/>
+          <p:cNvSpPr>
+            <a:spLocks noGrp="1"/>
+          </p:cNvSpPr>
+          <p:nvPr>
+            <p:ph type="ctrTitle"/>
+          </p:nvPr>
+        </p:nvSpPr>
+        <p:spPr/>
+        <p:txBody>
+          <a:bodyPr/>
+          <a:lstStyle/>
+          <a:p>
+            <a:r>
+              <a:rPr lang="en-US" dirty="0"/>
+              <a:t>Assessment Grade</a:t>
+            </a:r>
+          </a:p>
+        </p:txBody>
+      </p:sp>
+      <p:sp>
+        <p:nvSpPr>
+          <p:cNvPr id="5" name="Slide Number Placeholder 4"/>
+          <p:cNvSpPr>
+            <a:spLocks noGrp="1"/>
+          </p:cNvSpPr>
+          <p:nvPr>
+            <p:ph type="sldNum" sz="quarter" idx="12"/>
+          </p:nvPr>
+        </p:nvSpPr>
+        <p:spPr/>
+        <p:txBody>
+          <a:bodyPr/>
+          <a:lstStyle/>
+          <a:p>
+            <a:pPr defTabSz="457200" fontAlgn="base">
+              <a:spcBef>
+                <a:spcPct val="0"/>
+              </a:spcBef>
+              <a:spcAft>
+                <a:spcPct val="0"/>
+              </a:spcAft>
+              <a:defRPr/>
+            </a:pPr>
+            <a:fld id="{7D5A3BC4-B19D-A441-9E0C-B5423139123D}" type="slidenum">
+              <a:rPr lang="en-US" smtClean="0">
+                <a:ea typeface="ＭＳ Ｐゴシック" charset="0"/>
+                <a:cs typeface="Arial" charset="0"/>
+              </a:rPr>
+              <a:pPr defTabSz="457200" fontAlgn="base">
+                <a:spcBef>
+                  <a:spcPct val="0"/>
+                </a:spcBef>
+                <a:spcAft>
+                  <a:spcPct val="0"/>
+                </a:spcAft>
+                <a:defRPr/>
+              </a:pPr>
+              <a:t>29</a:t>
+            </a:fld>
+            <a:endParaRPr lang="en-US">
+              <a:ea typeface="ＭＳ Ｐゴシック" charset="0"/>
+              <a:cs typeface="Arial" charset="0"/>
+            </a:endParaRPr>
+          </a:p>
+        </p:txBody>
+      </p:sp>
+    </p:spTree>
+    <p:extLst>
+      <p:ext uri="{BB962C8B-B14F-4D97-AF65-F5344CB8AC3E}">
+        <p14:creationId xmlns:p14="http://schemas.microsoft.com/office/powerpoint/2010/main" val="437388924"/>
+      </p:ext>
+    </p:extLst>
+  </p:cSld>
+  <p:clrMapOvr>
+    <a:masterClrMapping/>
+  </p:clrMapOvr>
+</p:sld>
+</file>
+
+<file path=ppt/slides/slide3.xml><?xml version="1.0" encoding="utf-8"?>
+<p:sld xmlns:a="http://schemas.openxmlformats.org/drawingml/2006/main" xmlns:r="http://schemas.openxmlformats.org/officeDocument/2006/relationships" xmlns:p="http://schemas.openxmlformats.org/presentationml/2006/main">
+  <p:cSld>
+    <p:spTree>
+      <p:nvGrpSpPr>
+        <p:cNvPr id="1" name=""/>
+        <p:cNvGrpSpPr/>
+        <p:nvPr/>
+      </p:nvGrpSpPr>
+      <p:grpSpPr>
+        <a:xfrm>
+          <a:off x="0" y="0"/>
+          <a:ext cx="0" cy="0"/>
+          <a:chOff x="0" y="0"/>
+          <a:chExt cx="0" cy="0"/>
+        </a:xfrm>
+      </p:grpSpPr>
+      <p:sp>
+        <p:nvSpPr>
+          <p:cNvPr id="5" name="Content Placeholder 4"/>
+          <p:cNvSpPr>
+            <a:spLocks noGrp="1"/>
+          </p:cNvSpPr>
+          <p:nvPr>
+            <p:ph sz="half" idx="1"/>
+          </p:nvPr>
+        </p:nvSpPr>
+        <p:spPr>
+          <a:xfrm>
+            <a:off x="457200" y="1600201"/>
+            <a:ext cx="8077200" cy="4525963"/>
+          </a:xfrm>
+        </p:spPr>
+        <p:txBody>
+          <a:bodyPr/>
+          <a:lstStyle/>
+          <a:p>
+            <a:r>
+              <a:rPr lang="en-US" dirty="0"/>
+              <a:t>Aims of PDP</a:t>
+            </a:r>
+          </a:p>
+          <a:p>
+            <a:r>
+              <a:rPr lang="en-US" dirty="0"/>
+              <a:t>Logistics of PDP</a:t>
+            </a:r>
+          </a:p>
+          <a:p>
+            <a:r>
+              <a:rPr lang="en-US" dirty="0"/>
+              <a:t>Class exercise and discussion</a:t>
+            </a:r>
+          </a:p>
+          <a:p>
+            <a:r>
+              <a:rPr lang="en-US" dirty="0"/>
+              <a:t>Design by Contract</a:t>
+            </a:r>
+          </a:p>
+        </p:txBody>
+      </p:sp>
+      <p:sp>
+        <p:nvSpPr>
+          <p:cNvPr id="4" name="Title 3"/>
+          <p:cNvSpPr>
+            <a:spLocks noGrp="1"/>
+          </p:cNvSpPr>
+          <p:nvPr>
+            <p:ph type="ctrTitle"/>
+          </p:nvPr>
+        </p:nvSpPr>
+        <p:spPr/>
+        <p:txBody>
+          <a:bodyPr/>
+          <a:lstStyle/>
+          <a:p>
+            <a:r>
+              <a:rPr lang="en-US" dirty="0"/>
+              <a:t>Overview</a:t>
+            </a:r>
+          </a:p>
+        </p:txBody>
+      </p:sp>
+    </p:spTree>
+    <p:extLst>
+      <p:ext uri="{BB962C8B-B14F-4D97-AF65-F5344CB8AC3E}">
+        <p14:creationId xmlns:p14="http://schemas.microsoft.com/office/powerpoint/2010/main" val="2440418245"/>
+      </p:ext>
+    </p:extLst>
+  </p:cSld>
+  <p:clrMapOvr>
+    <a:masterClrMapping/>
+  </p:clrMapOvr>
+</p:sld>
+</file>
+
+<file path=ppt/slides/slide30.xml><?xml version="1.0" encoding="utf-8"?>
+<p:sld xmlns:a="http://schemas.openxmlformats.org/drawingml/2006/main" xmlns:r="http://schemas.openxmlformats.org/officeDocument/2006/relationships" xmlns:p="http://schemas.openxmlformats.org/presentationml/2006/main">
+  <p:cSld>
+    <p:spTree>
+      <p:nvGrpSpPr>
+        <p:cNvPr id="1" name=""/>
+        <p:cNvGrpSpPr/>
+        <p:nvPr/>
+      </p:nvGrpSpPr>
+      <p:grpSpPr>
+        <a:xfrm>
+          <a:off x="0" y="0"/>
+          <a:ext cx="0" cy="0"/>
+          <a:chOff x="0" y="0"/>
+          <a:chExt cx="0" cy="0"/>
+        </a:xfrm>
+      </p:grpSpPr>
+      <p:sp>
+        <p:nvSpPr>
+          <p:cNvPr id="4" name="Title 3"/>
+          <p:cNvSpPr>
+            <a:spLocks noGrp="1"/>
+          </p:cNvSpPr>
+          <p:nvPr>
+            <p:ph type="ctrTitle"/>
+          </p:nvPr>
+        </p:nvSpPr>
+        <p:spPr/>
+        <p:txBody>
+          <a:bodyPr/>
+          <a:lstStyle/>
+          <a:p>
+            <a:r>
+              <a:rPr lang="en-US" dirty="0"/>
+              <a:t>Professors – You have 4 </a:t>
+            </a:r>
+            <a:r>
+              <a:rPr lang="en-US" dirty="0">
+                <a:sym typeface="Wingdings" panose="05000000000000000000" pitchFamily="2" charset="2"/>
+              </a:rPr>
+              <a:t></a:t>
+            </a:r>
+            <a:endParaRPr lang="en-US" dirty="0"/>
+          </a:p>
+        </p:txBody>
+      </p:sp>
+      <p:sp>
+        <p:nvSpPr>
+          <p:cNvPr id="5" name="Slide Number Placeholder 4"/>
+          <p:cNvSpPr>
+            <a:spLocks noGrp="1"/>
+          </p:cNvSpPr>
+          <p:nvPr>
+            <p:ph type="sldNum" sz="quarter" idx="12"/>
+          </p:nvPr>
+        </p:nvSpPr>
+        <p:spPr/>
+        <p:txBody>
+          <a:bodyPr/>
+          <a:lstStyle/>
+          <a:p>
+            <a:pPr defTabSz="457200" fontAlgn="base">
+              <a:spcBef>
+                <a:spcPct val="0"/>
+              </a:spcBef>
+              <a:spcAft>
+                <a:spcPct val="0"/>
+              </a:spcAft>
+              <a:defRPr/>
+            </a:pPr>
+            <a:fld id="{7D5A3BC4-B19D-A441-9E0C-B5423139123D}" type="slidenum">
+              <a:rPr lang="en-US" smtClean="0">
+                <a:ea typeface="ＭＳ Ｐゴシック" charset="0"/>
+                <a:cs typeface="Arial" charset="0"/>
+              </a:rPr>
+              <a:pPr defTabSz="457200" fontAlgn="base">
+                <a:spcBef>
+                  <a:spcPct val="0"/>
+                </a:spcBef>
+                <a:spcAft>
+                  <a:spcPct val="0"/>
+                </a:spcAft>
+                <a:defRPr/>
+              </a:pPr>
+              <a:t>30</a:t>
             </a:fld>
             <a:endParaRPr lang="en-US">
               <a:ea typeface="ＭＳ Ｐゴシック" charset="0"/>
@@ -14594,7 +15137,7 @@
 </p:sld>
 </file>
 
-<file path=ppt/slides/slide29.xml><?xml version="1.0" encoding="utf-8"?>
+<file path=ppt/slides/slide31.xml><?xml version="1.0" encoding="utf-8"?>
 <p:sld xmlns:a="http://schemas.openxmlformats.org/drawingml/2006/main" xmlns:r="http://schemas.openxmlformats.org/officeDocument/2006/relationships" xmlns:p="http://schemas.openxmlformats.org/presentationml/2006/main">
   <p:cSld>
     <p:spTree>
@@ -14671,7 +15214,7 @@
                 </a:spcAft>
                 <a:defRPr/>
               </a:pPr>
-              <a:t>29</a:t>
+              <a:t>31</a:t>
             </a:fld>
             <a:endParaRPr lang="en-US">
               <a:ea typeface="ＭＳ Ｐゴシック" charset="0"/>
@@ -14717,104 +15260,7 @@
 </p:sld>
 </file>
 
-<file path=ppt/slides/slide3.xml><?xml version="1.0" encoding="utf-8"?>
-<p:sld xmlns:a="http://schemas.openxmlformats.org/drawingml/2006/main" xmlns:r="http://schemas.openxmlformats.org/officeDocument/2006/relationships" xmlns:p="http://schemas.openxmlformats.org/presentationml/2006/main">
-  <p:cSld>
-    <p:spTree>
-      <p:nvGrpSpPr>
-        <p:cNvPr id="1" name=""/>
-        <p:cNvGrpSpPr/>
-        <p:nvPr/>
-      </p:nvGrpSpPr>
-      <p:grpSpPr>
-        <a:xfrm>
-          <a:off x="0" y="0"/>
-          <a:ext cx="0" cy="0"/>
-          <a:chOff x="0" y="0"/>
-          <a:chExt cx="0" cy="0"/>
-        </a:xfrm>
-      </p:grpSpPr>
-      <p:sp>
-        <p:nvSpPr>
-          <p:cNvPr id="5" name="Content Placeholder 4"/>
-          <p:cNvSpPr>
-            <a:spLocks noGrp="1"/>
-          </p:cNvSpPr>
-          <p:nvPr>
-            <p:ph sz="half" idx="1"/>
-          </p:nvPr>
-        </p:nvSpPr>
-        <p:spPr>
-          <a:xfrm>
-            <a:off x="457200" y="1600201"/>
-            <a:ext cx="8077200" cy="4525963"/>
-          </a:xfrm>
-        </p:spPr>
-        <p:txBody>
-          <a:bodyPr/>
-          <a:lstStyle/>
-          <a:p>
-            <a:r>
-              <a:rPr lang="en-US" dirty="0"/>
-              <a:t>Aims of PDP</a:t>
-            </a:r>
-          </a:p>
-          <a:p>
-            <a:r>
-              <a:rPr lang="en-US" dirty="0"/>
-              <a:t>Logistics of PDP</a:t>
-            </a:r>
-          </a:p>
-          <a:p>
-            <a:r>
-              <a:rPr lang="en-US" dirty="0"/>
-              <a:t>Class exercise and discussion</a:t>
-            </a:r>
-          </a:p>
-          <a:p>
-            <a:r>
-              <a:rPr lang="en-US" dirty="0"/>
-              <a:t>Design by Contract</a:t>
-            </a:r>
-          </a:p>
-        </p:txBody>
-      </p:sp>
-      <p:sp>
-        <p:nvSpPr>
-          <p:cNvPr id="4" name="Title 3"/>
-          <p:cNvSpPr>
-            <a:spLocks noGrp="1"/>
-          </p:cNvSpPr>
-          <p:nvPr>
-            <p:ph type="ctrTitle"/>
-          </p:nvPr>
-        </p:nvSpPr>
-        <p:spPr/>
-        <p:txBody>
-          <a:bodyPr/>
-          <a:lstStyle/>
-          <a:p>
-            <a:r>
-              <a:rPr lang="en-US" dirty="0"/>
-              <a:t>Lecture overview</a:t>
-            </a:r>
-          </a:p>
-        </p:txBody>
-      </p:sp>
-    </p:spTree>
-    <p:extLst>
-      <p:ext uri="{BB962C8B-B14F-4D97-AF65-F5344CB8AC3E}">
-        <p14:creationId xmlns:p14="http://schemas.microsoft.com/office/powerpoint/2010/main" val="2440418245"/>
-      </p:ext>
-    </p:extLst>
-  </p:cSld>
-  <p:clrMapOvr>
-    <a:masterClrMapping/>
-  </p:clrMapOvr>
-</p:sld>
-</file>
-
-<file path=ppt/slides/slide30.xml><?xml version="1.0" encoding="utf-8"?>
+<file path=ppt/slides/slide32.xml><?xml version="1.0" encoding="utf-8"?>
 <p:sld xmlns:a="http://schemas.openxmlformats.org/drawingml/2006/main" xmlns:r="http://schemas.openxmlformats.org/officeDocument/2006/relationships" xmlns:p="http://schemas.openxmlformats.org/presentationml/2006/main">
   <p:cSld>
     <p:spTree>
@@ -14922,7 +15368,7 @@
                 <a:tabLst/>
                 <a:defRPr/>
               </a:pPr>
-              <a:t>30</a:t>
+              <a:t>32</a:t>
             </a:fld>
             <a:endParaRPr kumimoji="0" lang="en-US" sz="1200" b="0" i="0" u="none" strike="noStrike" kern="1200" cap="none" spc="0" normalizeH="0" baseline="0" noProof="0">
               <a:ln>
@@ -14954,99 +15400,7 @@
 </p:sld>
 </file>
 
-<file path=ppt/slides/slide31.xml><?xml version="1.0" encoding="utf-8"?>
-<p:sld xmlns:a="http://schemas.openxmlformats.org/drawingml/2006/main" xmlns:r="http://schemas.openxmlformats.org/officeDocument/2006/relationships" xmlns:p="http://schemas.openxmlformats.org/presentationml/2006/main">
-  <p:cSld>
-    <p:spTree>
-      <p:nvGrpSpPr>
-        <p:cNvPr id="1" name=""/>
-        <p:cNvGrpSpPr/>
-        <p:nvPr/>
-      </p:nvGrpSpPr>
-      <p:grpSpPr>
-        <a:xfrm>
-          <a:off x="0" y="0"/>
-          <a:ext cx="0" cy="0"/>
-          <a:chOff x="0" y="0"/>
-          <a:chExt cx="0" cy="0"/>
-        </a:xfrm>
-      </p:grpSpPr>
-      <p:sp>
-        <p:nvSpPr>
-          <p:cNvPr id="2" name="Title 1"/>
-          <p:cNvSpPr>
-            <a:spLocks noGrp="1"/>
-          </p:cNvSpPr>
-          <p:nvPr>
-            <p:ph type="title"/>
-          </p:nvPr>
-        </p:nvSpPr>
-        <p:spPr/>
-        <p:txBody>
-          <a:bodyPr/>
-          <a:lstStyle/>
-          <a:p>
-            <a:endParaRPr lang="en-US"/>
-          </a:p>
-        </p:txBody>
-      </p:sp>
-      <p:sp>
-        <p:nvSpPr>
-          <p:cNvPr id="3" name="Text Placeholder 2"/>
-          <p:cNvSpPr>
-            <a:spLocks noGrp="1"/>
-          </p:cNvSpPr>
-          <p:nvPr>
-            <p:ph type="body" idx="1"/>
-          </p:nvPr>
-        </p:nvSpPr>
-        <p:spPr/>
-        <p:txBody>
-          <a:bodyPr/>
-          <a:lstStyle/>
-          <a:p>
-            <a:endParaRPr lang="en-US"/>
-          </a:p>
-        </p:txBody>
-      </p:sp>
-      <p:sp>
-        <p:nvSpPr>
-          <p:cNvPr id="4" name="Slide Number Placeholder 3"/>
-          <p:cNvSpPr>
-            <a:spLocks noGrp="1"/>
-          </p:cNvSpPr>
-          <p:nvPr>
-            <p:ph type="sldNum" sz="quarter" idx="12"/>
-          </p:nvPr>
-        </p:nvSpPr>
-        <p:spPr/>
-        <p:txBody>
-          <a:bodyPr/>
-          <a:lstStyle/>
-          <a:p>
-            <a:fld id="{66F4603E-D9C9-624B-8C10-448A0842B9A5}" type="slidenum">
-              <a:rPr lang="en-US" smtClean="0"/>
-              <a:pPr/>
-              <a:t>31</a:t>
-            </a:fld>
-            <a:endParaRPr lang="en-US"/>
-          </a:p>
-        </p:txBody>
-      </p:sp>
-    </p:spTree>
-    <p:extLst>
-      <p:ext uri="{BB962C8B-B14F-4D97-AF65-F5344CB8AC3E}">
-        <p14:creationId xmlns:p14="http://schemas.microsoft.com/office/powerpoint/2010/main" val="2648713672"/>
-      </p:ext>
-    </p:extLst>
-  </p:cSld>
-  <p:clrMapOvr>
-    <a:masterClrMapping/>
-  </p:clrMapOvr>
-</p:sld>
-</file>
-
-<file path=ppt/slides/slide32.xml><?xml version="1.0" encoding="utf-8"?>
+<file path=ppt/slides/slide33.xml><?xml version="1.0" encoding="utf-8"?>
 <p:sld xmlns:a="http://schemas.openxmlformats.org/drawingml/2006/main" xmlns:r="http://schemas.openxmlformats.org/officeDocument/2006/relationships" xmlns:p="http://schemas.openxmlformats.org/presentationml/2006/main">
   <p:cSld>
     <p:spTree>
@@ -15123,7 +15477,7 @@
                 </a:spcAft>
                 <a:defRPr/>
               </a:pPr>
-              <a:t>32</a:t>
+              <a:t>33</a:t>
             </a:fld>
             <a:endParaRPr lang="en-US">
               <a:ea typeface="ＭＳ Ｐゴシック" charset="0"/>
@@ -15169,195 +15523,6 @@
 </p:sld>
 </file>
 
-<file path=ppt/slides/slide33.xml><?xml version="1.0" encoding="utf-8"?>
-<p:sld xmlns:a="http://schemas.openxmlformats.org/drawingml/2006/main" xmlns:r="http://schemas.openxmlformats.org/officeDocument/2006/relationships" xmlns:p="http://schemas.openxmlformats.org/presentationml/2006/main">
-  <p:cSld>
-    <p:spTree>
-      <p:nvGrpSpPr>
-        <p:cNvPr id="1" name=""/>
-        <p:cNvGrpSpPr/>
-        <p:nvPr/>
-      </p:nvGrpSpPr>
-      <p:grpSpPr>
-        <a:xfrm>
-          <a:off x="0" y="0"/>
-          <a:ext cx="0" cy="0"/>
-          <a:chOff x="0" y="0"/>
-          <a:chExt cx="0" cy="0"/>
-        </a:xfrm>
-      </p:grpSpPr>
-      <p:sp>
-        <p:nvSpPr>
-          <p:cNvPr id="2" name="Content Placeholder 1"/>
-          <p:cNvSpPr>
-            <a:spLocks noGrp="1"/>
-          </p:cNvSpPr>
-          <p:nvPr>
-            <p:ph sz="half" idx="1"/>
-          </p:nvPr>
-        </p:nvSpPr>
-        <p:spPr>
-          <a:xfrm>
-            <a:off x="457200" y="1600201"/>
-            <a:ext cx="8229600" cy="4525963"/>
-          </a:xfrm>
-        </p:spPr>
-        <p:txBody>
-          <a:bodyPr/>
-          <a:lstStyle/>
-          <a:p>
-            <a:r>
-              <a:rPr lang="en-US" dirty="0"/>
-              <a:t>Database of knowledge about wine worldwide</a:t>
-            </a:r>
-          </a:p>
-          <a:p>
-            <a:pPr lvl="1"/>
-            <a:r>
-              <a:rPr lang="en-US" dirty="0"/>
-              <a:t>Wine producers</a:t>
-            </a:r>
-          </a:p>
-          <a:p>
-            <a:pPr lvl="1"/>
-            <a:r>
-              <a:rPr lang="en-US" dirty="0"/>
-              <a:t>The wines they produce</a:t>
-            </a:r>
-          </a:p>
-          <a:p>
-            <a:pPr lvl="1"/>
-            <a:r>
-              <a:rPr lang="en-US" dirty="0"/>
-              <a:t>Retailers that sell each wine</a:t>
-            </a:r>
-          </a:p>
-          <a:p>
-            <a:pPr lvl="1"/>
-            <a:r>
-              <a:rPr lang="en-US" dirty="0"/>
-              <a:t>Classification of all wines into ~250 categories</a:t>
-            </a:r>
-          </a:p>
-          <a:p>
-            <a:r>
-              <a:rPr lang="en-US" dirty="0"/>
-              <a:t>Users rate wines they drink</a:t>
-            </a:r>
-          </a:p>
-          <a:p>
-            <a:pPr lvl="1"/>
-            <a:r>
-              <a:rPr lang="en-US" dirty="0"/>
-              <a:t>Rating and comments</a:t>
-            </a:r>
-          </a:p>
-          <a:p>
-            <a:pPr lvl="1"/>
-            <a:r>
-              <a:rPr lang="en-US" dirty="0"/>
-              <a:t>Other users can ‘Like’ ratings</a:t>
-            </a:r>
-          </a:p>
-          <a:p>
-            <a:pPr lvl="1"/>
-            <a:r>
-              <a:rPr lang="en-US" dirty="0"/>
-              <a:t>Users can follow others (followed by/followers)</a:t>
-            </a:r>
-          </a:p>
-          <a:p>
-            <a:pPr lvl="1"/>
-            <a:r>
-              <a:rPr lang="en-US" dirty="0"/>
-              <a:t>Users get rankings based on number of reviews</a:t>
-            </a:r>
-          </a:p>
-        </p:txBody>
-      </p:sp>
-      <p:sp>
-        <p:nvSpPr>
-          <p:cNvPr id="4" name="Title 3"/>
-          <p:cNvSpPr>
-            <a:spLocks noGrp="1"/>
-          </p:cNvSpPr>
-          <p:nvPr>
-            <p:ph type="ctrTitle"/>
-          </p:nvPr>
-        </p:nvSpPr>
-        <p:spPr/>
-        <p:txBody>
-          <a:bodyPr/>
-          <a:lstStyle/>
-          <a:p>
-            <a:r>
-              <a:rPr lang="en-US" dirty="0" err="1"/>
-              <a:t>Vivino</a:t>
-            </a:r>
-            <a:endParaRPr lang="en-US" dirty="0"/>
-          </a:p>
-        </p:txBody>
-      </p:sp>
-      <p:sp>
-        <p:nvSpPr>
-          <p:cNvPr id="5" name="Slide Number Placeholder 4"/>
-          <p:cNvSpPr>
-            <a:spLocks noGrp="1"/>
-          </p:cNvSpPr>
-          <p:nvPr>
-            <p:ph type="sldNum" sz="quarter" idx="12"/>
-          </p:nvPr>
-        </p:nvSpPr>
-        <p:spPr/>
-        <p:txBody>
-          <a:bodyPr/>
-          <a:lstStyle/>
-          <a:p>
-            <a:pPr defTabSz="457200" fontAlgn="base">
-              <a:spcBef>
-                <a:spcPct val="0"/>
-              </a:spcBef>
-              <a:spcAft>
-                <a:spcPct val="0"/>
-              </a:spcAft>
-              <a:defRPr/>
-            </a:pPr>
-            <a:fld id="{7D5A3BC4-B19D-A441-9E0C-B5423139123D}" type="slidenum">
-              <a:rPr lang="en-US" smtClean="0">
-                <a:ea typeface="ＭＳ Ｐゴシック" charset="0"/>
-                <a:cs typeface="Arial" charset="0"/>
-              </a:rPr>
-              <a:pPr defTabSz="457200" fontAlgn="base">
-                <a:spcBef>
-                  <a:spcPct val="0"/>
-                </a:spcBef>
-                <a:spcAft>
-                  <a:spcPct val="0"/>
-                </a:spcAft>
-                <a:defRPr/>
-              </a:pPr>
-              <a:t>33</a:t>
-            </a:fld>
-            <a:endParaRPr lang="en-US">
-              <a:ea typeface="ＭＳ Ｐゴシック" charset="0"/>
-              <a:cs typeface="Arial" charset="0"/>
-            </a:endParaRPr>
-          </a:p>
-        </p:txBody>
-      </p:sp>
-    </p:spTree>
-    <p:extLst>
-      <p:ext uri="{BB962C8B-B14F-4D97-AF65-F5344CB8AC3E}">
-        <p14:creationId xmlns:p14="http://schemas.microsoft.com/office/powerpoint/2010/main" val="3415478586"/>
-      </p:ext>
-    </p:extLst>
-  </p:cSld>
-  <p:clrMapOvr>
-    <a:masterClrMapping/>
-  </p:clrMapOvr>
-</p:sld>
-</file>
-
 <file path=ppt/slides/slide34.xml><?xml version="1.0" encoding="utf-8"?>
 <p:sld xmlns:a="http://schemas.openxmlformats.org/drawingml/2006/main" xmlns:r="http://schemas.openxmlformats.org/officeDocument/2006/relationships" xmlns:p="http://schemas.openxmlformats.org/presentationml/2006/main">
   <p:cSld>
@@ -15388,7 +15553,7 @@
         <p:spPr>
           <a:xfrm>
             <a:off x="457200" y="1600201"/>
-            <a:ext cx="8077200" cy="4525963"/>
+            <a:ext cx="8229600" cy="4525963"/>
           </a:xfrm>
         </p:spPr>
         <p:txBody>
@@ -15397,62 +15562,69 @@
           <a:p>
             <a:r>
               <a:rPr lang="en-US" dirty="0"/>
-              <a:t>In groups of 2 or 3, discuss:</a:t>
+              <a:t>Database of knowledge about wine worldwide</a:t>
             </a:r>
           </a:p>
           <a:p>
             <a:pPr lvl="1"/>
             <a:r>
               <a:rPr lang="en-US" dirty="0"/>
-              <a:t>What are the major abstractions in this problems domain	</a:t>
-            </a:r>
-          </a:p>
-          <a:p>
-            <a:pPr lvl="2"/>
-            <a:r>
-              <a:rPr lang="en-US" dirty="0"/>
-              <a:t>E.g. Classes</a:t>
+              <a:t>Wine producers</a:t>
             </a:r>
           </a:p>
           <a:p>
             <a:pPr lvl="1"/>
             <a:r>
               <a:rPr lang="en-US" dirty="0"/>
-              <a:t>How are they are related?</a:t>
-            </a:r>
-          </a:p>
-          <a:p>
-            <a:pPr lvl="2"/>
-            <a:r>
-              <a:rPr lang="en-US" dirty="0"/>
-              <a:t>Associations/compositions</a:t>
-            </a:r>
-          </a:p>
-          <a:p>
-            <a:pPr lvl="2"/>
-            <a:r>
-              <a:rPr lang="en-US" dirty="0"/>
-              <a:t>Dependencies (one way/two way?)</a:t>
-            </a:r>
-          </a:p>
-          <a:p>
-            <a:r>
-              <a:rPr lang="en-US" dirty="0"/>
-              <a:t>Remember – this is a client server app</a:t>
+              <a:t>The wines they produce</a:t>
             </a:r>
           </a:p>
           <a:p>
             <a:pPr lvl="1"/>
             <a:r>
               <a:rPr lang="en-US" dirty="0"/>
-              <a:t>Server lives ‘in the cloud’, shared by ….</a:t>
+              <a:t>Retailers that sell each wine</a:t>
             </a:r>
           </a:p>
           <a:p>
             <a:pPr lvl="1"/>
             <a:r>
               <a:rPr lang="en-US" dirty="0"/>
-              <a:t>(Typically) mobile client apps</a:t>
+              <a:t>Classification of all wines into ~250 categories</a:t>
+            </a:r>
+          </a:p>
+          <a:p>
+            <a:r>
+              <a:rPr lang="en-US" dirty="0"/>
+              <a:t>Users rate wines they drink</a:t>
+            </a:r>
+          </a:p>
+          <a:p>
+            <a:pPr lvl="1"/>
+            <a:r>
+              <a:rPr lang="en-US" dirty="0"/>
+              <a:t>Rating and comments</a:t>
+            </a:r>
+          </a:p>
+          <a:p>
+            <a:pPr lvl="1"/>
+            <a:r>
+              <a:rPr lang="en-US" dirty="0"/>
+              <a:t>Other users can ‘Like’ ratings</a:t>
+            </a:r>
+          </a:p>
+          <a:p>
+            <a:pPr lvl="1"/>
+            <a:r>
+              <a:rPr lang="en-US" dirty="0"/>
+              <a:t>Users can follow others (followed by/followers)</a:t>
+            </a:r>
+          </a:p>
+          <a:p>
+            <a:pPr lvl="1"/>
+            <a:r>
+              <a:rPr lang="en-US" dirty="0"/>
+              <a:t>Users get rankings based on number of reviews</a:t>
             </a:r>
           </a:p>
         </p:txBody>
@@ -15473,9 +15645,10 @@
           <a:lstStyle/>
           <a:p>
             <a:r>
-              <a:rPr lang="en-US" dirty="0"/>
-              <a:t>Exercise</a:t>
-            </a:r>
+              <a:rPr lang="en-US" dirty="0" err="1"/>
+              <a:t>Vivino</a:t>
+            </a:r>
+            <a:endParaRPr lang="en-US" dirty="0"/>
           </a:p>
         </p:txBody>
       </p:sp>
@@ -15529,6 +15702,187 @@
     </p:spTree>
     <p:extLst>
       <p:ext uri="{BB962C8B-B14F-4D97-AF65-F5344CB8AC3E}">
+        <p14:creationId xmlns:p14="http://schemas.microsoft.com/office/powerpoint/2010/main" val="3415478586"/>
+      </p:ext>
+    </p:extLst>
+  </p:cSld>
+  <p:clrMapOvr>
+    <a:masterClrMapping/>
+  </p:clrMapOvr>
+</p:sld>
+</file>
+
+<file path=ppt/slides/slide35.xml><?xml version="1.0" encoding="utf-8"?>
+<p:sld xmlns:a="http://schemas.openxmlformats.org/drawingml/2006/main" xmlns:r="http://schemas.openxmlformats.org/officeDocument/2006/relationships" xmlns:p="http://schemas.openxmlformats.org/presentationml/2006/main">
+  <p:cSld>
+    <p:spTree>
+      <p:nvGrpSpPr>
+        <p:cNvPr id="1" name=""/>
+        <p:cNvGrpSpPr/>
+        <p:nvPr/>
+      </p:nvGrpSpPr>
+      <p:grpSpPr>
+        <a:xfrm>
+          <a:off x="0" y="0"/>
+          <a:ext cx="0" cy="0"/>
+          <a:chOff x="0" y="0"/>
+          <a:chExt cx="0" cy="0"/>
+        </a:xfrm>
+      </p:grpSpPr>
+      <p:sp>
+        <p:nvSpPr>
+          <p:cNvPr id="2" name="Content Placeholder 1"/>
+          <p:cNvSpPr>
+            <a:spLocks noGrp="1"/>
+          </p:cNvSpPr>
+          <p:nvPr>
+            <p:ph sz="half" idx="1"/>
+          </p:nvPr>
+        </p:nvSpPr>
+        <p:spPr>
+          <a:xfrm>
+            <a:off x="457200" y="1600201"/>
+            <a:ext cx="8077200" cy="4525963"/>
+          </a:xfrm>
+        </p:spPr>
+        <p:txBody>
+          <a:bodyPr/>
+          <a:lstStyle/>
+          <a:p>
+            <a:r>
+              <a:rPr lang="en-US" dirty="0"/>
+              <a:t>In groups of 2 or 3, discuss:</a:t>
+            </a:r>
+          </a:p>
+          <a:p>
+            <a:pPr lvl="1"/>
+            <a:r>
+              <a:rPr lang="en-US" dirty="0"/>
+              <a:t>What are the major abstractions in this problems domain	</a:t>
+            </a:r>
+          </a:p>
+          <a:p>
+            <a:pPr lvl="2"/>
+            <a:r>
+              <a:rPr lang="en-US" dirty="0"/>
+              <a:t>E.g. Classes</a:t>
+            </a:r>
+          </a:p>
+          <a:p>
+            <a:pPr lvl="1"/>
+            <a:r>
+              <a:rPr lang="en-US" dirty="0"/>
+              <a:t>How are they are related?</a:t>
+            </a:r>
+          </a:p>
+          <a:p>
+            <a:pPr lvl="2"/>
+            <a:r>
+              <a:rPr lang="en-US" dirty="0"/>
+              <a:t>Associations/compositions</a:t>
+            </a:r>
+          </a:p>
+          <a:p>
+            <a:pPr lvl="2"/>
+            <a:r>
+              <a:rPr lang="en-US" dirty="0"/>
+              <a:t>Dependencies (one way/two way?)</a:t>
+            </a:r>
+          </a:p>
+          <a:p>
+            <a:r>
+              <a:rPr lang="en-US" dirty="0"/>
+              <a:t>Remember – this is a client server app</a:t>
+            </a:r>
+          </a:p>
+          <a:p>
+            <a:pPr lvl="1"/>
+            <a:r>
+              <a:rPr lang="en-US" dirty="0"/>
+              <a:t>Server lives ‘in the cloud’, shared by ….</a:t>
+            </a:r>
+          </a:p>
+          <a:p>
+            <a:pPr lvl="1"/>
+            <a:r>
+              <a:rPr lang="en-US" dirty="0"/>
+              <a:t>(Typically) mobile client apps</a:t>
+            </a:r>
+          </a:p>
+        </p:txBody>
+      </p:sp>
+      <p:sp>
+        <p:nvSpPr>
+          <p:cNvPr id="4" name="Title 3"/>
+          <p:cNvSpPr>
+            <a:spLocks noGrp="1"/>
+          </p:cNvSpPr>
+          <p:nvPr>
+            <p:ph type="ctrTitle"/>
+          </p:nvPr>
+        </p:nvSpPr>
+        <p:spPr/>
+        <p:txBody>
+          <a:bodyPr/>
+          <a:lstStyle/>
+          <a:p>
+            <a:r>
+              <a:rPr lang="en-US" dirty="0"/>
+              <a:t>Exercise</a:t>
+            </a:r>
+          </a:p>
+        </p:txBody>
+      </p:sp>
+      <p:sp>
+        <p:nvSpPr>
+          <p:cNvPr id="5" name="Slide Number Placeholder 4"/>
+          <p:cNvSpPr>
+            <a:spLocks noGrp="1"/>
+          </p:cNvSpPr>
+          <p:nvPr>
+            <p:ph type="sldNum" sz="quarter" idx="12"/>
+          </p:nvPr>
+        </p:nvSpPr>
+        <p:spPr/>
+        <p:txBody>
+          <a:bodyPr/>
+          <a:lstStyle/>
+          <a:p>
+            <a:pPr defTabSz="457200" fontAlgn="base">
+              <a:spcBef>
+                <a:spcPct val="0"/>
+              </a:spcBef>
+              <a:spcAft>
+                <a:spcPct val="0"/>
+              </a:spcAft>
+              <a:defRPr/>
+            </a:pPr>
+            <a:fld id="{7D5A3BC4-B19D-A441-9E0C-B5423139123D}" type="slidenum">
+              <a:rPr lang="en-US" smtClean="0">
+                <a:ea typeface="ＭＳ Ｐゴシック" charset="0"/>
+                <a:cs typeface="Arial" charset="0"/>
+              </a:rPr>
+              <a:pPr defTabSz="457200" fontAlgn="base">
+                <a:spcBef>
+                  <a:spcPct val="0"/>
+                </a:spcBef>
+                <a:spcAft>
+                  <a:spcPct val="0"/>
+                </a:spcAft>
+                <a:defRPr/>
+              </a:pPr>
+              <a:t>35</a:t>
+            </a:fld>
+            <a:endParaRPr lang="en-US">
+              <a:ea typeface="ＭＳ Ｐゴシック" charset="0"/>
+              <a:cs typeface="Arial" charset="0"/>
+            </a:endParaRPr>
+          </a:p>
+        </p:txBody>
+      </p:sp>
+    </p:spTree>
+    <p:extLst>
+      <p:ext uri="{BB962C8B-B14F-4D97-AF65-F5344CB8AC3E}">
         <p14:creationId xmlns:p14="http://schemas.microsoft.com/office/powerpoint/2010/main" val="501140689"/>
       </p:ext>
     </p:extLst>
@@ -15539,7 +15893,7 @@
 </p:sld>
 </file>
 
-<file path=ppt/slides/slide35.xml><?xml version="1.0" encoding="utf-8"?>
+<file path=ppt/slides/slide36.xml><?xml version="1.0" encoding="utf-8"?>
 <p:sld xmlns:a="http://schemas.openxmlformats.org/drawingml/2006/main" xmlns:r="http://schemas.openxmlformats.org/officeDocument/2006/relationships" xmlns:p="http://schemas.openxmlformats.org/presentationml/2006/main">
   <p:cSld>
     <p:spTree>
@@ -15647,7 +16001,7 @@
                 <a:tabLst/>
                 <a:defRPr/>
               </a:pPr>
-              <a:t>35</a:t>
+              <a:t>36</a:t>
             </a:fld>
             <a:endParaRPr kumimoji="0" lang="en-US" sz="1200" b="0" i="0" u="none" strike="noStrike" kern="1200" cap="none" spc="0" normalizeH="0" baseline="0" noProof="0">
               <a:ln>
@@ -15670,176 +16024,6 @@
     <p:extLst>
       <p:ext uri="{BB962C8B-B14F-4D97-AF65-F5344CB8AC3E}">
         <p14:creationId xmlns:p14="http://schemas.microsoft.com/office/powerpoint/2010/main" val="923391555"/>
-      </p:ext>
-    </p:extLst>
-  </p:cSld>
-  <p:clrMapOvr>
-    <a:masterClrMapping/>
-  </p:clrMapOvr>
-</p:sld>
-</file>
-
-<file path=ppt/slides/slide36.xml><?xml version="1.0" encoding="utf-8"?>
-<p:sld xmlns:a="http://schemas.openxmlformats.org/drawingml/2006/main" xmlns:r="http://schemas.openxmlformats.org/officeDocument/2006/relationships" xmlns:p="http://schemas.openxmlformats.org/presentationml/2006/main">
-  <p:cSld>
-    <p:spTree>
-      <p:nvGrpSpPr>
-        <p:cNvPr id="1" name=""/>
-        <p:cNvGrpSpPr/>
-        <p:nvPr/>
-      </p:nvGrpSpPr>
-      <p:grpSpPr>
-        <a:xfrm>
-          <a:off x="0" y="0"/>
-          <a:ext cx="0" cy="0"/>
-          <a:chOff x="0" y="0"/>
-          <a:chExt cx="0" cy="0"/>
-        </a:xfrm>
-      </p:grpSpPr>
-      <p:sp>
-        <p:nvSpPr>
-          <p:cNvPr id="6" name="Content Placeholder 5"/>
-          <p:cNvSpPr>
-            <a:spLocks noGrp="1"/>
-          </p:cNvSpPr>
-          <p:nvPr>
-            <p:ph sz="half" idx="1"/>
-          </p:nvPr>
-        </p:nvSpPr>
-        <p:spPr/>
-        <p:txBody>
-          <a:bodyPr/>
-          <a:lstStyle/>
-          <a:p>
-            <a:r>
-              <a:rPr lang="en-US" dirty="0"/>
-              <a:t>Small programs (</a:t>
-            </a:r>
-            <a:r>
-              <a:rPr lang="en-US" dirty="0" err="1"/>
-              <a:t>e.g</a:t>
-            </a:r>
-            <a:r>
-              <a:rPr lang="en-US" dirty="0"/>
-              <a:t> a few hundred LoCs)</a:t>
-            </a:r>
-          </a:p>
-          <a:p>
-            <a:pPr lvl="1"/>
-            <a:r>
-              <a:rPr lang="en-US" dirty="0"/>
-              <a:t>Easy to write</a:t>
-            </a:r>
-          </a:p>
-          <a:p>
-            <a:pPr lvl="1"/>
-            <a:r>
-              <a:rPr lang="en-US" dirty="0"/>
-              <a:t>Easy to fully understand</a:t>
-            </a:r>
-          </a:p>
-          <a:p>
-            <a:pPr lvl="1"/>
-            <a:r>
-              <a:rPr lang="en-US" dirty="0"/>
-              <a:t>Easy to change</a:t>
-            </a:r>
-          </a:p>
-        </p:txBody>
-      </p:sp>
-      <p:sp>
-        <p:nvSpPr>
-          <p:cNvPr id="7" name="Content Placeholder 6"/>
-          <p:cNvSpPr>
-            <a:spLocks noGrp="1"/>
-          </p:cNvSpPr>
-          <p:nvPr>
-            <p:ph sz="half" idx="2"/>
-          </p:nvPr>
-        </p:nvSpPr>
-        <p:spPr/>
-        <p:txBody>
-          <a:bodyPr/>
-          <a:lstStyle/>
-          <a:p>
-            <a:r>
-              <a:rPr lang="en-US" dirty="0"/>
-              <a:t>Big programs (e.g. 1 million LoCs)</a:t>
-            </a:r>
-          </a:p>
-          <a:p>
-            <a:pPr lvl="1"/>
-            <a:r>
-              <a:rPr lang="en-US" dirty="0"/>
-              <a:t>Hard to write</a:t>
-            </a:r>
-          </a:p>
-          <a:p>
-            <a:pPr lvl="1"/>
-            <a:r>
-              <a:rPr lang="en-US" dirty="0"/>
-              <a:t>Impossible to fully understand</a:t>
-            </a:r>
-          </a:p>
-          <a:p>
-            <a:pPr lvl="1"/>
-            <a:r>
-              <a:rPr lang="en-US" dirty="0"/>
-              <a:t>Hard to change</a:t>
-            </a:r>
-          </a:p>
-        </p:txBody>
-      </p:sp>
-      <p:sp>
-        <p:nvSpPr>
-          <p:cNvPr id="5" name="Title 4"/>
-          <p:cNvSpPr>
-            <a:spLocks noGrp="1"/>
-          </p:cNvSpPr>
-          <p:nvPr>
-            <p:ph type="ctrTitle"/>
-          </p:nvPr>
-        </p:nvSpPr>
-        <p:spPr/>
-        <p:txBody>
-          <a:bodyPr/>
-          <a:lstStyle/>
-          <a:p>
-            <a:r>
-              <a:rPr lang="en-US" dirty="0"/>
-              <a:t>Programming ‘in the Small’ versus ‘in the large’</a:t>
-            </a:r>
-          </a:p>
-        </p:txBody>
-      </p:sp>
-      <p:sp>
-        <p:nvSpPr>
-          <p:cNvPr id="4" name="Slide Number Placeholder 3"/>
-          <p:cNvSpPr>
-            <a:spLocks noGrp="1"/>
-          </p:cNvSpPr>
-          <p:nvPr>
-            <p:ph type="sldNum" sz="quarter" idx="12"/>
-          </p:nvPr>
-        </p:nvSpPr>
-        <p:spPr/>
-        <p:txBody>
-          <a:bodyPr/>
-          <a:lstStyle/>
-          <a:p>
-            <a:fld id="{66F4603E-D9C9-624B-8C10-448A0842B9A5}" type="slidenum">
-              <a:rPr lang="en-US" smtClean="0"/>
-              <a:pPr/>
-              <a:t>36</a:t>
-            </a:fld>
-            <a:endParaRPr lang="en-US"/>
-          </a:p>
-        </p:txBody>
-      </p:sp>
-    </p:spTree>
-    <p:extLst>
-      <p:ext uri="{BB962C8B-B14F-4D97-AF65-F5344CB8AC3E}">
-        <p14:creationId xmlns:p14="http://schemas.microsoft.com/office/powerpoint/2010/main" val="1916615307"/>
       </p:ext>
     </p:extLst>
   </p:cSld>
@@ -15868,6 +16052,176 @@
       </p:grpSpPr>
       <p:sp>
         <p:nvSpPr>
+          <p:cNvPr id="6" name="Content Placeholder 5"/>
+          <p:cNvSpPr>
+            <a:spLocks noGrp="1"/>
+          </p:cNvSpPr>
+          <p:nvPr>
+            <p:ph sz="half" idx="1"/>
+          </p:nvPr>
+        </p:nvSpPr>
+        <p:spPr/>
+        <p:txBody>
+          <a:bodyPr/>
+          <a:lstStyle/>
+          <a:p>
+            <a:r>
+              <a:rPr lang="en-US" dirty="0"/>
+              <a:t>Small programs (</a:t>
+            </a:r>
+            <a:r>
+              <a:rPr lang="en-US" dirty="0" err="1"/>
+              <a:t>e.g</a:t>
+            </a:r>
+            <a:r>
+              <a:rPr lang="en-US" dirty="0"/>
+              <a:t> a few hundred LoCs)</a:t>
+            </a:r>
+          </a:p>
+          <a:p>
+            <a:pPr lvl="1"/>
+            <a:r>
+              <a:rPr lang="en-US" dirty="0"/>
+              <a:t>Easy to write</a:t>
+            </a:r>
+          </a:p>
+          <a:p>
+            <a:pPr lvl="1"/>
+            <a:r>
+              <a:rPr lang="en-US" dirty="0"/>
+              <a:t>Easy to fully understand</a:t>
+            </a:r>
+          </a:p>
+          <a:p>
+            <a:pPr lvl="1"/>
+            <a:r>
+              <a:rPr lang="en-US" dirty="0"/>
+              <a:t>Easy to change</a:t>
+            </a:r>
+          </a:p>
+        </p:txBody>
+      </p:sp>
+      <p:sp>
+        <p:nvSpPr>
+          <p:cNvPr id="7" name="Content Placeholder 6"/>
+          <p:cNvSpPr>
+            <a:spLocks noGrp="1"/>
+          </p:cNvSpPr>
+          <p:nvPr>
+            <p:ph sz="half" idx="2"/>
+          </p:nvPr>
+        </p:nvSpPr>
+        <p:spPr/>
+        <p:txBody>
+          <a:bodyPr/>
+          <a:lstStyle/>
+          <a:p>
+            <a:r>
+              <a:rPr lang="en-US" dirty="0"/>
+              <a:t>Big programs (e.g. 1 million LoCs)</a:t>
+            </a:r>
+          </a:p>
+          <a:p>
+            <a:pPr lvl="1"/>
+            <a:r>
+              <a:rPr lang="en-US" dirty="0"/>
+              <a:t>Hard to write</a:t>
+            </a:r>
+          </a:p>
+          <a:p>
+            <a:pPr lvl="1"/>
+            <a:r>
+              <a:rPr lang="en-US" dirty="0"/>
+              <a:t>Impossible to fully understand</a:t>
+            </a:r>
+          </a:p>
+          <a:p>
+            <a:pPr lvl="1"/>
+            <a:r>
+              <a:rPr lang="en-US" dirty="0"/>
+              <a:t>Hard to change</a:t>
+            </a:r>
+          </a:p>
+        </p:txBody>
+      </p:sp>
+      <p:sp>
+        <p:nvSpPr>
+          <p:cNvPr id="5" name="Title 4"/>
+          <p:cNvSpPr>
+            <a:spLocks noGrp="1"/>
+          </p:cNvSpPr>
+          <p:nvPr>
+            <p:ph type="ctrTitle"/>
+          </p:nvPr>
+        </p:nvSpPr>
+        <p:spPr/>
+        <p:txBody>
+          <a:bodyPr/>
+          <a:lstStyle/>
+          <a:p>
+            <a:r>
+              <a:rPr lang="en-US" dirty="0"/>
+              <a:t>Programming ‘in the Small’ versus ‘in the large’</a:t>
+            </a:r>
+          </a:p>
+        </p:txBody>
+      </p:sp>
+      <p:sp>
+        <p:nvSpPr>
+          <p:cNvPr id="4" name="Slide Number Placeholder 3"/>
+          <p:cNvSpPr>
+            <a:spLocks noGrp="1"/>
+          </p:cNvSpPr>
+          <p:nvPr>
+            <p:ph type="sldNum" sz="quarter" idx="12"/>
+          </p:nvPr>
+        </p:nvSpPr>
+        <p:spPr/>
+        <p:txBody>
+          <a:bodyPr/>
+          <a:lstStyle/>
+          <a:p>
+            <a:fld id="{66F4603E-D9C9-624B-8C10-448A0842B9A5}" type="slidenum">
+              <a:rPr lang="en-US" smtClean="0"/>
+              <a:pPr/>
+              <a:t>37</a:t>
+            </a:fld>
+            <a:endParaRPr lang="en-US"/>
+          </a:p>
+        </p:txBody>
+      </p:sp>
+    </p:spTree>
+    <p:extLst>
+      <p:ext uri="{BB962C8B-B14F-4D97-AF65-F5344CB8AC3E}">
+        <p14:creationId xmlns:p14="http://schemas.microsoft.com/office/powerpoint/2010/main" val="1916615307"/>
+      </p:ext>
+    </p:extLst>
+  </p:cSld>
+  <p:clrMapOvr>
+    <a:masterClrMapping/>
+  </p:clrMapOvr>
+</p:sld>
+</file>
+
+<file path=ppt/slides/slide38.xml><?xml version="1.0" encoding="utf-8"?>
+<p:sld xmlns:a="http://schemas.openxmlformats.org/drawingml/2006/main" xmlns:r="http://schemas.openxmlformats.org/officeDocument/2006/relationships" xmlns:p="http://schemas.openxmlformats.org/presentationml/2006/main">
+  <p:cSld>
+    <p:spTree>
+      <p:nvGrpSpPr>
+        <p:cNvPr id="1" name=""/>
+        <p:cNvGrpSpPr/>
+        <p:nvPr/>
+      </p:nvGrpSpPr>
+      <p:grpSpPr>
+        <a:xfrm>
+          <a:off x="0" y="0"/>
+          <a:ext cx="0" cy="0"/>
+          <a:chOff x="0" y="0"/>
+          <a:chExt cx="0" cy="0"/>
+        </a:xfrm>
+      </p:grpSpPr>
+      <p:sp>
+        <p:nvSpPr>
           <p:cNvPr id="5" name="Slide Number Placeholder 4"/>
           <p:cNvSpPr>
             <a:spLocks noGrp="1"/>
@@ -15884,7 +16238,7 @@
             <a:fld id="{7D5A3BC4-B19D-A441-9E0C-B5423139123D}" type="slidenum">
               <a:rPr lang="en-US" smtClean="0"/>
               <a:pPr/>
-              <a:t>37</a:t>
+              <a:t>38</a:t>
             </a:fld>
             <a:endParaRPr lang="en-US"/>
           </a:p>
@@ -15927,7 +16281,7 @@
 </p:sld>
 </file>
 
-<file path=ppt/slides/slide38.xml><?xml version="1.0" encoding="utf-8"?>
+<file path=ppt/slides/slide39.xml><?xml version="1.0" encoding="utf-8"?>
 <p:sld xmlns:a="http://schemas.openxmlformats.org/drawingml/2006/main" xmlns:r="http://schemas.openxmlformats.org/officeDocument/2006/relationships" xmlns:p="http://schemas.openxmlformats.org/presentationml/2006/main">
   <p:cSld>
     <p:spTree>
@@ -16037,7 +16391,7 @@
             <a:fld id="{7D5A3BC4-B19D-A441-9E0C-B5423139123D}" type="slidenum">
               <a:rPr lang="en-US" smtClean="0"/>
               <a:pPr/>
-              <a:t>38</a:t>
+              <a:t>39</a:t>
             </a:fld>
             <a:endParaRPr lang="en-US"/>
           </a:p>
@@ -16080,7 +16434,7 @@
 </p:sld>
 </file>
 
-<file path=ppt/slides/slide39.xml><?xml version="1.0" encoding="utf-8"?>
+<file path=ppt/slides/slide4.xml><?xml version="1.0" encoding="utf-8"?>
 <p:sld xmlns:a="http://schemas.openxmlformats.org/drawingml/2006/main" xmlns:r="http://schemas.openxmlformats.org/officeDocument/2006/relationships" xmlns:p="http://schemas.openxmlformats.org/presentationml/2006/main">
   <p:cSld>
     <p:spTree>
@@ -16099,6 +16453,148 @@
       </p:grpSpPr>
       <p:sp>
         <p:nvSpPr>
+          <p:cNvPr id="4" name="Title 3"/>
+          <p:cNvSpPr>
+            <a:spLocks noGrp="1"/>
+          </p:cNvSpPr>
+          <p:nvPr>
+            <p:ph type="ctrTitle"/>
+          </p:nvPr>
+        </p:nvSpPr>
+        <p:spPr/>
+        <p:txBody>
+          <a:bodyPr/>
+          <a:lstStyle/>
+          <a:p>
+            <a:r>
+              <a:rPr lang="en-US" dirty="0"/>
+              <a:t>Course Primary Aims</a:t>
+            </a:r>
+          </a:p>
+        </p:txBody>
+      </p:sp>
+      <p:sp>
+        <p:nvSpPr>
+          <p:cNvPr id="5" name="Content Placeholder 4"/>
+          <p:cNvSpPr>
+            <a:spLocks noGrp="1"/>
+          </p:cNvSpPr>
+          <p:nvPr>
+            <p:ph sz="half" idx="1"/>
+          </p:nvPr>
+        </p:nvSpPr>
+        <p:spPr>
+          <a:xfrm>
+            <a:off x="457200" y="1600201"/>
+            <a:ext cx="8229600" cy="4525963"/>
+          </a:xfrm>
+        </p:spPr>
+        <p:txBody>
+          <a:bodyPr/>
+          <a:lstStyle/>
+          <a:p>
+            <a:r>
+              <a:rPr lang="en-US" dirty="0"/>
+              <a:t>At the end of this course you should be able to:</a:t>
+            </a:r>
+          </a:p>
+          <a:p>
+            <a:pPr lvl="1"/>
+            <a:r>
+              <a:rPr lang="en-US" dirty="0"/>
+              <a:t>Design and build </a:t>
+            </a:r>
+            <a:r>
+              <a:rPr lang="en-US" b="1" dirty="0"/>
+              <a:t>high quality </a:t>
+            </a:r>
+            <a:r>
+              <a:rPr lang="en-US" dirty="0"/>
+              <a:t>software</a:t>
+            </a:r>
+          </a:p>
+          <a:p>
+            <a:pPr lvl="1"/>
+            <a:r>
+              <a:rPr lang="en-US" dirty="0"/>
+              <a:t>Explain the </a:t>
+            </a:r>
+            <a:r>
+              <a:rPr lang="en-US" b="1" dirty="0"/>
+              <a:t>major principles </a:t>
+            </a:r>
+            <a:r>
+              <a:rPr lang="en-US" dirty="0"/>
+              <a:t>of the ‘art of programming’</a:t>
+            </a:r>
+          </a:p>
+          <a:p>
+            <a:pPr lvl="1"/>
+            <a:r>
+              <a:rPr lang="en-US" dirty="0"/>
+              <a:t>Write </a:t>
+            </a:r>
+            <a:r>
+              <a:rPr lang="en-US" b="1" dirty="0"/>
+              <a:t>understandable</a:t>
+            </a:r>
+            <a:r>
+              <a:rPr lang="en-US" dirty="0"/>
+              <a:t> code</a:t>
+            </a:r>
+          </a:p>
+          <a:p>
+            <a:pPr lvl="1"/>
+            <a:r>
+              <a:rPr lang="en-US" dirty="0"/>
+              <a:t>Be able to </a:t>
+            </a:r>
+            <a:r>
+              <a:rPr lang="en-US" b="1" dirty="0"/>
+              <a:t>explain</a:t>
+            </a:r>
+            <a:r>
+              <a:rPr lang="en-US" dirty="0"/>
+              <a:t> your design and code to your peers</a:t>
+            </a:r>
+          </a:p>
+          <a:p>
+            <a:endParaRPr lang="en-US" dirty="0"/>
+          </a:p>
+        </p:txBody>
+      </p:sp>
+    </p:spTree>
+    <p:extLst>
+      <p:ext uri="{BB962C8B-B14F-4D97-AF65-F5344CB8AC3E}">
+        <p14:creationId xmlns:p14="http://schemas.microsoft.com/office/powerpoint/2010/main" val="4030941834"/>
+      </p:ext>
+    </p:extLst>
+  </p:cSld>
+  <p:clrMapOvr>
+    <a:masterClrMapping/>
+  </p:clrMapOvr>
+</p:sld>
+</file>
+
+<file path=ppt/slides/slide40.xml><?xml version="1.0" encoding="utf-8"?>
+<p:sld xmlns:a="http://schemas.openxmlformats.org/drawingml/2006/main" xmlns:r="http://schemas.openxmlformats.org/officeDocument/2006/relationships" xmlns:p="http://schemas.openxmlformats.org/presentationml/2006/main">
+  <p:cSld>
+    <p:spTree>
+      <p:nvGrpSpPr>
+        <p:cNvPr id="1" name=""/>
+        <p:cNvGrpSpPr/>
+        <p:nvPr/>
+      </p:nvGrpSpPr>
+      <p:grpSpPr>
+        <a:xfrm>
+          <a:off x="0" y="0"/>
+          <a:ext cx="0" cy="0"/>
+          <a:chOff x="0" y="0"/>
+          <a:chExt cx="0" cy="0"/>
+        </a:xfrm>
+      </p:grpSpPr>
+      <p:sp>
+        <p:nvSpPr>
           <p:cNvPr id="5" name="Slide Number Placeholder 4"/>
           <p:cNvSpPr>
             <a:spLocks noGrp="1"/>
@@ -16115,7 +16611,7 @@
             <a:fld id="{7D5A3BC4-B19D-A441-9E0C-B5423139123D}" type="slidenum">
               <a:rPr lang="en-US" smtClean="0"/>
               <a:pPr/>
-              <a:t>39</a:t>
+              <a:t>40</a:t>
             </a:fld>
             <a:endParaRPr lang="en-US"/>
           </a:p>
@@ -16158,268 +16654,6 @@
 </p:sld>
 </file>
 
-<file path=ppt/slides/slide4.xml><?xml version="1.0" encoding="utf-8"?>
-<p:sld xmlns:a="http://schemas.openxmlformats.org/drawingml/2006/main" xmlns:r="http://schemas.openxmlformats.org/officeDocument/2006/relationships" xmlns:p="http://schemas.openxmlformats.org/presentationml/2006/main">
-  <p:cSld>
-    <p:spTree>
-      <p:nvGrpSpPr>
-        <p:cNvPr id="1" name=""/>
-        <p:cNvGrpSpPr/>
-        <p:nvPr/>
-      </p:nvGrpSpPr>
-      <p:grpSpPr>
-        <a:xfrm>
-          <a:off x="0" y="0"/>
-          <a:ext cx="0" cy="0"/>
-          <a:chOff x="0" y="0"/>
-          <a:chExt cx="0" cy="0"/>
-        </a:xfrm>
-      </p:grpSpPr>
-      <p:sp>
-        <p:nvSpPr>
-          <p:cNvPr id="4" name="Title 3"/>
-          <p:cNvSpPr>
-            <a:spLocks noGrp="1"/>
-          </p:cNvSpPr>
-          <p:nvPr>
-            <p:ph type="ctrTitle"/>
-          </p:nvPr>
-        </p:nvSpPr>
-        <p:spPr/>
-        <p:txBody>
-          <a:bodyPr/>
-          <a:lstStyle/>
-          <a:p>
-            <a:r>
-              <a:rPr lang="en-US" dirty="0"/>
-              <a:t>Course Primary Aims</a:t>
-            </a:r>
-          </a:p>
-        </p:txBody>
-      </p:sp>
-      <p:sp>
-        <p:nvSpPr>
-          <p:cNvPr id="5" name="Content Placeholder 4"/>
-          <p:cNvSpPr>
-            <a:spLocks noGrp="1"/>
-          </p:cNvSpPr>
-          <p:nvPr>
-            <p:ph sz="half" idx="1"/>
-          </p:nvPr>
-        </p:nvSpPr>
-        <p:spPr>
-          <a:xfrm>
-            <a:off x="457200" y="1600201"/>
-            <a:ext cx="8229600" cy="4525963"/>
-          </a:xfrm>
-        </p:spPr>
-        <p:txBody>
-          <a:bodyPr/>
-          <a:lstStyle/>
-          <a:p>
-            <a:r>
-              <a:rPr lang="en-US" dirty="0"/>
-              <a:t>At the end of this course you should be able to:</a:t>
-            </a:r>
-          </a:p>
-          <a:p>
-            <a:pPr lvl="1"/>
-            <a:r>
-              <a:rPr lang="en-US" dirty="0"/>
-              <a:t>Design and build high quality software</a:t>
-            </a:r>
-          </a:p>
-          <a:p>
-            <a:pPr lvl="1"/>
-            <a:r>
-              <a:rPr lang="en-US" dirty="0"/>
-              <a:t>Explain the major principles of the ‘art of programming’</a:t>
-            </a:r>
-          </a:p>
-          <a:p>
-            <a:pPr lvl="1"/>
-            <a:r>
-              <a:rPr lang="en-US" dirty="0"/>
-              <a:t>Write understandable code</a:t>
-            </a:r>
-          </a:p>
-          <a:p>
-            <a:pPr lvl="1"/>
-            <a:r>
-              <a:rPr lang="en-US" dirty="0"/>
-              <a:t>Be able to explain your design and code to your peers</a:t>
-            </a:r>
-          </a:p>
-          <a:p>
-            <a:endParaRPr lang="en-US" dirty="0"/>
-          </a:p>
-        </p:txBody>
-      </p:sp>
-    </p:spTree>
-    <p:extLst>
-      <p:ext uri="{BB962C8B-B14F-4D97-AF65-F5344CB8AC3E}">
-        <p14:creationId xmlns:p14="http://schemas.microsoft.com/office/powerpoint/2010/main" val="4030941834"/>
-      </p:ext>
-    </p:extLst>
-  </p:cSld>
-  <p:clrMapOvr>
-    <a:masterClrMapping/>
-  </p:clrMapOvr>
-</p:sld>
-</file>
-
-<file path=ppt/slides/slide40.xml><?xml version="1.0" encoding="utf-8"?>
-<p:sld xmlns:a="http://schemas.openxmlformats.org/drawingml/2006/main" xmlns:r="http://schemas.openxmlformats.org/officeDocument/2006/relationships" xmlns:p="http://schemas.openxmlformats.org/presentationml/2006/main">
-  <p:cSld>
-    <p:spTree>
-      <p:nvGrpSpPr>
-        <p:cNvPr id="1" name=""/>
-        <p:cNvGrpSpPr/>
-        <p:nvPr/>
-      </p:nvGrpSpPr>
-      <p:grpSpPr>
-        <a:xfrm>
-          <a:off x="0" y="0"/>
-          <a:ext cx="0" cy="0"/>
-          <a:chOff x="0" y="0"/>
-          <a:chExt cx="0" cy="0"/>
-        </a:xfrm>
-      </p:grpSpPr>
-      <p:sp>
-        <p:nvSpPr>
-          <p:cNvPr id="2" name="Content Placeholder 1"/>
-          <p:cNvSpPr>
-            <a:spLocks noGrp="1"/>
-          </p:cNvSpPr>
-          <p:nvPr>
-            <p:ph sz="half" idx="1"/>
-          </p:nvPr>
-        </p:nvSpPr>
-        <p:spPr>
-          <a:xfrm>
-            <a:off x="457200" y="1600201"/>
-            <a:ext cx="7696200" cy="4525963"/>
-          </a:xfrm>
-        </p:spPr>
-        <p:txBody>
-          <a:bodyPr/>
-          <a:lstStyle/>
-          <a:p>
-            <a:r>
-              <a:rPr lang="en-US" dirty="0"/>
-              <a:t>Decompose the problem into parts</a:t>
-            </a:r>
-          </a:p>
-          <a:p>
-            <a:pPr lvl="1"/>
-            <a:r>
-              <a:rPr lang="en-US" dirty="0"/>
-              <a:t>Modules, packages, classes, components, </a:t>
-            </a:r>
-            <a:r>
-              <a:rPr lang="en-US" dirty="0" err="1"/>
-              <a:t>etc</a:t>
-            </a:r>
-            <a:endParaRPr lang="en-US" dirty="0"/>
-          </a:p>
-          <a:p>
-            <a:r>
-              <a:rPr lang="en-US" dirty="0"/>
-              <a:t>Create minimal dependencies between the parts</a:t>
-            </a:r>
-          </a:p>
-          <a:p>
-            <a:pPr lvl="1"/>
-            <a:r>
-              <a:rPr lang="en-US" dirty="0"/>
-              <a:t>Loosely coupled, limit ripple effect</a:t>
-            </a:r>
-          </a:p>
-          <a:p>
-            <a:r>
-              <a:rPr lang="en-US" dirty="0"/>
-              <a:t>Dependencies based on </a:t>
-            </a:r>
-            <a:r>
-              <a:rPr lang="en-US" b="1" dirty="0"/>
-              <a:t>specifications</a:t>
-            </a:r>
-          </a:p>
-          <a:p>
-            <a:pPr lvl="1"/>
-            <a:r>
-              <a:rPr lang="en-US" dirty="0"/>
-              <a:t>Hide implementation details from other parts</a:t>
-            </a:r>
-          </a:p>
-          <a:p>
-            <a:pPr lvl="1"/>
-            <a:r>
-              <a:rPr lang="en-US" dirty="0"/>
-              <a:t>Details can change as long as specification not violated</a:t>
-            </a:r>
-          </a:p>
-        </p:txBody>
-      </p:sp>
-      <p:sp>
-        <p:nvSpPr>
-          <p:cNvPr id="4" name="Title 3"/>
-          <p:cNvSpPr>
-            <a:spLocks noGrp="1"/>
-          </p:cNvSpPr>
-          <p:nvPr>
-            <p:ph type="ctrTitle"/>
-          </p:nvPr>
-        </p:nvSpPr>
-        <p:spPr/>
-        <p:txBody>
-          <a:bodyPr/>
-          <a:lstStyle/>
-          <a:p>
-            <a:r>
-              <a:rPr lang="en-US" dirty="0"/>
-              <a:t>Modularity</a:t>
-            </a:r>
-          </a:p>
-        </p:txBody>
-      </p:sp>
-      <p:sp>
-        <p:nvSpPr>
-          <p:cNvPr id="5" name="Slide Number Placeholder 4"/>
-          <p:cNvSpPr>
-            <a:spLocks noGrp="1"/>
-          </p:cNvSpPr>
-          <p:nvPr>
-            <p:ph type="sldNum" sz="quarter" idx="12"/>
-          </p:nvPr>
-        </p:nvSpPr>
-        <p:spPr/>
-        <p:txBody>
-          <a:bodyPr/>
-          <a:lstStyle/>
-          <a:p>
-            <a:fld id="{7D5A3BC4-B19D-A441-9E0C-B5423139123D}" type="slidenum">
-              <a:rPr lang="en-US" smtClean="0"/>
-              <a:pPr/>
-              <a:t>40</a:t>
-            </a:fld>
-            <a:endParaRPr lang="en-US"/>
-          </a:p>
-        </p:txBody>
-      </p:sp>
-    </p:spTree>
-    <p:extLst>
-      <p:ext uri="{BB962C8B-B14F-4D97-AF65-F5344CB8AC3E}">
-        <p14:creationId xmlns:p14="http://schemas.microsoft.com/office/powerpoint/2010/main" val="1814420253"/>
-      </p:ext>
-    </p:extLst>
-  </p:cSld>
-  <p:clrMapOvr>
-    <a:masterClrMapping/>
-  </p:clrMapOvr>
-</p:sld>
-</file>
-
 <file path=ppt/slides/slide41.xml><?xml version="1.0" encoding="utf-8"?>
 <p:sld xmlns:a="http://schemas.openxmlformats.org/drawingml/2006/main" xmlns:r="http://schemas.openxmlformats.org/officeDocument/2006/relationships" xmlns:p="http://schemas.openxmlformats.org/presentationml/2006/main">
   <p:cSld>
@@ -16450,7 +16684,7 @@
         <p:spPr>
           <a:xfrm>
             <a:off x="457200" y="1600201"/>
-            <a:ext cx="7620000" cy="4525963"/>
+            <a:ext cx="7696200" cy="4525963"/>
           </a:xfrm>
         </p:spPr>
         <p:txBody>
@@ -16459,60 +16693,56 @@
           <a:p>
             <a:r>
               <a:rPr lang="en-US" dirty="0"/>
-              <a:t>Defines a </a:t>
+              <a:t>Decompose the problem into parts</a:t>
+            </a:r>
+          </a:p>
+          <a:p>
+            <a:pPr lvl="1"/>
+            <a:r>
+              <a:rPr lang="en-US" dirty="0"/>
+              <a:t>Modules, packages, classes, components, </a:t>
+            </a:r>
+            <a:r>
+              <a:rPr lang="en-US" dirty="0" err="1"/>
+              <a:t>etc</a:t>
+            </a:r>
+            <a:endParaRPr lang="en-US" dirty="0"/>
+          </a:p>
+          <a:p>
+            <a:r>
+              <a:rPr lang="en-US" dirty="0"/>
+              <a:t>Create minimal dependencies between the parts</a:t>
+            </a:r>
+          </a:p>
+          <a:p>
+            <a:pPr lvl="1"/>
+            <a:r>
+              <a:rPr lang="en-US" dirty="0"/>
+              <a:t>Loosely coupled, limit ripple effect</a:t>
+            </a:r>
+          </a:p>
+          <a:p>
+            <a:r>
+              <a:rPr lang="en-US" dirty="0"/>
+              <a:t>Dependencies based on </a:t>
             </a:r>
             <a:r>
               <a:rPr lang="en-US" b="1" dirty="0"/>
-              <a:t>contract</a:t>
-            </a:r>
-            <a:r>
-              <a:rPr lang="en-US" dirty="0"/>
-              <a:t> between a ‘using’ class and a ‘used’ class</a:t>
+              <a:t>specifications</a:t>
             </a:r>
           </a:p>
           <a:p>
             <a:pPr lvl="1"/>
             <a:r>
-              <a:rPr lang="en-US" dirty="0" err="1"/>
-              <a:t>E.g</a:t>
-            </a:r>
-            <a:r>
-              <a:rPr lang="en-US" dirty="0"/>
-              <a:t> client, server</a:t>
-            </a:r>
-          </a:p>
-          <a:p>
-            <a:r>
-              <a:rPr lang="en-US" dirty="0"/>
-              <a:t>Describes expectations of each other</a:t>
+              <a:rPr lang="en-US" dirty="0"/>
+              <a:t>Hide implementation details from other parts</a:t>
             </a:r>
           </a:p>
           <a:p>
             <a:pPr lvl="1"/>
             <a:r>
               <a:rPr lang="en-US" dirty="0"/>
-              <a:t>What data the client must pass to the server </a:t>
-            </a:r>
-          </a:p>
-          <a:p>
-            <a:pPr lvl="1"/>
-            <a:r>
-              <a:rPr lang="en-US" dirty="0"/>
-              <a:t>What effects passing the expected data will have on the server</a:t>
-            </a:r>
-          </a:p>
-          <a:p>
-            <a:pPr lvl="1"/>
-            <a:r>
-              <a:rPr lang="en-US" dirty="0"/>
-              <a:t>What the server will return to the client</a:t>
-            </a:r>
-          </a:p>
-          <a:p>
-            <a:pPr lvl="1"/>
-            <a:r>
-              <a:rPr lang="en-US" dirty="0"/>
-              <a:t>What conditions can be guaranteed to hold after the request is complete</a:t>
+              <a:t>Details can change as long as specification not violated</a:t>
             </a:r>
           </a:p>
         </p:txBody>
@@ -16534,7 +16764,7 @@
           <a:p>
             <a:r>
               <a:rPr lang="en-US" dirty="0"/>
-              <a:t>Specification</a:t>
+              <a:t>Modularity</a:t>
             </a:r>
           </a:p>
         </p:txBody>
@@ -16566,7 +16796,7 @@
     </p:spTree>
     <p:extLst>
       <p:ext uri="{BB962C8B-B14F-4D97-AF65-F5344CB8AC3E}">
-        <p14:creationId xmlns:p14="http://schemas.microsoft.com/office/powerpoint/2010/main" val="534101158"/>
+        <p14:creationId xmlns:p14="http://schemas.microsoft.com/office/powerpoint/2010/main" val="1814420253"/>
       </p:ext>
     </p:extLst>
   </p:cSld>
@@ -16606,7 +16836,7 @@
         <p:spPr>
           <a:xfrm>
             <a:off x="457200" y="1600201"/>
-            <a:ext cx="8077200" cy="4525963"/>
+            <a:ext cx="7620000" cy="4525963"/>
           </a:xfrm>
         </p:spPr>
         <p:txBody>
@@ -16615,64 +16845,60 @@
           <a:p>
             <a:r>
               <a:rPr lang="en-US" dirty="0"/>
-              <a:t>Code is complicated!!</a:t>
+              <a:t>Defines a </a:t>
+            </a:r>
+            <a:r>
+              <a:rPr lang="en-US" b="1" dirty="0"/>
+              <a:t>contract</a:t>
+            </a:r>
+            <a:r>
+              <a:rPr lang="en-US" dirty="0"/>
+              <a:t> between a ‘using’ class and a ‘used’ class</a:t>
             </a:r>
           </a:p>
           <a:p>
             <a:pPr lvl="1"/>
             <a:r>
-              <a:rPr lang="en-US" dirty="0"/>
-              <a:t>And changes</a:t>
-            </a:r>
-          </a:p>
-          <a:p>
-            <a:r>
-              <a:rPr lang="en-US" dirty="0"/>
-              <a:t>Specification concisely tells the client </a:t>
-            </a:r>
-            <a:r>
-              <a:rPr lang="en-US" b="1" dirty="0"/>
-              <a:t>what</a:t>
-            </a:r>
-            <a:r>
-              <a:rPr lang="en-US" dirty="0"/>
-              <a:t> the code does, not </a:t>
-            </a:r>
-            <a:r>
-              <a:rPr lang="en-US" b="1" dirty="0"/>
-              <a:t>how</a:t>
-            </a:r>
-            <a:r>
-              <a:rPr lang="en-US" dirty="0"/>
-              <a:t> it does it</a:t>
-            </a:r>
-          </a:p>
-          <a:p>
-            <a:r>
-              <a:rPr lang="en-US" dirty="0"/>
-              <a:t>Specification abstracts away unnecessary  details</a:t>
+              <a:rPr lang="en-US" dirty="0" err="1"/>
+              <a:t>E.g</a:t>
+            </a:r>
+            <a:r>
+              <a:rPr lang="en-US" dirty="0"/>
+              <a:t> client, server</a:t>
+            </a:r>
+          </a:p>
+          <a:p>
+            <a:r>
+              <a:rPr lang="en-US" dirty="0"/>
+              <a:t>Describes expectations of each other</a:t>
             </a:r>
           </a:p>
           <a:p>
             <a:pPr lvl="1"/>
             <a:r>
               <a:rPr lang="en-US" dirty="0"/>
-              <a:t>Easy to understand, clear and unambiguous</a:t>
+              <a:t>What data the client must pass to the server </a:t>
             </a:r>
           </a:p>
           <a:p>
             <a:pPr lvl="1"/>
             <a:r>
               <a:rPr lang="en-US" dirty="0"/>
-              <a:t>Specifies what the client can always </a:t>
-            </a:r>
-            <a:r>
-              <a:rPr lang="en-US" b="1" dirty="0"/>
-              <a:t>depend</a:t>
-            </a:r>
-            <a:r>
-              <a:rPr lang="en-US" dirty="0"/>
-              <a:t> on when using the module</a:t>
+              <a:t>What effects passing the expected data will have on the server</a:t>
+            </a:r>
+          </a:p>
+          <a:p>
+            <a:pPr lvl="1"/>
+            <a:r>
+              <a:rPr lang="en-US" dirty="0"/>
+              <a:t>What the server will return to the client</a:t>
+            </a:r>
+          </a:p>
+          <a:p>
+            <a:pPr lvl="1"/>
+            <a:r>
+              <a:rPr lang="en-US" dirty="0"/>
+              <a:t>What conditions can be guaranteed to hold after the request is complete</a:t>
             </a:r>
           </a:p>
         </p:txBody>
@@ -16694,7 +16920,7 @@
           <a:p>
             <a:r>
               <a:rPr lang="en-US" dirty="0"/>
-              <a:t>Why not just read the code?</a:t>
+              <a:t>Specification</a:t>
             </a:r>
           </a:p>
         </p:txBody>
@@ -16726,7 +16952,7 @@
     </p:spTree>
     <p:extLst>
       <p:ext uri="{BB962C8B-B14F-4D97-AF65-F5344CB8AC3E}">
-        <p14:creationId xmlns:p14="http://schemas.microsoft.com/office/powerpoint/2010/main" val="1291067551"/>
+        <p14:creationId xmlns:p14="http://schemas.microsoft.com/office/powerpoint/2010/main" val="534101158"/>
       </p:ext>
     </p:extLst>
   </p:cSld>
@@ -16766,7 +16992,7 @@
         <p:spPr>
           <a:xfrm>
             <a:off x="457200" y="1600201"/>
-            <a:ext cx="8229600" cy="4525963"/>
+            <a:ext cx="8077200" cy="4525963"/>
           </a:xfrm>
         </p:spPr>
         <p:txBody>
@@ -16775,41 +17001,64 @@
           <a:p>
             <a:r>
               <a:rPr lang="en-US" dirty="0"/>
-              <a:t>Preconditions of the module</a:t>
+              <a:t>Code is complicated!!</a:t>
             </a:r>
           </a:p>
           <a:p>
             <a:pPr lvl="1"/>
             <a:r>
               <a:rPr lang="en-US" dirty="0"/>
-              <a:t>What conditions the module requests from its clients</a:t>
+              <a:t>And changes</a:t>
+            </a:r>
+          </a:p>
+          <a:p>
+            <a:r>
+              <a:rPr lang="en-US" dirty="0"/>
+              <a:t>Specification concisely tells the client </a:t>
+            </a:r>
+            <a:r>
+              <a:rPr lang="en-US" b="1" dirty="0"/>
+              <a:t>what</a:t>
+            </a:r>
+            <a:r>
+              <a:rPr lang="en-US" dirty="0"/>
+              <a:t> the code does, not </a:t>
+            </a:r>
+            <a:r>
+              <a:rPr lang="en-US" b="1" dirty="0"/>
+              <a:t>how</a:t>
+            </a:r>
+            <a:r>
+              <a:rPr lang="en-US" dirty="0"/>
+              <a:t> it does it</a:t>
+            </a:r>
+          </a:p>
+          <a:p>
+            <a:r>
+              <a:rPr lang="en-US" dirty="0"/>
+              <a:t>Specification abstracts away unnecessary  details</a:t>
             </a:r>
           </a:p>
           <a:p>
             <a:pPr lvl="1"/>
             <a:r>
               <a:rPr lang="en-US" dirty="0"/>
-              <a:t>Check upon entry to module</a:t>
-            </a:r>
-          </a:p>
-          <a:p>
-            <a:r>
-              <a:rPr lang="en-US" dirty="0"/>
-              <a:t>Postconditions of the module</a:t>
+              <a:t>Easy to understand, clear and unambiguous</a:t>
             </a:r>
           </a:p>
           <a:p>
             <a:pPr lvl="1"/>
             <a:r>
               <a:rPr lang="en-US" dirty="0"/>
-              <a:t>What guarantees the module gives to clients</a:t>
-            </a:r>
-          </a:p>
-          <a:p>
-            <a:pPr lvl="1"/>
-            <a:r>
-              <a:rPr lang="en-US" dirty="0"/>
-              <a:t>What conditions must hold for all objects of this module if implemented correctly</a:t>
+              <a:t>Specifies what the client can always </a:t>
+            </a:r>
+            <a:r>
+              <a:rPr lang="en-US" b="1" dirty="0"/>
+              <a:t>depend</a:t>
+            </a:r>
+            <a:r>
+              <a:rPr lang="en-US" dirty="0"/>
+              <a:t> on when using the module</a:t>
             </a:r>
           </a:p>
         </p:txBody>
@@ -16831,7 +17080,7 @@
           <a:p>
             <a:r>
               <a:rPr lang="en-US" dirty="0"/>
-              <a:t>Elements of a contract</a:t>
+              <a:t>Why not just read the code?</a:t>
             </a:r>
           </a:p>
         </p:txBody>
@@ -16863,7 +17112,7 @@
     </p:spTree>
     <p:extLst>
       <p:ext uri="{BB962C8B-B14F-4D97-AF65-F5344CB8AC3E}">
-        <p14:creationId xmlns:p14="http://schemas.microsoft.com/office/powerpoint/2010/main" val="3400046305"/>
+        <p14:creationId xmlns:p14="http://schemas.microsoft.com/office/powerpoint/2010/main" val="1291067551"/>
       </p:ext>
     </p:extLst>
   </p:cSld>
@@ -16903,7 +17152,7 @@
         <p:spPr>
           <a:xfrm>
             <a:off x="457200" y="1600201"/>
-            <a:ext cx="7848600" cy="4525963"/>
+            <a:ext cx="8229600" cy="4525963"/>
           </a:xfrm>
         </p:spPr>
         <p:txBody>
@@ -16912,34 +17161,41 @@
           <a:p>
             <a:r>
               <a:rPr lang="en-US" dirty="0"/>
-              <a:t>Precondition violation</a:t>
+              <a:t>Preconditions of the module</a:t>
             </a:r>
           </a:p>
           <a:p>
             <a:pPr lvl="1"/>
             <a:r>
               <a:rPr lang="en-US" dirty="0"/>
-              <a:t>Blame the client</a:t>
-            </a:r>
-          </a:p>
-          <a:p>
-            <a:r>
-              <a:rPr lang="en-US" dirty="0"/>
-              <a:t>Postcondition violation</a:t>
+              <a:t>What conditions the module requests from its clients</a:t>
             </a:r>
           </a:p>
           <a:p>
             <a:pPr lvl="1"/>
             <a:r>
               <a:rPr lang="en-US" dirty="0"/>
-              <a:t>Blame the server</a:t>
+              <a:t>Check upon entry to module</a:t>
+            </a:r>
+          </a:p>
+          <a:p>
+            <a:r>
+              <a:rPr lang="en-US" dirty="0"/>
+              <a:t>Postconditions of the module</a:t>
             </a:r>
           </a:p>
           <a:p>
             <a:pPr lvl="1"/>
             <a:r>
               <a:rPr lang="en-US" dirty="0"/>
-              <a:t>In reality we have a bug</a:t>
+              <a:t>What guarantees the module gives to clients</a:t>
+            </a:r>
+          </a:p>
+          <a:p>
+            <a:pPr lvl="1"/>
+            <a:r>
+              <a:rPr lang="en-US" dirty="0"/>
+              <a:t>What conditions must hold for all objects of this module if implemented correctly</a:t>
             </a:r>
           </a:p>
         </p:txBody>
@@ -16961,7 +17217,7 @@
           <a:p>
             <a:r>
               <a:rPr lang="en-US" dirty="0"/>
-              <a:t>Violations</a:t>
+              <a:t>Elements of a contract</a:t>
             </a:r>
           </a:p>
         </p:txBody>
@@ -16993,7 +17249,7 @@
     </p:spTree>
     <p:extLst>
       <p:ext uri="{BB962C8B-B14F-4D97-AF65-F5344CB8AC3E}">
-        <p14:creationId xmlns:p14="http://schemas.microsoft.com/office/powerpoint/2010/main" val="2149227445"/>
+        <p14:creationId xmlns:p14="http://schemas.microsoft.com/office/powerpoint/2010/main" val="3400046305"/>
       </p:ext>
     </p:extLst>
   </p:cSld>
@@ -17033,6 +17289,136 @@
         <p:spPr>
           <a:xfrm>
             <a:off x="457200" y="1600201"/>
+            <a:ext cx="7848600" cy="4525963"/>
+          </a:xfrm>
+        </p:spPr>
+        <p:txBody>
+          <a:bodyPr/>
+          <a:lstStyle/>
+          <a:p>
+            <a:r>
+              <a:rPr lang="en-US" dirty="0"/>
+              <a:t>Precondition violation</a:t>
+            </a:r>
+          </a:p>
+          <a:p>
+            <a:pPr lvl="1"/>
+            <a:r>
+              <a:rPr lang="en-US" dirty="0"/>
+              <a:t>Blame the client</a:t>
+            </a:r>
+          </a:p>
+          <a:p>
+            <a:r>
+              <a:rPr lang="en-US" dirty="0"/>
+              <a:t>Postcondition violation</a:t>
+            </a:r>
+          </a:p>
+          <a:p>
+            <a:pPr lvl="1"/>
+            <a:r>
+              <a:rPr lang="en-US" dirty="0"/>
+              <a:t>Blame the server</a:t>
+            </a:r>
+          </a:p>
+          <a:p>
+            <a:pPr lvl="1"/>
+            <a:r>
+              <a:rPr lang="en-US" dirty="0"/>
+              <a:t>In reality we have a bug</a:t>
+            </a:r>
+          </a:p>
+        </p:txBody>
+      </p:sp>
+      <p:sp>
+        <p:nvSpPr>
+          <p:cNvPr id="4" name="Title 3"/>
+          <p:cNvSpPr>
+            <a:spLocks noGrp="1"/>
+          </p:cNvSpPr>
+          <p:nvPr>
+            <p:ph type="ctrTitle"/>
+          </p:nvPr>
+        </p:nvSpPr>
+        <p:spPr/>
+        <p:txBody>
+          <a:bodyPr/>
+          <a:lstStyle/>
+          <a:p>
+            <a:r>
+              <a:rPr lang="en-US" dirty="0"/>
+              <a:t>Violations</a:t>
+            </a:r>
+          </a:p>
+        </p:txBody>
+      </p:sp>
+      <p:sp>
+        <p:nvSpPr>
+          <p:cNvPr id="5" name="Slide Number Placeholder 4"/>
+          <p:cNvSpPr>
+            <a:spLocks noGrp="1"/>
+          </p:cNvSpPr>
+          <p:nvPr>
+            <p:ph type="sldNum" sz="quarter" idx="12"/>
+          </p:nvPr>
+        </p:nvSpPr>
+        <p:spPr/>
+        <p:txBody>
+          <a:bodyPr/>
+          <a:lstStyle/>
+          <a:p>
+            <a:fld id="{7D5A3BC4-B19D-A441-9E0C-B5423139123D}" type="slidenum">
+              <a:rPr lang="en-US" smtClean="0"/>
+              <a:pPr/>
+              <a:t>45</a:t>
+            </a:fld>
+            <a:endParaRPr lang="en-US"/>
+          </a:p>
+        </p:txBody>
+      </p:sp>
+    </p:spTree>
+    <p:extLst>
+      <p:ext uri="{BB962C8B-B14F-4D97-AF65-F5344CB8AC3E}">
+        <p14:creationId xmlns:p14="http://schemas.microsoft.com/office/powerpoint/2010/main" val="2149227445"/>
+      </p:ext>
+    </p:extLst>
+  </p:cSld>
+  <p:clrMapOvr>
+    <a:masterClrMapping/>
+  </p:clrMapOvr>
+</p:sld>
+</file>
+
+<file path=ppt/slides/slide46.xml><?xml version="1.0" encoding="utf-8"?>
+<p:sld xmlns:a="http://schemas.openxmlformats.org/drawingml/2006/main" xmlns:r="http://schemas.openxmlformats.org/officeDocument/2006/relationships" xmlns:p="http://schemas.openxmlformats.org/presentationml/2006/main">
+  <p:cSld>
+    <p:spTree>
+      <p:nvGrpSpPr>
+        <p:cNvPr id="1" name=""/>
+        <p:cNvGrpSpPr/>
+        <p:nvPr/>
+      </p:nvGrpSpPr>
+      <p:grpSpPr>
+        <a:xfrm>
+          <a:off x="0" y="0"/>
+          <a:ext cx="0" cy="0"/>
+          <a:chOff x="0" y="0"/>
+          <a:chExt cx="0" cy="0"/>
+        </a:xfrm>
+      </p:grpSpPr>
+      <p:sp>
+        <p:nvSpPr>
+          <p:cNvPr id="2" name="Content Placeholder 1"/>
+          <p:cNvSpPr>
+            <a:spLocks noGrp="1"/>
+          </p:cNvSpPr>
+          <p:nvPr>
+            <p:ph sz="half" idx="1"/>
+          </p:nvPr>
+        </p:nvSpPr>
+        <p:spPr>
+          <a:xfrm>
+            <a:off x="457200" y="1600201"/>
             <a:ext cx="8001000" cy="4525963"/>
           </a:xfrm>
         </p:spPr>
@@ -17090,7 +17476,7 @@
             </a:r>
             <a:r>
               <a:rPr lang="en-US" dirty="0"/>
-              <a:t> &gt;= 0 and &lt; max</a:t>
+              <a:t> &gt;= 0 and &lt;= max</a:t>
             </a:r>
           </a:p>
           <a:p>
@@ -17180,7 +17566,7 @@
           <a:p>
             <a:r>
               <a:rPr lang="en-US" dirty="0"/>
-              <a:t>Example – A fixed stack</a:t>
+              <a:t>Example – A fixed size stack</a:t>
             </a:r>
           </a:p>
         </p:txBody>
@@ -17203,7 +17589,7 @@
             <a:fld id="{7D5A3BC4-B19D-A441-9E0C-B5423139123D}" type="slidenum">
               <a:rPr lang="en-US" smtClean="0"/>
               <a:pPr/>
-              <a:t>45</a:t>
+              <a:t>46</a:t>
             </a:fld>
             <a:endParaRPr lang="en-US"/>
           </a:p>
@@ -17411,164 +17797,6 @@
 </p:sld>
 </file>
 
-<file path=ppt/slides/slide46.xml><?xml version="1.0" encoding="utf-8"?>
-<p:sld xmlns:a="http://schemas.openxmlformats.org/drawingml/2006/main" xmlns:r="http://schemas.openxmlformats.org/officeDocument/2006/relationships" xmlns:p="http://schemas.openxmlformats.org/presentationml/2006/main">
-  <p:cSld>
-    <p:spTree>
-      <p:nvGrpSpPr>
-        <p:cNvPr id="1" name=""/>
-        <p:cNvGrpSpPr/>
-        <p:nvPr/>
-      </p:nvGrpSpPr>
-      <p:grpSpPr>
-        <a:xfrm>
-          <a:off x="0" y="0"/>
-          <a:ext cx="0" cy="0"/>
-          <a:chOff x="0" y="0"/>
-          <a:chExt cx="0" cy="0"/>
-        </a:xfrm>
-      </p:grpSpPr>
-      <p:sp>
-        <p:nvSpPr>
-          <p:cNvPr id="2" name="Content Placeholder 1"/>
-          <p:cNvSpPr>
-            <a:spLocks noGrp="1"/>
-          </p:cNvSpPr>
-          <p:nvPr>
-            <p:ph sz="half" idx="1"/>
-          </p:nvPr>
-        </p:nvSpPr>
-        <p:spPr>
-          <a:xfrm>
-            <a:off x="457200" y="1600201"/>
-            <a:ext cx="8153400" cy="4525963"/>
-          </a:xfrm>
-        </p:spPr>
-        <p:txBody>
-          <a:bodyPr/>
-          <a:lstStyle/>
-          <a:p>
-            <a:r>
-              <a:rPr lang="en-US" dirty="0"/>
-              <a:t>Preconditions</a:t>
-            </a:r>
-          </a:p>
-          <a:p>
-            <a:pPr lvl="1"/>
-            <a:r>
-              <a:rPr lang="en-US" dirty="0"/>
-              <a:t>Upon module entry</a:t>
-            </a:r>
-          </a:p>
-          <a:p>
-            <a:pPr lvl="2"/>
-            <a:r>
-              <a:rPr lang="en-US" dirty="0"/>
-              <a:t>Or as early as feasible</a:t>
-            </a:r>
-          </a:p>
-          <a:p>
-            <a:pPr lvl="1"/>
-            <a:r>
-              <a:rPr lang="en-US" dirty="0"/>
-              <a:t>Throw an exception if violated</a:t>
-            </a:r>
-          </a:p>
-          <a:p>
-            <a:r>
-              <a:rPr lang="en-US" dirty="0"/>
-              <a:t>Postconditions</a:t>
-            </a:r>
-          </a:p>
-          <a:p>
-            <a:pPr lvl="1"/>
-            <a:r>
-              <a:rPr lang="en-US" dirty="0"/>
-              <a:t>Just before returning</a:t>
-            </a:r>
-          </a:p>
-          <a:p>
-            <a:pPr lvl="1"/>
-            <a:r>
-              <a:rPr lang="en-US" dirty="0"/>
-              <a:t>Violations indicate errors in the module </a:t>
-            </a:r>
-          </a:p>
-          <a:p>
-            <a:pPr lvl="2"/>
-            <a:r>
-              <a:rPr lang="en-US" dirty="0"/>
-              <a:t>Useful for debugging</a:t>
-            </a:r>
-          </a:p>
-          <a:p>
-            <a:pPr lvl="2"/>
-            <a:r>
-              <a:rPr lang="en-US" dirty="0"/>
-              <a:t>In production? </a:t>
-            </a:r>
-          </a:p>
-        </p:txBody>
-      </p:sp>
-      <p:sp>
-        <p:nvSpPr>
-          <p:cNvPr id="4" name="Title 3"/>
-          <p:cNvSpPr>
-            <a:spLocks noGrp="1"/>
-          </p:cNvSpPr>
-          <p:nvPr>
-            <p:ph type="ctrTitle"/>
-          </p:nvPr>
-        </p:nvSpPr>
-        <p:spPr/>
-        <p:txBody>
-          <a:bodyPr/>
-          <a:lstStyle/>
-          <a:p>
-            <a:r>
-              <a:rPr lang="en-US" dirty="0"/>
-              <a:t>When to check?</a:t>
-            </a:r>
-          </a:p>
-        </p:txBody>
-      </p:sp>
-      <p:sp>
-        <p:nvSpPr>
-          <p:cNvPr id="5" name="Slide Number Placeholder 4"/>
-          <p:cNvSpPr>
-            <a:spLocks noGrp="1"/>
-          </p:cNvSpPr>
-          <p:nvPr>
-            <p:ph type="sldNum" sz="quarter" idx="12"/>
-          </p:nvPr>
-        </p:nvSpPr>
-        <p:spPr/>
-        <p:txBody>
-          <a:bodyPr/>
-          <a:lstStyle/>
-          <a:p>
-            <a:fld id="{7D5A3BC4-B19D-A441-9E0C-B5423139123D}" type="slidenum">
-              <a:rPr lang="en-US" smtClean="0"/>
-              <a:pPr/>
-              <a:t>46</a:t>
-            </a:fld>
-            <a:endParaRPr lang="en-US"/>
-          </a:p>
-        </p:txBody>
-      </p:sp>
-    </p:spTree>
-    <p:extLst>
-      <p:ext uri="{BB962C8B-B14F-4D97-AF65-F5344CB8AC3E}">
-        <p14:creationId xmlns:p14="http://schemas.microsoft.com/office/powerpoint/2010/main" val="2739897452"/>
-      </p:ext>
-    </p:extLst>
-  </p:cSld>
-  <p:clrMapOvr>
-    <a:masterClrMapping/>
-  </p:clrMapOvr>
-</p:sld>
-</file>
-
 <file path=ppt/slides/slide47.xml><?xml version="1.0" encoding="utf-8"?>
 <p:sld xmlns:a="http://schemas.openxmlformats.org/drawingml/2006/main" xmlns:r="http://schemas.openxmlformats.org/officeDocument/2006/relationships" xmlns:p="http://schemas.openxmlformats.org/presentationml/2006/main">
   <p:cSld>
@@ -17599,7 +17827,7 @@
         <p:spPr>
           <a:xfrm>
             <a:off x="457200" y="1600201"/>
-            <a:ext cx="7772400" cy="4525963"/>
+            <a:ext cx="8153400" cy="4525963"/>
           </a:xfrm>
         </p:spPr>
         <p:txBody>
@@ -17608,50 +17836,62 @@
           <a:p>
             <a:r>
               <a:rPr lang="en-US" dirty="0"/>
-              <a:t>Javadoc can be used for writing specification</a:t>
+              <a:t>Preconditions</a:t>
             </a:r>
           </a:p>
           <a:p>
             <a:pPr lvl="1"/>
             <a:r>
               <a:rPr lang="en-US" dirty="0"/>
-              <a:t>Method signature</a:t>
+              <a:t>Upon module entry</a:t>
+            </a:r>
+          </a:p>
+          <a:p>
+            <a:pPr lvl="2"/>
+            <a:r>
+              <a:rPr lang="en-US" dirty="0"/>
+              <a:t>Or as early as feasible</a:t>
             </a:r>
           </a:p>
           <a:p>
             <a:pPr lvl="1"/>
             <a:r>
               <a:rPr lang="en-US" dirty="0"/>
-              <a:t>Text description of method</a:t>
+              <a:t>Throw an exception if violated</a:t>
+            </a:r>
+          </a:p>
+          <a:p>
+            <a:r>
+              <a:rPr lang="en-US" dirty="0"/>
+              <a:t>Postconditions</a:t>
             </a:r>
           </a:p>
           <a:p>
             <a:pPr lvl="1"/>
             <a:r>
               <a:rPr lang="en-US" dirty="0"/>
-              <a:t>@</a:t>
-            </a:r>
-            <a:r>
-              <a:rPr lang="en-US" dirty="0" err="1"/>
-              <a:t>param</a:t>
-            </a:r>
-            <a:r>
-              <a:rPr lang="en-US" dirty="0"/>
-              <a:t>: description of what gets passed in</a:t>
+              <a:t>Just before returning</a:t>
             </a:r>
           </a:p>
           <a:p>
             <a:pPr lvl="1"/>
             <a:r>
               <a:rPr lang="en-US" dirty="0"/>
-              <a:t>@return; description of what gets returned</a:t>
-            </a:r>
-          </a:p>
-          <a:p>
-            <a:pPr lvl="1"/>
-            <a:r>
-              <a:rPr lang="en-US" dirty="0"/>
-              <a:t>@throws: exceptions that may occur</a:t>
+              <a:t>Violations indicate errors in the module </a:t>
+            </a:r>
+          </a:p>
+          <a:p>
+            <a:pPr lvl="2"/>
+            <a:r>
+              <a:rPr lang="en-US" dirty="0"/>
+              <a:t>Useful for debugging</a:t>
+            </a:r>
+          </a:p>
+          <a:p>
+            <a:pPr lvl="2"/>
+            <a:r>
+              <a:rPr lang="en-US" dirty="0"/>
+              <a:t>In production? </a:t>
             </a:r>
           </a:p>
         </p:txBody>
@@ -17673,7 +17913,7 @@
           <a:p>
             <a:r>
               <a:rPr lang="en-US" dirty="0"/>
-              <a:t>Using Javadoc</a:t>
+              <a:t>When to check?</a:t>
             </a:r>
           </a:p>
         </p:txBody>
@@ -17702,39 +17942,10 @@
           </a:p>
         </p:txBody>
       </p:sp>
-      <p:sp>
-        <p:nvSpPr>
-          <p:cNvPr id="6" name="Rectangle 5"/>
-          <p:cNvSpPr/>
-          <p:nvPr/>
-        </p:nvSpPr>
-        <p:spPr>
-          <a:xfrm>
-            <a:off x="990600" y="5105400"/>
-            <a:ext cx="4572000" cy="646331"/>
-          </a:xfrm>
-          <a:prstGeom prst="rect">
-            <a:avLst/>
-          </a:prstGeom>
-        </p:spPr>
-        <p:txBody>
-          <a:bodyPr>
-            <a:spAutoFit/>
-          </a:bodyPr>
-          <a:lstStyle/>
-          <a:p>
-            <a:r>
-              <a:rPr lang="en-US" dirty="0"/>
-              <a:t>http://www.oracle.com/technetwork/articles/java/index-137868.html</a:t>
-            </a:r>
-            <a:endParaRPr lang="en-US" dirty="0"/>
-          </a:p>
-        </p:txBody>
-      </p:sp>
     </p:spTree>
     <p:extLst>
       <p:ext uri="{BB962C8B-B14F-4D97-AF65-F5344CB8AC3E}">
-        <p14:creationId xmlns:p14="http://schemas.microsoft.com/office/powerpoint/2010/main" val="1936342859"/>
+        <p14:creationId xmlns:p14="http://schemas.microsoft.com/office/powerpoint/2010/main" val="2739897452"/>
       </p:ext>
     </p:extLst>
   </p:cSld>
@@ -17774,271 +17985,60 @@
         <p:spPr>
           <a:xfrm>
             <a:off x="457200" y="1600201"/>
-            <a:ext cx="8153400" cy="4525963"/>
+            <a:ext cx="7772400" cy="4525963"/>
           </a:xfrm>
         </p:spPr>
         <p:txBody>
           <a:bodyPr/>
           <a:lstStyle/>
           <a:p>
-            <a:pPr marL="0" indent="0">
-              <a:buNone/>
-            </a:pPr>
-            <a:r>
-              <a:rPr lang="en-US" sz="1400" dirty="0"/>
-              <a:t>/**</a:t>
-            </a:r>
-          </a:p>
-          <a:p>
-            <a:pPr marL="0" indent="0">
-              <a:buNone/>
-            </a:pPr>
-            <a:r>
-              <a:rPr lang="en-US" sz="1400" dirty="0"/>
-              <a:t> * Returns an Image object that can then be painted on the screen. </a:t>
-            </a:r>
-          </a:p>
-          <a:p>
-            <a:pPr marL="0" indent="0">
-              <a:buNone/>
-            </a:pPr>
-            <a:r>
-              <a:rPr lang="en-US" sz="1400" dirty="0"/>
-              <a:t> * The </a:t>
-            </a:r>
-            <a:r>
-              <a:rPr lang="en-US" sz="1400" dirty="0" err="1"/>
-              <a:t>url</a:t>
-            </a:r>
-            <a:r>
-              <a:rPr lang="en-US" sz="1400" dirty="0"/>
-              <a:t> argument must specify an absolute {@link URL}. The name</a:t>
-            </a:r>
-          </a:p>
-          <a:p>
-            <a:pPr marL="0" indent="0">
-              <a:buNone/>
-            </a:pPr>
-            <a:r>
-              <a:rPr lang="en-US" sz="1400" dirty="0"/>
-              <a:t> * argument is a specifier that is relative to the </a:t>
-            </a:r>
-            <a:r>
-              <a:rPr lang="en-US" sz="1400" dirty="0" err="1"/>
-              <a:t>url</a:t>
-            </a:r>
-            <a:r>
-              <a:rPr lang="en-US" sz="1400" dirty="0"/>
-              <a:t> argument. </a:t>
-            </a:r>
-          </a:p>
-          <a:p>
-            <a:pPr marL="0" indent="0">
-              <a:buNone/>
-            </a:pPr>
-            <a:r>
-              <a:rPr lang="en-US" sz="1400" dirty="0"/>
-              <a:t> * &lt;p&gt;</a:t>
-            </a:r>
-          </a:p>
-          <a:p>
-            <a:pPr marL="0" indent="0">
-              <a:buNone/>
-            </a:pPr>
-            <a:r>
-              <a:rPr lang="en-US" sz="1400" dirty="0"/>
-              <a:t> * This method always returns immediately, whether or not the </a:t>
-            </a:r>
-          </a:p>
-          <a:p>
-            <a:pPr marL="0" indent="0">
-              <a:buNone/>
-            </a:pPr>
-            <a:r>
-              <a:rPr lang="en-US" sz="1400" dirty="0"/>
-              <a:t> * image exists. </a:t>
-            </a:r>
-          </a:p>
-          <a:p>
-            <a:pPr marL="0" indent="0">
-              <a:buNone/>
-            </a:pPr>
-            <a:r>
-              <a:rPr lang="en-US" sz="1400" dirty="0"/>
-              <a:t> *</a:t>
-            </a:r>
-          </a:p>
-          <a:p>
-            <a:pPr marL="0" indent="0">
-              <a:buNone/>
-            </a:pPr>
-            <a:r>
-              <a:rPr lang="en-US" sz="1400" dirty="0"/>
-              <a:t> * @</a:t>
-            </a:r>
-            <a:r>
-              <a:rPr lang="en-US" sz="1400" dirty="0" err="1"/>
+            <a:r>
+              <a:rPr lang="en-US" dirty="0"/>
+              <a:t>Javadoc can be used for writing specification</a:t>
+            </a:r>
+          </a:p>
+          <a:p>
+            <a:pPr lvl="1"/>
+            <a:r>
+              <a:rPr lang="en-US" dirty="0"/>
+              <a:t>Method signature</a:t>
+            </a:r>
+          </a:p>
+          <a:p>
+            <a:pPr lvl="1"/>
+            <a:r>
+              <a:rPr lang="en-US" dirty="0"/>
+              <a:t>Text description of method</a:t>
+            </a:r>
+          </a:p>
+          <a:p>
+            <a:pPr lvl="1"/>
+            <a:r>
+              <a:rPr lang="en-US" dirty="0"/>
+              <a:t>@</a:t>
+            </a:r>
+            <a:r>
+              <a:rPr lang="en-US" dirty="0" err="1"/>
               <a:t>param</a:t>
             </a:r>
             <a:r>
-              <a:rPr lang="en-US" sz="1400" dirty="0"/>
-              <a:t>  </a:t>
-            </a:r>
-            <a:r>
-              <a:rPr lang="en-US" sz="1400" dirty="0" err="1"/>
-              <a:t>url</a:t>
-            </a:r>
-            <a:r>
-              <a:rPr lang="en-US" sz="1400" dirty="0"/>
-              <a:t>  an absolute URL giving the base location of the image</a:t>
-            </a:r>
-          </a:p>
-          <a:p>
-            <a:pPr marL="0" indent="0">
-              <a:buNone/>
-            </a:pPr>
-            <a:r>
-              <a:rPr lang="en-US" sz="1400" dirty="0"/>
-              <a:t> * @</a:t>
-            </a:r>
-            <a:r>
-              <a:rPr lang="en-US" sz="1400" dirty="0" err="1"/>
-              <a:t>param</a:t>
-            </a:r>
-            <a:r>
-              <a:rPr lang="en-US" sz="1400" dirty="0"/>
-              <a:t>  name the location of the image, relative to the </a:t>
-            </a:r>
-            <a:r>
-              <a:rPr lang="en-US" sz="1400" dirty="0" err="1"/>
-              <a:t>url</a:t>
-            </a:r>
-            <a:r>
-              <a:rPr lang="en-US" sz="1400" dirty="0"/>
-              <a:t> argument</a:t>
-            </a:r>
-          </a:p>
-          <a:p>
-            <a:pPr marL="0" indent="0">
-              <a:buNone/>
-            </a:pPr>
-            <a:r>
-              <a:rPr lang="en-US" sz="1400" dirty="0"/>
-              <a:t> * @return      the image at the specified URL</a:t>
-            </a:r>
-          </a:p>
-          <a:p>
-            <a:pPr marL="0" indent="0">
-              <a:buNone/>
-            </a:pPr>
-            <a:r>
-              <a:rPr lang="en-US" sz="1400" dirty="0"/>
-              <a:t>*/</a:t>
-            </a:r>
-          </a:p>
-          <a:p>
-            <a:pPr marL="0" indent="0">
-              <a:buNone/>
-            </a:pPr>
-            <a:r>
-              <a:rPr lang="en-US" sz="1400" dirty="0"/>
-              <a:t> public Image </a:t>
-            </a:r>
-            <a:r>
-              <a:rPr lang="en-US" sz="1400" dirty="0" err="1"/>
-              <a:t>getImage</a:t>
-            </a:r>
-            <a:r>
-              <a:rPr lang="en-US" sz="1400" dirty="0"/>
-              <a:t>(URL </a:t>
-            </a:r>
-            <a:r>
-              <a:rPr lang="en-US" sz="1400" dirty="0" err="1"/>
-              <a:t>url</a:t>
-            </a:r>
-            <a:r>
-              <a:rPr lang="en-US" sz="1400" dirty="0"/>
-              <a:t>, String name) {</a:t>
-            </a:r>
-          </a:p>
-          <a:p>
-            <a:pPr marL="0" indent="0">
-              <a:buNone/>
-            </a:pPr>
-            <a:r>
-              <a:rPr lang="en-US" sz="1400" dirty="0"/>
-              <a:t>        try {</a:t>
-            </a:r>
-          </a:p>
-          <a:p>
-            <a:pPr marL="0" indent="0">
-              <a:buNone/>
-            </a:pPr>
-            <a:r>
-              <a:rPr lang="en-US" sz="1400" dirty="0"/>
-              <a:t>            return </a:t>
-            </a:r>
-            <a:r>
-              <a:rPr lang="en-US" sz="1400" dirty="0" err="1"/>
-              <a:t>getImage</a:t>
-            </a:r>
-            <a:r>
-              <a:rPr lang="en-US" sz="1400" dirty="0"/>
-              <a:t>(new URL(</a:t>
-            </a:r>
-            <a:r>
-              <a:rPr lang="en-US" sz="1400" dirty="0" err="1"/>
-              <a:t>url</a:t>
-            </a:r>
-            <a:r>
-              <a:rPr lang="en-US" sz="1400" dirty="0"/>
-              <a:t>, name));</a:t>
-            </a:r>
-          </a:p>
-          <a:p>
-            <a:pPr marL="0" indent="0">
-              <a:buNone/>
-            </a:pPr>
-            <a:r>
-              <a:rPr lang="en-US" sz="1400" dirty="0"/>
-              <a:t>        } catch (</a:t>
-            </a:r>
-            <a:r>
-              <a:rPr lang="en-US" sz="1400" dirty="0" err="1"/>
-              <a:t>MalformedURLException</a:t>
-            </a:r>
-            <a:r>
-              <a:rPr lang="en-US" sz="1400" dirty="0"/>
-              <a:t> e) {</a:t>
-            </a:r>
-          </a:p>
-          <a:p>
-            <a:pPr marL="0" indent="0">
-              <a:buNone/>
-            </a:pPr>
-            <a:r>
-              <a:rPr lang="en-US" sz="1400" dirty="0"/>
-              <a:t>            return null;</a:t>
-            </a:r>
-          </a:p>
-          <a:p>
-            <a:pPr marL="0" indent="0">
-              <a:buNone/>
-            </a:pPr>
-            <a:r>
-              <a:rPr lang="en-US" sz="1400" dirty="0"/>
-              <a:t>        }</a:t>
-            </a:r>
-          </a:p>
-          <a:p>
-            <a:pPr marL="0" indent="0">
-              <a:buNone/>
-            </a:pPr>
-            <a:r>
-              <a:rPr lang="en-US" sz="1400" dirty="0"/>
-              <a:t> }</a:t>
-            </a:r>
-            <a:endParaRPr lang="en-US" sz="1800" dirty="0"/>
+              <a:rPr lang="en-US" dirty="0"/>
+              <a:t>: description of what gets passed in</a:t>
+            </a:r>
+          </a:p>
+          <a:p>
+            <a:pPr lvl="1"/>
+            <a:r>
+              <a:rPr lang="en-US" dirty="0"/>
+              <a:t>@return; description of what gets returned</a:t>
+            </a:r>
+          </a:p>
+          <a:p>
+            <a:pPr lvl="1"/>
+            <a:r>
+              <a:rPr lang="en-US" dirty="0"/>
+              <a:t>@throws: exceptions that may occur</a:t>
+            </a:r>
           </a:p>
         </p:txBody>
       </p:sp>
@@ -18059,7 +18059,7 @@
           <a:p>
             <a:r>
               <a:rPr lang="en-US" dirty="0"/>
-              <a:t>Example</a:t>
+              <a:t>Using Javadoc</a:t>
             </a:r>
           </a:p>
         </p:txBody>
@@ -18088,10 +18088,38 @@
           </a:p>
         </p:txBody>
       </p:sp>
+      <p:sp>
+        <p:nvSpPr>
+          <p:cNvPr id="6" name="Rectangle 5"/>
+          <p:cNvSpPr/>
+          <p:nvPr/>
+        </p:nvSpPr>
+        <p:spPr>
+          <a:xfrm>
+            <a:off x="990600" y="5105400"/>
+            <a:ext cx="4572000" cy="646331"/>
+          </a:xfrm>
+          <a:prstGeom prst="rect">
+            <a:avLst/>
+          </a:prstGeom>
+        </p:spPr>
+        <p:txBody>
+          <a:bodyPr>
+            <a:spAutoFit/>
+          </a:bodyPr>
+          <a:lstStyle/>
+          <a:p>
+            <a:r>
+              <a:rPr lang="en-US" dirty="0"/>
+              <a:t>http://www.oracle.com/technetwork/articles/java/index-137868.html</a:t>
+            </a:r>
+          </a:p>
+        </p:txBody>
+      </p:sp>
     </p:spTree>
     <p:extLst>
       <p:ext uri="{BB962C8B-B14F-4D97-AF65-F5344CB8AC3E}">
-        <p14:creationId xmlns:p14="http://schemas.microsoft.com/office/powerpoint/2010/main" val="1872759548"/>
+        <p14:creationId xmlns:p14="http://schemas.microsoft.com/office/powerpoint/2010/main" val="1936342859"/>
       </p:ext>
     </p:extLst>
   </p:cSld>
@@ -18131,23 +18159,271 @@
         <p:spPr>
           <a:xfrm>
             <a:off x="457200" y="1600201"/>
-            <a:ext cx="8382000" cy="4525963"/>
+            <a:ext cx="8153400" cy="4525963"/>
           </a:xfrm>
         </p:spPr>
         <p:txBody>
           <a:bodyPr/>
           <a:lstStyle/>
           <a:p>
-            <a:r>
-              <a:rPr lang="en-US" dirty="0"/>
-              <a:t>@precondition: specify all obligations on the client. These must hold before method call</a:t>
-            </a:r>
-          </a:p>
-          <a:p>
-            <a:r>
-              <a:rPr lang="en-US" dirty="0"/>
-              <a:t>@postcondition: specify conditions that must hold at end of method for correct execution</a:t>
-            </a:r>
+            <a:pPr marL="0" indent="0">
+              <a:buNone/>
+            </a:pPr>
+            <a:r>
+              <a:rPr lang="en-US" sz="1400" dirty="0"/>
+              <a:t>/**</a:t>
+            </a:r>
+          </a:p>
+          <a:p>
+            <a:pPr marL="0" indent="0">
+              <a:buNone/>
+            </a:pPr>
+            <a:r>
+              <a:rPr lang="en-US" sz="1400" dirty="0"/>
+              <a:t> * Returns an Image object that can then be painted on the screen. </a:t>
+            </a:r>
+          </a:p>
+          <a:p>
+            <a:pPr marL="0" indent="0">
+              <a:buNone/>
+            </a:pPr>
+            <a:r>
+              <a:rPr lang="en-US" sz="1400" dirty="0"/>
+              <a:t> * The </a:t>
+            </a:r>
+            <a:r>
+              <a:rPr lang="en-US" sz="1400" dirty="0" err="1"/>
+              <a:t>url</a:t>
+            </a:r>
+            <a:r>
+              <a:rPr lang="en-US" sz="1400" dirty="0"/>
+              <a:t> argument must specify an absolute {@link URL}. The name</a:t>
+            </a:r>
+          </a:p>
+          <a:p>
+            <a:pPr marL="0" indent="0">
+              <a:buNone/>
+            </a:pPr>
+            <a:r>
+              <a:rPr lang="en-US" sz="1400" dirty="0"/>
+              <a:t> * argument is a specifier that is relative to the </a:t>
+            </a:r>
+            <a:r>
+              <a:rPr lang="en-US" sz="1400" dirty="0" err="1"/>
+              <a:t>url</a:t>
+            </a:r>
+            <a:r>
+              <a:rPr lang="en-US" sz="1400" dirty="0"/>
+              <a:t> argument. </a:t>
+            </a:r>
+          </a:p>
+          <a:p>
+            <a:pPr marL="0" indent="0">
+              <a:buNone/>
+            </a:pPr>
+            <a:r>
+              <a:rPr lang="en-US" sz="1400" dirty="0"/>
+              <a:t> * &lt;p&gt;</a:t>
+            </a:r>
+          </a:p>
+          <a:p>
+            <a:pPr marL="0" indent="0">
+              <a:buNone/>
+            </a:pPr>
+            <a:r>
+              <a:rPr lang="en-US" sz="1400" dirty="0"/>
+              <a:t> * This method always returns immediately, whether or not the </a:t>
+            </a:r>
+          </a:p>
+          <a:p>
+            <a:pPr marL="0" indent="0">
+              <a:buNone/>
+            </a:pPr>
+            <a:r>
+              <a:rPr lang="en-US" sz="1400" dirty="0"/>
+              <a:t> * image exists. </a:t>
+            </a:r>
+          </a:p>
+          <a:p>
+            <a:pPr marL="0" indent="0">
+              <a:buNone/>
+            </a:pPr>
+            <a:r>
+              <a:rPr lang="en-US" sz="1400" dirty="0"/>
+              <a:t> *</a:t>
+            </a:r>
+          </a:p>
+          <a:p>
+            <a:pPr marL="0" indent="0">
+              <a:buNone/>
+            </a:pPr>
+            <a:r>
+              <a:rPr lang="en-US" sz="1400" dirty="0"/>
+              <a:t> * @</a:t>
+            </a:r>
+            <a:r>
+              <a:rPr lang="en-US" sz="1400" dirty="0" err="1"/>
+              <a:t>param</a:t>
+            </a:r>
+            <a:r>
+              <a:rPr lang="en-US" sz="1400" dirty="0"/>
+              <a:t>  </a:t>
+            </a:r>
+            <a:r>
+              <a:rPr lang="en-US" sz="1400" dirty="0" err="1"/>
+              <a:t>url</a:t>
+            </a:r>
+            <a:r>
+              <a:rPr lang="en-US" sz="1400" dirty="0"/>
+              <a:t>  an absolute URL giving the base location of the image</a:t>
+            </a:r>
+          </a:p>
+          <a:p>
+            <a:pPr marL="0" indent="0">
+              <a:buNone/>
+            </a:pPr>
+            <a:r>
+              <a:rPr lang="en-US" sz="1400" dirty="0"/>
+              <a:t> * @</a:t>
+            </a:r>
+            <a:r>
+              <a:rPr lang="en-US" sz="1400" dirty="0" err="1"/>
+              <a:t>param</a:t>
+            </a:r>
+            <a:r>
+              <a:rPr lang="en-US" sz="1400" dirty="0"/>
+              <a:t>  name the location of the image, relative to the </a:t>
+            </a:r>
+            <a:r>
+              <a:rPr lang="en-US" sz="1400" dirty="0" err="1"/>
+              <a:t>url</a:t>
+            </a:r>
+            <a:r>
+              <a:rPr lang="en-US" sz="1400" dirty="0"/>
+              <a:t> argument</a:t>
+            </a:r>
+          </a:p>
+          <a:p>
+            <a:pPr marL="0" indent="0">
+              <a:buNone/>
+            </a:pPr>
+            <a:r>
+              <a:rPr lang="en-US" sz="1400" dirty="0"/>
+              <a:t> * @return      the image at the specified URL</a:t>
+            </a:r>
+          </a:p>
+          <a:p>
+            <a:pPr marL="0" indent="0">
+              <a:buNone/>
+            </a:pPr>
+            <a:r>
+              <a:rPr lang="en-US" sz="1400" dirty="0"/>
+              <a:t>*/</a:t>
+            </a:r>
+          </a:p>
+          <a:p>
+            <a:pPr marL="0" indent="0">
+              <a:buNone/>
+            </a:pPr>
+            <a:r>
+              <a:rPr lang="en-US" sz="1400" dirty="0"/>
+              <a:t> public Image </a:t>
+            </a:r>
+            <a:r>
+              <a:rPr lang="en-US" sz="1400" dirty="0" err="1"/>
+              <a:t>getImage</a:t>
+            </a:r>
+            <a:r>
+              <a:rPr lang="en-US" sz="1400" dirty="0"/>
+              <a:t>(URL </a:t>
+            </a:r>
+            <a:r>
+              <a:rPr lang="en-US" sz="1400" dirty="0" err="1"/>
+              <a:t>url</a:t>
+            </a:r>
+            <a:r>
+              <a:rPr lang="en-US" sz="1400" dirty="0"/>
+              <a:t>, String name) {</a:t>
+            </a:r>
+          </a:p>
+          <a:p>
+            <a:pPr marL="0" indent="0">
+              <a:buNone/>
+            </a:pPr>
+            <a:r>
+              <a:rPr lang="en-US" sz="1400" dirty="0"/>
+              <a:t>        try {</a:t>
+            </a:r>
+          </a:p>
+          <a:p>
+            <a:pPr marL="0" indent="0">
+              <a:buNone/>
+            </a:pPr>
+            <a:r>
+              <a:rPr lang="en-US" sz="1400" dirty="0"/>
+              <a:t>            return </a:t>
+            </a:r>
+            <a:r>
+              <a:rPr lang="en-US" sz="1400" dirty="0" err="1"/>
+              <a:t>getImage</a:t>
+            </a:r>
+            <a:r>
+              <a:rPr lang="en-US" sz="1400" dirty="0"/>
+              <a:t>(new URL(</a:t>
+            </a:r>
+            <a:r>
+              <a:rPr lang="en-US" sz="1400" dirty="0" err="1"/>
+              <a:t>url</a:t>
+            </a:r>
+            <a:r>
+              <a:rPr lang="en-US" sz="1400" dirty="0"/>
+              <a:t>, name));</a:t>
+            </a:r>
+          </a:p>
+          <a:p>
+            <a:pPr marL="0" indent="0">
+              <a:buNone/>
+            </a:pPr>
+            <a:r>
+              <a:rPr lang="en-US" sz="1400" dirty="0"/>
+              <a:t>        } catch (</a:t>
+            </a:r>
+            <a:r>
+              <a:rPr lang="en-US" sz="1400" dirty="0" err="1"/>
+              <a:t>MalformedURLException</a:t>
+            </a:r>
+            <a:r>
+              <a:rPr lang="en-US" sz="1400" dirty="0"/>
+              <a:t> e) {</a:t>
+            </a:r>
+          </a:p>
+          <a:p>
+            <a:pPr marL="0" indent="0">
+              <a:buNone/>
+            </a:pPr>
+            <a:r>
+              <a:rPr lang="en-US" sz="1400" dirty="0"/>
+              <a:t>            return null;</a:t>
+            </a:r>
+          </a:p>
+          <a:p>
+            <a:pPr marL="0" indent="0">
+              <a:buNone/>
+            </a:pPr>
+            <a:r>
+              <a:rPr lang="en-US" sz="1400" dirty="0"/>
+              <a:t>        }</a:t>
+            </a:r>
+          </a:p>
+          <a:p>
+            <a:pPr marL="0" indent="0">
+              <a:buNone/>
+            </a:pPr>
+            <a:r>
+              <a:rPr lang="en-US" sz="1400" dirty="0"/>
+              <a:t> }</a:t>
+            </a:r>
+            <a:endParaRPr lang="en-US" sz="1800" dirty="0"/>
           </a:p>
         </p:txBody>
       </p:sp>
@@ -18168,7 +18444,7 @@
           <a:p>
             <a:r>
               <a:rPr lang="en-US" dirty="0"/>
-              <a:t>To specify a contract, we’ll add …</a:t>
+              <a:t>Example</a:t>
             </a:r>
           </a:p>
         </p:txBody>
@@ -18200,7 +18476,7 @@
     </p:spTree>
     <p:extLst>
       <p:ext uri="{BB962C8B-B14F-4D97-AF65-F5344CB8AC3E}">
-        <p14:creationId xmlns:p14="http://schemas.microsoft.com/office/powerpoint/2010/main" val="115582639"/>
+        <p14:creationId xmlns:p14="http://schemas.microsoft.com/office/powerpoint/2010/main" val="1872759548"/>
       </p:ext>
     </p:extLst>
   </p:cSld>
@@ -18393,109 +18669,23 @@
         <p:spPr>
           <a:xfrm>
             <a:off x="457200" y="1600201"/>
-            <a:ext cx="8001000" cy="4525963"/>
+            <a:ext cx="8382000" cy="4525963"/>
           </a:xfrm>
         </p:spPr>
         <p:txBody>
           <a:bodyPr/>
           <a:lstStyle/>
           <a:p>
-            <a:pPr marL="0" indent="0">
-              <a:buNone/>
-            </a:pPr>
-            <a:r>
-              <a:rPr lang="en-US" b="1" dirty="0"/>
-              <a:t>static void </a:t>
-            </a:r>
-            <a:r>
-              <a:rPr lang="en-US" b="1" dirty="0" err="1"/>
-              <a:t>listAdd</a:t>
-            </a:r>
-            <a:r>
-              <a:rPr lang="en-US" b="1" dirty="0"/>
-              <a:t>(List lst1, List lst2) </a:t>
-            </a:r>
-          </a:p>
-          <a:p>
-            <a:pPr marL="0" indent="0">
-              <a:buNone/>
-            </a:pPr>
-            <a:r>
-              <a:rPr lang="en-US" b="1" dirty="0"/>
-              <a:t>@precondition: </a:t>
-            </a:r>
-            <a:r>
-              <a:rPr lang="en-US" dirty="0"/>
-              <a:t>lst1 and lst2 are non-null. </a:t>
-            </a:r>
-          </a:p>
-          <a:p>
-            <a:pPr marL="0" indent="0">
-              <a:buNone/>
-            </a:pPr>
-            <a:r>
-              <a:rPr lang="en-US" b="1" dirty="0"/>
-              <a:t>@precondition: </a:t>
-            </a:r>
-            <a:r>
-              <a:rPr lang="en-US" dirty="0"/>
-              <a:t>lst1 and lst2 are the same size. </a:t>
-            </a:r>
-          </a:p>
-          <a:p>
-            <a:pPr marL="0" indent="0">
-              <a:buNone/>
-            </a:pPr>
-            <a:r>
-              <a:rPr lang="en-US" b="1" dirty="0"/>
-              <a:t>@</a:t>
-            </a:r>
-            <a:r>
-              <a:rPr lang="en-US" b="1" dirty="0" err="1"/>
-              <a:t>postcondtion</a:t>
-            </a:r>
-            <a:r>
-              <a:rPr lang="en-US" b="1" dirty="0"/>
-              <a:t>: </a:t>
-            </a:r>
-            <a:r>
-              <a:rPr lang="en-US" dirty="0"/>
-              <a:t>lst1[</a:t>
-            </a:r>
-            <a:r>
-              <a:rPr lang="en-US" dirty="0" err="1"/>
-              <a:t>i</a:t>
-            </a:r>
-            <a:r>
-              <a:rPr lang="en-US" dirty="0"/>
-              <a:t>] = lst1[</a:t>
-            </a:r>
-            <a:r>
-              <a:rPr lang="en-US" dirty="0" err="1"/>
-              <a:t>i</a:t>
-            </a:r>
-            <a:r>
-              <a:rPr lang="en-US" dirty="0"/>
-              <a:t>] + lst2[</a:t>
-            </a:r>
-            <a:r>
-              <a:rPr lang="en-US" dirty="0" err="1"/>
-              <a:t>i</a:t>
-            </a:r>
-            <a:r>
-              <a:rPr lang="en-US" dirty="0"/>
-              <a:t>]</a:t>
-            </a:r>
-          </a:p>
-          <a:p>
-            <a:pPr marL="0" indent="0">
-              <a:buNone/>
-            </a:pPr>
-            <a:r>
-              <a:rPr lang="en-US" b="1" dirty="0"/>
-              <a:t>@return none </a:t>
-            </a:r>
-            <a:endParaRPr lang="en-US" b="1" dirty="0"/>
+            <a:r>
+              <a:rPr lang="en-US" dirty="0"/>
+              <a:t>@precondition: specify all obligations on the client. These must hold before method call</a:t>
+            </a:r>
+          </a:p>
+          <a:p>
+            <a:r>
+              <a:rPr lang="en-US" dirty="0"/>
+              <a:t>@postcondition: specify conditions that must hold at end of method for correct execution</a:t>
+            </a:r>
           </a:p>
         </p:txBody>
       </p:sp>
@@ -18516,7 +18706,7 @@
           <a:p>
             <a:r>
               <a:rPr lang="en-US" dirty="0"/>
-              <a:t>Example (not correct Javadoc for brevity)</a:t>
+              <a:t>To specify a contract, we’ll add …</a:t>
             </a:r>
           </a:p>
         </p:txBody>
@@ -18548,7 +18738,7 @@
     </p:spTree>
     <p:extLst>
       <p:ext uri="{BB962C8B-B14F-4D97-AF65-F5344CB8AC3E}">
-        <p14:creationId xmlns:p14="http://schemas.microsoft.com/office/powerpoint/2010/main" val="1898535571"/>
+        <p14:creationId xmlns:p14="http://schemas.microsoft.com/office/powerpoint/2010/main" val="115582639"/>
       </p:ext>
     </p:extLst>
   </p:cSld>
@@ -18588,7 +18778,7 @@
         <p:spPr>
           <a:xfrm>
             <a:off x="457200" y="1600201"/>
-            <a:ext cx="7924800" cy="4525963"/>
+            <a:ext cx="8001000" cy="4525963"/>
           </a:xfrm>
         </p:spPr>
         <p:txBody>
@@ -18599,16 +18789,16 @@
               <a:buNone/>
             </a:pPr>
             <a:r>
-              <a:rPr lang="en-US" sz="2400" dirty="0"/>
-              <a:t>Public class </a:t>
-            </a:r>
-            <a:r>
-              <a:rPr lang="en-US" sz="2400" dirty="0" err="1"/>
-              <a:t>Vivino</a:t>
-            </a:r>
-            <a:r>
-              <a:rPr lang="en-US" sz="2400" dirty="0"/>
-              <a:t> {</a:t>
+              <a:rPr lang="en-US" b="1" dirty="0"/>
+              <a:t>static void </a:t>
+            </a:r>
+            <a:r>
+              <a:rPr lang="en-US" b="1" dirty="0" err="1"/>
+              <a:t>listAdd</a:t>
+            </a:r>
+            <a:r>
+              <a:rPr lang="en-US" b="1" dirty="0"/>
+              <a:t>(List lst1, List lst2) </a:t>
             </a:r>
           </a:p>
           <a:p>
@@ -18616,16 +18806,12 @@
               <a:buNone/>
             </a:pPr>
             <a:r>
-              <a:rPr lang="en-US" sz="2400" dirty="0"/>
-              <a:t>	public Credentials login(String user, String </a:t>
-            </a:r>
-            <a:r>
-              <a:rPr lang="en-US" sz="2400" dirty="0" err="1"/>
-              <a:t>pwd</a:t>
-            </a:r>
-            <a:r>
-              <a:rPr lang="en-US" sz="2400" dirty="0"/>
-              <a:t>) {}</a:t>
+              <a:rPr lang="en-US" b="1" dirty="0"/>
+              <a:t>@precondition: </a:t>
+            </a:r>
+            <a:r>
+              <a:rPr lang="en-US" dirty="0"/>
+              <a:t>lst1 and lst2 are non-null. </a:t>
             </a:r>
           </a:p>
           <a:p>
@@ -18633,24 +18819,12 @@
               <a:buNone/>
             </a:pPr>
             <a:r>
-              <a:rPr lang="en-US" sz="2400" dirty="0"/>
-              <a:t>	public </a:t>
-            </a:r>
-            <a:r>
-              <a:rPr lang="en-US" sz="2400" dirty="0" err="1"/>
-              <a:t>WineList</a:t>
-            </a:r>
-            <a:r>
-              <a:rPr lang="en-US" sz="2400" dirty="0"/>
-              <a:t> </a:t>
-            </a:r>
-            <a:r>
-              <a:rPr lang="en-US" sz="2400" dirty="0" err="1"/>
-              <a:t>getMyWines</a:t>
-            </a:r>
-            <a:r>
-              <a:rPr lang="en-US" sz="2400" dirty="0"/>
-              <a:t> (Credentials user) {}</a:t>
+              <a:rPr lang="en-US" b="1" dirty="0"/>
+              <a:t>@precondition: </a:t>
+            </a:r>
+            <a:r>
+              <a:rPr lang="en-US" dirty="0"/>
+              <a:t>lst1 and lst2 are the same size. </a:t>
             </a:r>
           </a:p>
           <a:p>
@@ -18658,32 +18832,44 @@
               <a:buNone/>
             </a:pPr>
             <a:r>
-              <a:rPr lang="en-US" sz="2400" dirty="0"/>
-              <a:t>	public Receipt </a:t>
-            </a:r>
-            <a:r>
-              <a:rPr lang="en-US" sz="2400" dirty="0" err="1"/>
-              <a:t>buyWines</a:t>
-            </a:r>
-            <a:r>
-              <a:rPr lang="en-US" sz="2400" dirty="0"/>
-              <a:t>(</a:t>
-            </a:r>
-            <a:r>
-              <a:rPr lang="en-US" sz="2400" dirty="0" err="1"/>
-              <a:t>WineList</a:t>
-            </a:r>
-            <a:r>
-              <a:rPr lang="en-US" sz="2400" dirty="0"/>
-              <a:t> </a:t>
-            </a:r>
-            <a:r>
-              <a:rPr lang="en-US" sz="2400" dirty="0" err="1"/>
-              <a:t>selectedWines</a:t>
-            </a:r>
-            <a:r>
-              <a:rPr lang="en-US" sz="2400" dirty="0"/>
-              <a:t>) {}</a:t>
+              <a:rPr lang="en-US" b="1" dirty="0"/>
+              <a:t>@</a:t>
+            </a:r>
+            <a:r>
+              <a:rPr lang="en-US" b="1" dirty="0" err="1"/>
+              <a:t>postcondtion</a:t>
+            </a:r>
+            <a:r>
+              <a:rPr lang="en-US" b="1" dirty="0"/>
+              <a:t>: </a:t>
+            </a:r>
+            <a:r>
+              <a:rPr lang="en-US" dirty="0"/>
+              <a:t>lst1[</a:t>
+            </a:r>
+            <a:r>
+              <a:rPr lang="en-US" dirty="0" err="1"/>
+              <a:t>i</a:t>
+            </a:r>
+            <a:r>
+              <a:rPr lang="en-US" dirty="0"/>
+              <a:t>] = lst1[</a:t>
+            </a:r>
+            <a:r>
+              <a:rPr lang="en-US" dirty="0" err="1"/>
+              <a:t>i</a:t>
+            </a:r>
+            <a:r>
+              <a:rPr lang="en-US" dirty="0"/>
+              <a:t>] + lst2[</a:t>
+            </a:r>
+            <a:r>
+              <a:rPr lang="en-US" dirty="0" err="1"/>
+              <a:t>i</a:t>
+            </a:r>
+            <a:r>
+              <a:rPr lang="en-US" dirty="0"/>
+              <a:t>]</a:t>
             </a:r>
           </a:p>
           <a:p>
@@ -18691,40 +18877,9 @@
               <a:buNone/>
             </a:pPr>
             <a:r>
-              <a:rPr lang="en-US" sz="2400" dirty="0"/>
-              <a:t>	public bool </a:t>
-            </a:r>
-            <a:r>
-              <a:rPr lang="en-US" sz="2400" dirty="0" err="1"/>
-              <a:t>payForWine</a:t>
-            </a:r>
-            <a:r>
-              <a:rPr lang="en-US" sz="2400" dirty="0"/>
-              <a:t>(</a:t>
-            </a:r>
-            <a:r>
-              <a:rPr lang="en-US" sz="2400" dirty="0" err="1"/>
-              <a:t>CreditCard</a:t>
-            </a:r>
-            <a:r>
-              <a:rPr lang="en-US" sz="2400" dirty="0"/>
-              <a:t> cc) {}</a:t>
-            </a:r>
-          </a:p>
-          <a:p>
-            <a:pPr marL="0" indent="0">
-              <a:buNone/>
-            </a:pPr>
-            <a:r>
-              <a:rPr lang="en-US" sz="2400" dirty="0"/>
-              <a:t>}</a:t>
-            </a:r>
-          </a:p>
-          <a:p>
-            <a:pPr marL="0" indent="0">
-              <a:buNone/>
-            </a:pPr>
-            <a:endParaRPr lang="en-US" dirty="0"/>
+              <a:rPr lang="en-US" b="1" dirty="0"/>
+              <a:t>@return none </a:t>
+            </a:r>
           </a:p>
         </p:txBody>
       </p:sp>
@@ -18745,13 +18900,8 @@
           <a:p>
             <a:r>
               <a:rPr lang="en-US" dirty="0"/>
-              <a:t>One </a:t>
-            </a:r>
-            <a:r>
-              <a:rPr lang="en-US"/>
-              <a:t>for you ….</a:t>
-            </a:r>
-            <a:endParaRPr lang="en-US" dirty="0"/>
+              <a:t>Example (not correct Javadoc for brevity)</a:t>
+            </a:r>
           </a:p>
         </p:txBody>
       </p:sp>
@@ -18782,7 +18932,7 @@
     </p:spTree>
     <p:extLst>
       <p:ext uri="{BB962C8B-B14F-4D97-AF65-F5344CB8AC3E}">
-        <p14:creationId xmlns:p14="http://schemas.microsoft.com/office/powerpoint/2010/main" val="3492753761"/>
+        <p14:creationId xmlns:p14="http://schemas.microsoft.com/office/powerpoint/2010/main" val="1898535571"/>
       </p:ext>
     </p:extLst>
   </p:cSld>
@@ -18822,66 +18972,142 @@
         <p:spPr>
           <a:xfrm>
             <a:off x="457200" y="1600201"/>
-            <a:ext cx="8077200" cy="4525963"/>
+            <a:ext cx="7924800" cy="4525963"/>
           </a:xfrm>
         </p:spPr>
         <p:txBody>
           <a:bodyPr/>
           <a:lstStyle/>
           <a:p>
-            <a:r>
-              <a:rPr lang="en-US" dirty="0"/>
-              <a:t>Get your Java IDE environment configured</a:t>
-            </a:r>
-          </a:p>
-          <a:p>
-            <a:r>
-              <a:rPr lang="en-US" dirty="0"/>
-              <a:t>Become a Java expert</a:t>
-            </a:r>
-          </a:p>
-          <a:p>
-            <a:pPr lvl="1"/>
-            <a:r>
-              <a:rPr lang="en-US" dirty="0"/>
-              <a:t>You have a week </a:t>
-            </a:r>
-            <a:r>
-              <a:rPr lang="en-US" dirty="0">
-                <a:sym typeface="Wingdings" panose="05000000000000000000" pitchFamily="2" charset="2"/>
-              </a:rPr>
-              <a:t></a:t>
-            </a:r>
-          </a:p>
-          <a:p>
-            <a:pPr lvl="1"/>
-            <a:r>
-              <a:rPr lang="en-US" dirty="0">
-                <a:sym typeface="Wingdings" panose="05000000000000000000" pitchFamily="2" charset="2"/>
-              </a:rPr>
-              <a:t>Your bedtime reading</a:t>
-            </a:r>
-          </a:p>
-          <a:p>
-            <a:pPr lvl="2"/>
-            <a:r>
-              <a:rPr lang="en-US" dirty="0">
-                <a:sym typeface="Wingdings" panose="05000000000000000000" pitchFamily="2" charset="2"/>
-              </a:rPr>
-              <a:t>Joshua Bloch, Effective Java 2</a:t>
-            </a:r>
-            <a:r>
-              <a:rPr lang="en-US" baseline="30000" dirty="0">
-                <a:sym typeface="Wingdings" panose="05000000000000000000" pitchFamily="2" charset="2"/>
-              </a:rPr>
-              <a:t>nd</a:t>
-            </a:r>
-            <a:r>
-              <a:rPr lang="en-US" dirty="0">
-                <a:sym typeface="Wingdings" panose="05000000000000000000" pitchFamily="2" charset="2"/>
-              </a:rPr>
-              <a:t> Edition</a:t>
-            </a:r>
+            <a:pPr marL="0" indent="0">
+              <a:buNone/>
+            </a:pPr>
+            <a:r>
+              <a:rPr lang="en-US" sz="2400" dirty="0"/>
+              <a:t>Public class </a:t>
+            </a:r>
+            <a:r>
+              <a:rPr lang="en-US" sz="2400" dirty="0" err="1"/>
+              <a:t>Vivino</a:t>
+            </a:r>
+            <a:r>
+              <a:rPr lang="en-US" sz="2400" dirty="0"/>
+              <a:t> {</a:t>
+            </a:r>
+          </a:p>
+          <a:p>
+            <a:pPr marL="0" indent="0">
+              <a:buNone/>
+            </a:pPr>
+            <a:r>
+              <a:rPr lang="en-US" sz="2400" dirty="0"/>
+              <a:t>	public Credentials login(String user, String </a:t>
+            </a:r>
+            <a:r>
+              <a:rPr lang="en-US" sz="2400" dirty="0" err="1"/>
+              <a:t>pwd</a:t>
+            </a:r>
+            <a:r>
+              <a:rPr lang="en-US" sz="2400" dirty="0"/>
+              <a:t>) {}</a:t>
+            </a:r>
+          </a:p>
+          <a:p>
+            <a:pPr marL="0" indent="0">
+              <a:buNone/>
+            </a:pPr>
+            <a:r>
+              <a:rPr lang="en-US" sz="2400" dirty="0"/>
+              <a:t>	public </a:t>
+            </a:r>
+            <a:r>
+              <a:rPr lang="en-US" sz="2400" dirty="0" err="1"/>
+              <a:t>WineList</a:t>
+            </a:r>
+            <a:r>
+              <a:rPr lang="en-US" sz="2400" dirty="0"/>
+              <a:t> </a:t>
+            </a:r>
+            <a:r>
+              <a:rPr lang="en-US" sz="2400" dirty="0" err="1"/>
+              <a:t>getMyWines</a:t>
+            </a:r>
+            <a:r>
+              <a:rPr lang="en-US" sz="2400" dirty="0"/>
+              <a:t> (Credentials user) {}</a:t>
+            </a:r>
+          </a:p>
+          <a:p>
+            <a:pPr marL="0" indent="0">
+              <a:buNone/>
+            </a:pPr>
+            <a:r>
+              <a:rPr lang="en-US" sz="2400" dirty="0"/>
+              <a:t>	public Receipt </a:t>
+            </a:r>
+            <a:r>
+              <a:rPr lang="en-US" sz="2400" dirty="0" err="1"/>
+              <a:t>buyWines</a:t>
+            </a:r>
+            <a:r>
+              <a:rPr lang="en-US" sz="2400" dirty="0"/>
+              <a:t>(</a:t>
+            </a:r>
+            <a:r>
+              <a:rPr lang="en-US" sz="2400" dirty="0" err="1"/>
+              <a:t>WineList</a:t>
+            </a:r>
+            <a:r>
+              <a:rPr lang="en-US" sz="2400" dirty="0"/>
+              <a:t> </a:t>
+            </a:r>
+            <a:r>
+              <a:rPr lang="en-US" sz="2400" dirty="0" err="1"/>
+              <a:t>selectedWines</a:t>
+            </a:r>
+            <a:r>
+              <a:rPr lang="en-US" sz="2400" dirty="0"/>
+              <a:t>) {}</a:t>
+            </a:r>
+          </a:p>
+          <a:p>
+            <a:pPr marL="0" indent="0">
+              <a:buNone/>
+            </a:pPr>
+            <a:r>
+              <a:rPr lang="en-US" sz="2400" dirty="0"/>
+              <a:t>	public bool </a:t>
+            </a:r>
+            <a:r>
+              <a:rPr lang="en-US" sz="2400" dirty="0" err="1"/>
+              <a:t>payForWine</a:t>
+            </a:r>
+            <a:r>
+              <a:rPr lang="en-US" sz="2400" dirty="0"/>
+              <a:t>(</a:t>
+            </a:r>
+            <a:r>
+              <a:rPr lang="en-US" sz="2400" dirty="0" err="1"/>
+              <a:t>CreditCard</a:t>
+            </a:r>
+            <a:r>
+              <a:rPr lang="en-US" sz="2400" dirty="0"/>
+              <a:t> cc) {}</a:t>
+            </a:r>
+          </a:p>
+          <a:p>
+            <a:pPr marL="0" indent="0">
+              <a:buNone/>
+            </a:pPr>
+            <a:r>
+              <a:rPr lang="en-US" sz="2400" dirty="0"/>
+              <a:t>}</a:t>
+            </a:r>
+          </a:p>
+          <a:p>
+            <a:pPr marL="0" indent="0">
+              <a:buNone/>
+            </a:pPr>
             <a:endParaRPr lang="en-US" dirty="0"/>
           </a:p>
         </p:txBody>
@@ -18903,8 +19129,13 @@
           <a:p>
             <a:r>
               <a:rPr lang="en-US" dirty="0"/>
-              <a:t>What Next</a:t>
-            </a:r>
+              <a:t>One </a:t>
+            </a:r>
+            <a:r>
+              <a:rPr lang="en-US"/>
+              <a:t>for you ….</a:t>
+            </a:r>
+            <a:endParaRPr lang="en-US" dirty="0"/>
           </a:p>
         </p:txBody>
       </p:sp>
@@ -18935,7 +19166,7 @@
     </p:spTree>
     <p:extLst>
       <p:ext uri="{BB962C8B-B14F-4D97-AF65-F5344CB8AC3E}">
-        <p14:creationId xmlns:p14="http://schemas.microsoft.com/office/powerpoint/2010/main" val="2880475217"/>
+        <p14:creationId xmlns:p14="http://schemas.microsoft.com/office/powerpoint/2010/main" val="3492753761"/>
       </p:ext>
     </p:extLst>
   </p:cSld>
@@ -18975,7 +19206,7 @@
         <p:spPr>
           <a:xfrm>
             <a:off x="457200" y="1600201"/>
-            <a:ext cx="8229600" cy="4525963"/>
+            <a:ext cx="8077200" cy="4525963"/>
           </a:xfrm>
         </p:spPr>
         <p:txBody>
@@ -18984,67 +19215,59 @@
           <a:p>
             <a:r>
               <a:rPr lang="en-US" dirty="0"/>
-              <a:t>First assignment released on Friday</a:t>
-            </a:r>
-          </a:p>
-          <a:p>
-            <a:r>
-              <a:rPr lang="en-US" dirty="0"/>
-              <a:t>Lecture next week – Whirlwind Java tour</a:t>
-            </a:r>
-          </a:p>
-          <a:p>
-            <a:r>
-              <a:rPr lang="en-US" dirty="0"/>
-              <a:t>First assignment deadline: </a:t>
+              <a:t>Get your Java IDE environment configured</a:t>
+            </a:r>
+          </a:p>
+          <a:p>
+            <a:r>
+              <a:rPr lang="en-US" dirty="0"/>
+              <a:t>Become a Java expert</a:t>
             </a:r>
           </a:p>
           <a:p>
             <a:pPr lvl="1"/>
             <a:r>
               <a:rPr lang="en-US" dirty="0"/>
-              <a:t>Monday 6pm Sept 18</a:t>
-            </a:r>
-            <a:r>
-              <a:rPr lang="en-US" baseline="30000" dirty="0"/>
-              <a:t>th</a:t>
+              <a:t>You have a week </a:t>
+            </a:r>
+            <a:r>
+              <a:rPr lang="en-US" dirty="0">
+                <a:sym typeface="Wingdings" panose="05000000000000000000" pitchFamily="2" charset="2"/>
+              </a:rPr>
+              <a:t></a:t>
+            </a:r>
+          </a:p>
+          <a:p>
+            <a:pPr lvl="1"/>
+            <a:r>
+              <a:rPr lang="en-US" dirty="0">
+                <a:sym typeface="Wingdings" panose="05000000000000000000" pitchFamily="2" charset="2"/>
+              </a:rPr>
+              <a:t>Your bedtime reading</a:t>
+            </a:r>
+          </a:p>
+          <a:p>
+            <a:pPr lvl="2"/>
+            <a:r>
+              <a:rPr lang="en-US" dirty="0">
+                <a:sym typeface="Wingdings" panose="05000000000000000000" pitchFamily="2" charset="2"/>
+              </a:rPr>
+              <a:t>Joshua Bloch, Effective Java 2</a:t>
+            </a:r>
+            <a:r>
+              <a:rPr lang="en-US" baseline="30000" dirty="0">
+                <a:sym typeface="Wingdings" panose="05000000000000000000" pitchFamily="2" charset="2"/>
+              </a:rPr>
+              <a:t>nd</a:t>
+            </a:r>
+            <a:r>
+              <a:rPr lang="en-US" dirty="0">
+                <a:sym typeface="Wingdings" panose="05000000000000000000" pitchFamily="2" charset="2"/>
+              </a:rPr>
+              <a:t> Edition</a:t>
             </a:r>
             <a:endParaRPr lang="en-US" dirty="0"/>
           </a:p>
-          <a:p>
-            <a:r>
-              <a:rPr lang="en-US" dirty="0"/>
-              <a:t>First Walkthroughs</a:t>
-            </a:r>
-          </a:p>
-          <a:p>
-            <a:pPr lvl="1"/>
-            <a:r>
-              <a:rPr lang="en-US" dirty="0"/>
-              <a:t>Tuesday 19</a:t>
-            </a:r>
-            <a:r>
-              <a:rPr lang="en-US" baseline="30000" dirty="0"/>
-              <a:t>th</a:t>
-            </a:r>
-            <a:r>
-              <a:rPr lang="en-US" dirty="0"/>
-              <a:t> Sept</a:t>
-            </a:r>
-          </a:p>
-          <a:p>
-            <a:pPr lvl="1"/>
-            <a:r>
-              <a:rPr lang="en-US" dirty="0"/>
-              <a:t>Time slots all day, sign up ‘sheet’ coming soon</a:t>
-            </a:r>
-          </a:p>
-          <a:p>
-            <a:pPr marL="914400" lvl="2" indent="0">
-              <a:buNone/>
-            </a:pPr>
-            <a:endParaRPr lang="en-US" dirty="0"/>
-          </a:p>
         </p:txBody>
       </p:sp>
       <p:sp>
@@ -19064,7 +19287,7 @@
           <a:p>
             <a:r>
               <a:rPr lang="en-US" dirty="0"/>
-              <a:t>What Next (2)</a:t>
+              <a:t>What Next</a:t>
             </a:r>
           </a:p>
         </p:txBody>
@@ -19096,7 +19319,7 @@
     </p:spTree>
     <p:extLst>
       <p:ext uri="{BB962C8B-B14F-4D97-AF65-F5344CB8AC3E}">
-        <p14:creationId xmlns:p14="http://schemas.microsoft.com/office/powerpoint/2010/main" val="1591917721"/>
+        <p14:creationId xmlns:p14="http://schemas.microsoft.com/office/powerpoint/2010/main" val="2880475217"/>
       </p:ext>
     </p:extLst>
   </p:cSld>
@@ -19125,6 +19348,113 @@
       </p:grpSpPr>
       <p:sp>
         <p:nvSpPr>
+          <p:cNvPr id="2" name="Content Placeholder 1"/>
+          <p:cNvSpPr>
+            <a:spLocks noGrp="1"/>
+          </p:cNvSpPr>
+          <p:nvPr>
+            <p:ph sz="half" idx="1"/>
+          </p:nvPr>
+        </p:nvSpPr>
+        <p:spPr>
+          <a:xfrm>
+            <a:off x="457200" y="1600201"/>
+            <a:ext cx="8229600" cy="4525963"/>
+          </a:xfrm>
+        </p:spPr>
+        <p:txBody>
+          <a:bodyPr/>
+          <a:lstStyle/>
+          <a:p>
+            <a:r>
+              <a:rPr lang="en-US" dirty="0"/>
+              <a:t>First assignment released on Friday</a:t>
+            </a:r>
+          </a:p>
+          <a:p>
+            <a:r>
+              <a:rPr lang="en-US" dirty="0"/>
+              <a:t>Lecture next week – Whirlwind Java tour</a:t>
+            </a:r>
+          </a:p>
+          <a:p>
+            <a:r>
+              <a:rPr lang="en-US" dirty="0"/>
+              <a:t>First assignment deadline: </a:t>
+            </a:r>
+          </a:p>
+          <a:p>
+            <a:pPr lvl="1"/>
+            <a:r>
+              <a:rPr lang="en-US" dirty="0"/>
+              <a:t>Monday 6pm Sept 18</a:t>
+            </a:r>
+            <a:r>
+              <a:rPr lang="en-US" baseline="30000" dirty="0"/>
+              <a:t>th</a:t>
+            </a:r>
+            <a:endParaRPr lang="en-US" dirty="0"/>
+          </a:p>
+          <a:p>
+            <a:r>
+              <a:rPr lang="en-US" dirty="0"/>
+              <a:t>First Walkthroughs</a:t>
+            </a:r>
+          </a:p>
+          <a:p>
+            <a:pPr lvl="1"/>
+            <a:r>
+              <a:rPr lang="en-US" dirty="0"/>
+              <a:t>Tuesday 19</a:t>
+            </a:r>
+            <a:r>
+              <a:rPr lang="en-US" baseline="30000" dirty="0"/>
+              <a:t>th</a:t>
+            </a:r>
+            <a:r>
+              <a:rPr lang="en-US" dirty="0"/>
+              <a:t> Sept</a:t>
+            </a:r>
+          </a:p>
+          <a:p>
+            <a:pPr lvl="1"/>
+            <a:r>
+              <a:rPr lang="en-US" dirty="0"/>
+              <a:t>Time slots all day, sign up ‘sheet’ coming soon</a:t>
+            </a:r>
+          </a:p>
+          <a:p>
+            <a:pPr marL="914400" lvl="2" indent="0">
+              <a:buNone/>
+            </a:pPr>
+            <a:endParaRPr lang="en-US" dirty="0"/>
+          </a:p>
+        </p:txBody>
+      </p:sp>
+      <p:sp>
+        <p:nvSpPr>
+          <p:cNvPr id="4" name="Title 3"/>
+          <p:cNvSpPr>
+            <a:spLocks noGrp="1"/>
+          </p:cNvSpPr>
+          <p:nvPr>
+            <p:ph type="ctrTitle"/>
+          </p:nvPr>
+        </p:nvSpPr>
+        <p:spPr/>
+        <p:txBody>
+          <a:bodyPr/>
+          <a:lstStyle/>
+          <a:p>
+            <a:r>
+              <a:rPr lang="en-US" dirty="0"/>
+              <a:t>What Next (2)</a:t>
+            </a:r>
+          </a:p>
+        </p:txBody>
+      </p:sp>
+      <p:sp>
+        <p:nvSpPr>
           <p:cNvPr id="5" name="Slide Number Placeholder 4"/>
           <p:cNvSpPr>
             <a:spLocks noGrp="1"/>
@@ -19142,6 +19472,60 @@
               <a:rPr lang="en-US" smtClean="0"/>
               <a:pPr/>
               <a:t>54</a:t>
+            </a:fld>
+            <a:endParaRPr lang="en-US"/>
+          </a:p>
+        </p:txBody>
+      </p:sp>
+    </p:spTree>
+    <p:extLst>
+      <p:ext uri="{BB962C8B-B14F-4D97-AF65-F5344CB8AC3E}">
+        <p14:creationId xmlns:p14="http://schemas.microsoft.com/office/powerpoint/2010/main" val="1591917721"/>
+      </p:ext>
+    </p:extLst>
+  </p:cSld>
+  <p:clrMapOvr>
+    <a:masterClrMapping/>
+  </p:clrMapOvr>
+</p:sld>
+</file>
+
+<file path=ppt/slides/slide55.xml><?xml version="1.0" encoding="utf-8"?>
+<p:sld xmlns:a="http://schemas.openxmlformats.org/drawingml/2006/main" xmlns:r="http://schemas.openxmlformats.org/officeDocument/2006/relationships" xmlns:p="http://schemas.openxmlformats.org/presentationml/2006/main">
+  <p:cSld>
+    <p:spTree>
+      <p:nvGrpSpPr>
+        <p:cNvPr id="1" name=""/>
+        <p:cNvGrpSpPr/>
+        <p:nvPr/>
+      </p:nvGrpSpPr>
+      <p:grpSpPr>
+        <a:xfrm>
+          <a:off x="0" y="0"/>
+          <a:ext cx="0" cy="0"/>
+          <a:chOff x="0" y="0"/>
+          <a:chExt cx="0" cy="0"/>
+        </a:xfrm>
+      </p:grpSpPr>
+      <p:sp>
+        <p:nvSpPr>
+          <p:cNvPr id="5" name="Slide Number Placeholder 4"/>
+          <p:cNvSpPr>
+            <a:spLocks noGrp="1"/>
+          </p:cNvSpPr>
+          <p:nvPr>
+            <p:ph type="sldNum" sz="quarter" idx="12"/>
+          </p:nvPr>
+        </p:nvSpPr>
+        <p:spPr/>
+        <p:txBody>
+          <a:bodyPr/>
+          <a:lstStyle/>
+          <a:p>
+            <a:fld id="{7D5A3BC4-B19D-A441-9E0C-B5423139123D}" type="slidenum">
+              <a:rPr lang="en-US" smtClean="0"/>
+              <a:pPr/>
+              <a:t>55</a:t>
             </a:fld>
             <a:endParaRPr lang="en-US"/>
           </a:p>
@@ -19548,102 +19932,6 @@
       </p:grpSpPr>
       <p:sp>
         <p:nvSpPr>
-          <p:cNvPr id="2" name="Content Placeholder 1"/>
-          <p:cNvSpPr>
-            <a:spLocks noGrp="1"/>
-          </p:cNvSpPr>
-          <p:nvPr>
-            <p:ph sz="half" idx="1"/>
-          </p:nvPr>
-        </p:nvSpPr>
-        <p:spPr>
-          <a:xfrm>
-            <a:off x="457200" y="1600201"/>
-            <a:ext cx="8382000" cy="4525963"/>
-          </a:xfrm>
-        </p:spPr>
-        <p:txBody>
-          <a:bodyPr/>
-          <a:lstStyle/>
-          <a:p>
-            <a:r>
-              <a:rPr lang="en-US" dirty="0"/>
-              <a:t>Your code has two equally important audiences:</a:t>
-            </a:r>
-          </a:p>
-          <a:p>
-            <a:pPr lvl="1"/>
-            <a:r>
-              <a:rPr lang="en-US" dirty="0"/>
-              <a:t>CPU and systems</a:t>
-            </a:r>
-          </a:p>
-          <a:p>
-            <a:pPr lvl="1"/>
-            <a:r>
-              <a:rPr lang="en-US" dirty="0"/>
-              <a:t>Other engineers</a:t>
-            </a:r>
-          </a:p>
-          <a:p>
-            <a:r>
-              <a:rPr lang="en-US" dirty="0"/>
-              <a:t>Your code should be </a:t>
-            </a:r>
-          </a:p>
-          <a:p>
-            <a:pPr lvl="1"/>
-            <a:r>
-              <a:rPr lang="en-US" dirty="0"/>
-              <a:t>Easy for others to understand</a:t>
-            </a:r>
-          </a:p>
-          <a:p>
-            <a:pPr lvl="1"/>
-            <a:r>
-              <a:rPr lang="en-US" dirty="0"/>
-              <a:t>Well documented</a:t>
-            </a:r>
-          </a:p>
-          <a:p>
-            <a:r>
-              <a:rPr lang="en-US" dirty="0"/>
-              <a:t>This will be tested in walkthroughs</a:t>
-            </a:r>
-          </a:p>
-          <a:p>
-            <a:pPr lvl="1"/>
-            <a:r>
-              <a:rPr lang="en-US" dirty="0"/>
-              <a:t>You’ll need to explain your design and code to TAs and Professors</a:t>
-            </a:r>
-          </a:p>
-        </p:txBody>
-      </p:sp>
-      <p:sp>
-        <p:nvSpPr>
-          <p:cNvPr id="4" name="Title 3"/>
-          <p:cNvSpPr>
-            <a:spLocks noGrp="1"/>
-          </p:cNvSpPr>
-          <p:nvPr>
-            <p:ph type="ctrTitle"/>
-          </p:nvPr>
-        </p:nvSpPr>
-        <p:spPr/>
-        <p:txBody>
-          <a:bodyPr/>
-          <a:lstStyle/>
-          <a:p>
-            <a:r>
-              <a:rPr lang="en-US" dirty="0"/>
-              <a:t>Comprehensible</a:t>
-            </a:r>
-          </a:p>
-        </p:txBody>
-      </p:sp>
-      <p:sp>
-        <p:nvSpPr>
           <p:cNvPr id="5" name="Slide Number Placeholder 4"/>
           <p:cNvSpPr>
             <a:spLocks noGrp="1"/>
@@ -19689,10 +19977,34 @@
           </a:p>
         </p:txBody>
       </p:sp>
+      <p:pic>
+        <p:nvPicPr>
+          <p:cNvPr id="6" name="Picture 5"/>
+          <p:cNvPicPr>
+            <a:picLocks noChangeAspect="1"/>
+          </p:cNvPicPr>
+          <p:nvPr/>
+        </p:nvPicPr>
+        <p:blipFill>
+          <a:blip r:embed="rId2"/>
+          <a:stretch>
+            <a:fillRect/>
+          </a:stretch>
+        </p:blipFill>
+        <p:spPr>
+          <a:xfrm>
+            <a:off x="1371600" y="1143000"/>
+            <a:ext cx="6248400" cy="4686300"/>
+          </a:xfrm>
+          <a:prstGeom prst="rect">
+            <a:avLst/>
+          </a:prstGeom>
+        </p:spPr>
+      </p:pic>
     </p:spTree>
     <p:extLst>
       <p:ext uri="{BB962C8B-B14F-4D97-AF65-F5344CB8AC3E}">
-        <p14:creationId xmlns:p14="http://schemas.microsoft.com/office/powerpoint/2010/main" val="2986397223"/>
+        <p14:creationId xmlns:p14="http://schemas.microsoft.com/office/powerpoint/2010/main" val="3406972563"/>
       </p:ext>
     </p:extLst>
   </p:cSld>
@@ -19732,7 +20044,7 @@
         <p:spPr>
           <a:xfrm>
             <a:off x="457200" y="1600201"/>
-            <a:ext cx="8077200" cy="4525963"/>
+            <a:ext cx="8382000" cy="4525963"/>
           </a:xfrm>
         </p:spPr>
         <p:txBody>
@@ -19741,48 +20053,54 @@
           <a:p>
             <a:r>
               <a:rPr lang="en-US" dirty="0"/>
-              <a:t>Software systems always change and evolve</a:t>
+              <a:t>Your code has two equally important audiences:</a:t>
             </a:r>
           </a:p>
           <a:p>
             <a:pPr lvl="1"/>
             <a:r>
               <a:rPr lang="en-US" dirty="0"/>
-              <a:t>Your code should be comprehensible so other engineers can use and modify it</a:t>
-            </a:r>
-          </a:p>
-          <a:p>
-            <a:r>
-              <a:rPr lang="en-US" dirty="0"/>
-              <a:t>Design principles make it possible to build modifiable software</a:t>
+              <a:t>CPU and systems</a:t>
             </a:r>
           </a:p>
           <a:p>
             <a:pPr lvl="1"/>
             <a:r>
               <a:rPr lang="en-US" dirty="0"/>
-              <a:t>But there are always trade-offs</a:t>
+              <a:t>Other engineers</a:t>
+            </a:r>
+          </a:p>
+          <a:p>
+            <a:r>
+              <a:rPr lang="en-US" dirty="0"/>
+              <a:t>Your code should be </a:t>
             </a:r>
           </a:p>
           <a:p>
             <a:pPr lvl="1"/>
             <a:r>
               <a:rPr lang="en-US" dirty="0"/>
-              <a:t>Some changes are easier to make than others</a:t>
-            </a:r>
-          </a:p>
-          <a:p>
-            <a:pPr lvl="2"/>
-            <a:r>
-              <a:rPr lang="en-US" dirty="0"/>
-              <a:t>And some will be hard/impossible</a:t>
+              <a:t>Easy for others to understand</a:t>
             </a:r>
           </a:p>
           <a:p>
             <a:pPr lvl="1"/>
             <a:r>
               <a:rPr lang="en-US" dirty="0"/>
-              <a:t>The art of design is to anticipate likely/most common changes and accommodate those</a:t>
+              <a:t>Well documented</a:t>
+            </a:r>
+          </a:p>
+          <a:p>
+            <a:r>
+              <a:rPr lang="en-US" dirty="0"/>
+              <a:t>This will be tested in walkthroughs</a:t>
+            </a:r>
+          </a:p>
+          <a:p>
+            <a:pPr lvl="1"/>
+            <a:r>
+              <a:rPr lang="en-US" dirty="0"/>
+              <a:t>You’ll need to explain your design and code to TAs and Professors</a:t>
             </a:r>
           </a:p>
         </p:txBody>
@@ -19804,7 +20122,7 @@
           <a:p>
             <a:r>
               <a:rPr lang="en-US" dirty="0"/>
-              <a:t>Modifiable</a:t>
+              <a:t>Comprehensible</a:t>
             </a:r>
           </a:p>
         </p:txBody>
@@ -19859,7 +20177,7 @@
     </p:spTree>
     <p:extLst>
       <p:ext uri="{BB962C8B-B14F-4D97-AF65-F5344CB8AC3E}">
-        <p14:creationId xmlns:p14="http://schemas.microsoft.com/office/powerpoint/2010/main" val="790983248"/>
+        <p14:creationId xmlns:p14="http://schemas.microsoft.com/office/powerpoint/2010/main" val="2986397223"/>
       </p:ext>
     </p:extLst>
   </p:cSld>
